--- a/CSCI-111/week-7/week-7-lecture.pptx
+++ b/CSCI-111/week-7/week-7-lecture.pptx
@@ -33,6 +33,8 @@
     <p:sldId id="278" r:id="rId29"/>
     <p:sldId id="279" r:id="rId30"/>
     <p:sldId id="280" r:id="rId31"/>
+    <p:sldId id="281" r:id="rId32"/>
+    <p:sldId id="282" r:id="rId33"/>
   </p:sldIdLst>
   <p:sldSz cy="5143500" cx="9144000"/>
   <p:notesSz cx="6858000" cy="9144000"/>
@@ -814,7 +816,7 @@
   <p:cSld>
     <p:spTree>
       <p:nvGrpSpPr>
-        <p:cNvPr id="121" name="Shape 121"/>
+        <p:cNvPr id="125" name="Shape 125"/>
         <p:cNvGrpSpPr/>
         <p:nvPr/>
       </p:nvGrpSpPr>
@@ -828,7 +830,7 @@
       </p:grpSpPr>
       <p:sp>
         <p:nvSpPr>
-          <p:cNvPr id="122" name="Google Shape;122;g302e0d3426f_1_20:notes"/>
+          <p:cNvPr id="126" name="Google Shape;126;g303bf7eac59_0_28:notes"/>
           <p:cNvSpPr/>
           <p:nvPr>
             <p:ph idx="2" type="sldImg"/>
@@ -863,7 +865,7 @@
       </p:sp>
       <p:sp>
         <p:nvSpPr>
-          <p:cNvPr id="123" name="Google Shape;123;g302e0d3426f_1_20:notes"/>
+          <p:cNvPr id="127" name="Google Shape;127;g303bf7eac59_0_28:notes"/>
           <p:cNvSpPr txBox="1"/>
           <p:nvPr>
             <p:ph idx="1" type="body"/>
@@ -913,7 +915,7 @@
   <p:cSld>
     <p:spTree>
       <p:nvGrpSpPr>
-        <p:cNvPr id="128" name="Shape 128"/>
+        <p:cNvPr id="133" name="Shape 133"/>
         <p:cNvGrpSpPr/>
         <p:nvPr/>
       </p:nvGrpSpPr>
@@ -927,7 +929,7 @@
       </p:grpSpPr>
       <p:sp>
         <p:nvSpPr>
-          <p:cNvPr id="129" name="Google Shape;129;g302e0d3426f_1_25:notes"/>
+          <p:cNvPr id="134" name="Google Shape;134;g303bf7eac59_0_35:notes"/>
           <p:cNvSpPr/>
           <p:nvPr>
             <p:ph idx="2" type="sldImg"/>
@@ -962,7 +964,7 @@
       </p:sp>
       <p:sp>
         <p:nvSpPr>
-          <p:cNvPr id="130" name="Google Shape;130;g302e0d3426f_1_25:notes"/>
+          <p:cNvPr id="135" name="Google Shape;135;g303bf7eac59_0_35:notes"/>
           <p:cNvSpPr txBox="1"/>
           <p:nvPr>
             <p:ph idx="1" type="body"/>
@@ -1012,7 +1014,7 @@
   <p:cSld>
     <p:spTree>
       <p:nvGrpSpPr>
-        <p:cNvPr id="136" name="Shape 136"/>
+        <p:cNvPr id="140" name="Shape 140"/>
         <p:cNvGrpSpPr/>
         <p:nvPr/>
       </p:nvGrpSpPr>
@@ -1026,7 +1028,7 @@
       </p:grpSpPr>
       <p:sp>
         <p:nvSpPr>
-          <p:cNvPr id="137" name="Google Shape;137;g3006a2eb24e_0_85:notes"/>
+          <p:cNvPr id="141" name="Google Shape;141;g302e0d3426f_1_20:notes"/>
           <p:cNvSpPr/>
           <p:nvPr>
             <p:ph idx="2" type="sldImg"/>
@@ -1061,7 +1063,7 @@
       </p:sp>
       <p:sp>
         <p:nvSpPr>
-          <p:cNvPr id="138" name="Google Shape;138;g3006a2eb24e_0_85:notes"/>
+          <p:cNvPr id="142" name="Google Shape;142;g302e0d3426f_1_20:notes"/>
           <p:cNvSpPr txBox="1"/>
           <p:nvPr>
             <p:ph idx="1" type="body"/>
@@ -1111,7 +1113,7 @@
   <p:cSld>
     <p:spTree>
       <p:nvGrpSpPr>
-        <p:cNvPr id="143" name="Shape 143"/>
+        <p:cNvPr id="147" name="Shape 147"/>
         <p:cNvGrpSpPr/>
         <p:nvPr/>
       </p:nvGrpSpPr>
@@ -1125,7 +1127,7 @@
       </p:grpSpPr>
       <p:sp>
         <p:nvSpPr>
-          <p:cNvPr id="144" name="Google Shape;144;g302e0d3426f_1_3:notes"/>
+          <p:cNvPr id="148" name="Google Shape;148;g302e0d3426f_1_25:notes"/>
           <p:cNvSpPr/>
           <p:nvPr>
             <p:ph idx="2" type="sldImg"/>
@@ -1160,7 +1162,7 @@
       </p:sp>
       <p:sp>
         <p:nvSpPr>
-          <p:cNvPr id="145" name="Google Shape;145;g302e0d3426f_1_3:notes"/>
+          <p:cNvPr id="149" name="Google Shape;149;g302e0d3426f_1_25:notes"/>
           <p:cNvSpPr txBox="1"/>
           <p:nvPr>
             <p:ph idx="1" type="body"/>
@@ -1210,7 +1212,7 @@
   <p:cSld>
     <p:spTree>
       <p:nvGrpSpPr>
-        <p:cNvPr id="150" name="Shape 150"/>
+        <p:cNvPr id="155" name="Shape 155"/>
         <p:cNvGrpSpPr/>
         <p:nvPr/>
       </p:nvGrpSpPr>
@@ -1224,7 +1226,7 @@
       </p:grpSpPr>
       <p:sp>
         <p:nvSpPr>
-          <p:cNvPr id="151" name="Google Shape;151;g3006a2eb24e_0_99:notes"/>
+          <p:cNvPr id="156" name="Google Shape;156;g3006a2eb24e_0_85:notes"/>
           <p:cNvSpPr/>
           <p:nvPr>
             <p:ph idx="2" type="sldImg"/>
@@ -1259,7 +1261,7 @@
       </p:sp>
       <p:sp>
         <p:nvSpPr>
-          <p:cNvPr id="152" name="Google Shape;152;g3006a2eb24e_0_99:notes"/>
+          <p:cNvPr id="157" name="Google Shape;157;g3006a2eb24e_0_85:notes"/>
           <p:cNvSpPr txBox="1"/>
           <p:nvPr>
             <p:ph idx="1" type="body"/>
@@ -1309,7 +1311,7 @@
   <p:cSld>
     <p:spTree>
       <p:nvGrpSpPr>
-        <p:cNvPr id="156" name="Shape 156"/>
+        <p:cNvPr id="162" name="Shape 162"/>
         <p:cNvGrpSpPr/>
         <p:nvPr/>
       </p:nvGrpSpPr>
@@ -1323,7 +1325,7 @@
       </p:grpSpPr>
       <p:sp>
         <p:nvSpPr>
-          <p:cNvPr id="157" name="Google Shape;157;g3006a2eb24e_0_111:notes"/>
+          <p:cNvPr id="163" name="Google Shape;163;g302e0d3426f_1_3:notes"/>
           <p:cNvSpPr/>
           <p:nvPr>
             <p:ph idx="2" type="sldImg"/>
@@ -1358,7 +1360,7 @@
       </p:sp>
       <p:sp>
         <p:nvSpPr>
-          <p:cNvPr id="158" name="Google Shape;158;g3006a2eb24e_0_111:notes"/>
+          <p:cNvPr id="164" name="Google Shape;164;g302e0d3426f_1_3:notes"/>
           <p:cNvSpPr txBox="1"/>
           <p:nvPr>
             <p:ph idx="1" type="body"/>
@@ -1408,7 +1410,7 @@
   <p:cSld>
     <p:spTree>
       <p:nvGrpSpPr>
-        <p:cNvPr id="162" name="Shape 162"/>
+        <p:cNvPr id="169" name="Shape 169"/>
         <p:cNvGrpSpPr/>
         <p:nvPr/>
       </p:nvGrpSpPr>
@@ -1422,7 +1424,7 @@
       </p:grpSpPr>
       <p:sp>
         <p:nvSpPr>
-          <p:cNvPr id="163" name="Google Shape;163;g302e0d3426f_1_146:notes"/>
+          <p:cNvPr id="170" name="Google Shape;170;g3006a2eb24e_0_99:notes"/>
           <p:cNvSpPr/>
           <p:nvPr>
             <p:ph idx="2" type="sldImg"/>
@@ -1457,7 +1459,7 @@
       </p:sp>
       <p:sp>
         <p:nvSpPr>
-          <p:cNvPr id="164" name="Google Shape;164;g302e0d3426f_1_146:notes"/>
+          <p:cNvPr id="171" name="Google Shape;171;g3006a2eb24e_0_99:notes"/>
           <p:cNvSpPr txBox="1"/>
           <p:nvPr>
             <p:ph idx="1" type="body"/>
@@ -1507,7 +1509,7 @@
   <p:cSld>
     <p:spTree>
       <p:nvGrpSpPr>
-        <p:cNvPr id="169" name="Shape 169"/>
+        <p:cNvPr id="175" name="Shape 175"/>
         <p:cNvGrpSpPr/>
         <p:nvPr/>
       </p:nvGrpSpPr>
@@ -1521,7 +1523,7 @@
       </p:grpSpPr>
       <p:sp>
         <p:nvSpPr>
-          <p:cNvPr id="170" name="Google Shape;170;g302e0d3426f_1_151:notes"/>
+          <p:cNvPr id="176" name="Google Shape;176;g3006a2eb24e_0_111:notes"/>
           <p:cNvSpPr/>
           <p:nvPr>
             <p:ph idx="2" type="sldImg"/>
@@ -1556,7 +1558,7 @@
       </p:sp>
       <p:sp>
         <p:nvSpPr>
-          <p:cNvPr id="171" name="Google Shape;171;g302e0d3426f_1_151:notes"/>
+          <p:cNvPr id="177" name="Google Shape;177;g3006a2eb24e_0_111:notes"/>
           <p:cNvSpPr txBox="1"/>
           <p:nvPr>
             <p:ph idx="1" type="body"/>
@@ -1606,7 +1608,7 @@
   <p:cSld>
     <p:spTree>
       <p:nvGrpSpPr>
-        <p:cNvPr id="175" name="Shape 175"/>
+        <p:cNvPr id="181" name="Shape 181"/>
         <p:cNvGrpSpPr/>
         <p:nvPr/>
       </p:nvGrpSpPr>
@@ -1620,7 +1622,7 @@
       </p:grpSpPr>
       <p:sp>
         <p:nvSpPr>
-          <p:cNvPr id="176" name="Google Shape;176;g302e0d3426f_1_156:notes"/>
+          <p:cNvPr id="182" name="Google Shape;182;g302e0d3426f_1_146:notes"/>
           <p:cNvSpPr/>
           <p:nvPr>
             <p:ph idx="2" type="sldImg"/>
@@ -1655,7 +1657,7 @@
       </p:sp>
       <p:sp>
         <p:nvSpPr>
-          <p:cNvPr id="177" name="Google Shape;177;g302e0d3426f_1_156:notes"/>
+          <p:cNvPr id="183" name="Google Shape;183;g302e0d3426f_1_146:notes"/>
           <p:cNvSpPr txBox="1"/>
           <p:nvPr>
             <p:ph idx="1" type="body"/>
@@ -1705,7 +1707,7 @@
   <p:cSld>
     <p:spTree>
       <p:nvGrpSpPr>
-        <p:cNvPr id="182" name="Shape 182"/>
+        <p:cNvPr id="188" name="Shape 188"/>
         <p:cNvGrpSpPr/>
         <p:nvPr/>
       </p:nvGrpSpPr>
@@ -1719,7 +1721,7 @@
       </p:grpSpPr>
       <p:sp>
         <p:nvSpPr>
-          <p:cNvPr id="183" name="Google Shape;183;g302e0d3426f_1_161:notes"/>
+          <p:cNvPr id="189" name="Google Shape;189;g302e0d3426f_1_151:notes"/>
           <p:cNvSpPr/>
           <p:nvPr>
             <p:ph idx="2" type="sldImg"/>
@@ -1754,7 +1756,7 @@
       </p:sp>
       <p:sp>
         <p:nvSpPr>
-          <p:cNvPr id="184" name="Google Shape;184;g302e0d3426f_1_161:notes"/>
+          <p:cNvPr id="190" name="Google Shape;190;g302e0d3426f_1_151:notes"/>
           <p:cNvSpPr txBox="1"/>
           <p:nvPr>
             <p:ph idx="1" type="body"/>
@@ -1903,7 +1905,7 @@
   <p:cSld>
     <p:spTree>
       <p:nvGrpSpPr>
-        <p:cNvPr id="188" name="Shape 188"/>
+        <p:cNvPr id="194" name="Shape 194"/>
         <p:cNvGrpSpPr/>
         <p:nvPr/>
       </p:nvGrpSpPr>
@@ -1917,7 +1919,7 @@
       </p:grpSpPr>
       <p:sp>
         <p:nvSpPr>
-          <p:cNvPr id="189" name="Google Shape;189;g302e0d3426f_1_166:notes"/>
+          <p:cNvPr id="195" name="Google Shape;195;g302e0d3426f_1_156:notes"/>
           <p:cNvSpPr/>
           <p:nvPr>
             <p:ph idx="2" type="sldImg"/>
@@ -1952,7 +1954,7 @@
       </p:sp>
       <p:sp>
         <p:nvSpPr>
-          <p:cNvPr id="190" name="Google Shape;190;g302e0d3426f_1_166:notes"/>
+          <p:cNvPr id="196" name="Google Shape;196;g302e0d3426f_1_156:notes"/>
           <p:cNvSpPr txBox="1"/>
           <p:nvPr>
             <p:ph idx="1" type="body"/>
@@ -2002,7 +2004,7 @@
   <p:cSld>
     <p:spTree>
       <p:nvGrpSpPr>
-        <p:cNvPr id="196" name="Shape 196"/>
+        <p:cNvPr id="201" name="Shape 201"/>
         <p:cNvGrpSpPr/>
         <p:nvPr/>
       </p:nvGrpSpPr>
@@ -2016,7 +2018,7 @@
       </p:grpSpPr>
       <p:sp>
         <p:nvSpPr>
-          <p:cNvPr id="197" name="Google Shape;197;g302e0d3426f_1_172:notes"/>
+          <p:cNvPr id="202" name="Google Shape;202;g302e0d3426f_1_161:notes"/>
           <p:cNvSpPr/>
           <p:nvPr>
             <p:ph idx="2" type="sldImg"/>
@@ -2051,7 +2053,7 @@
       </p:sp>
       <p:sp>
         <p:nvSpPr>
-          <p:cNvPr id="198" name="Google Shape;198;g302e0d3426f_1_172:notes"/>
+          <p:cNvPr id="203" name="Google Shape;203;g302e0d3426f_1_161:notes"/>
           <p:cNvSpPr txBox="1"/>
           <p:nvPr>
             <p:ph idx="1" type="body"/>
@@ -2101,7 +2103,7 @@
   <p:cSld>
     <p:spTree>
       <p:nvGrpSpPr>
-        <p:cNvPr id="205" name="Shape 205"/>
+        <p:cNvPr id="207" name="Shape 207"/>
         <p:cNvGrpSpPr/>
         <p:nvPr/>
       </p:nvGrpSpPr>
@@ -2115,7 +2117,7 @@
       </p:grpSpPr>
       <p:sp>
         <p:nvSpPr>
-          <p:cNvPr id="206" name="Google Shape;206;g302e0d3426f_1_240:notes"/>
+          <p:cNvPr id="208" name="Google Shape;208;g302e0d3426f_1_166:notes"/>
           <p:cNvSpPr/>
           <p:nvPr>
             <p:ph idx="2" type="sldImg"/>
@@ -2150,7 +2152,7 @@
       </p:sp>
       <p:sp>
         <p:nvSpPr>
-          <p:cNvPr id="207" name="Google Shape;207;g302e0d3426f_1_240:notes"/>
+          <p:cNvPr id="209" name="Google Shape;209;g302e0d3426f_1_166:notes"/>
           <p:cNvSpPr txBox="1"/>
           <p:nvPr>
             <p:ph idx="1" type="body"/>
@@ -2200,7 +2202,7 @@
   <p:cSld>
     <p:spTree>
       <p:nvGrpSpPr>
-        <p:cNvPr id="212" name="Shape 212"/>
+        <p:cNvPr id="215" name="Shape 215"/>
         <p:cNvGrpSpPr/>
         <p:nvPr/>
       </p:nvGrpSpPr>
@@ -2214,7 +2216,7 @@
       </p:grpSpPr>
       <p:sp>
         <p:nvSpPr>
-          <p:cNvPr id="213" name="Google Shape;213;g302e0d3426f_1_245:notes"/>
+          <p:cNvPr id="216" name="Google Shape;216;g302e0d3426f_1_172:notes"/>
           <p:cNvSpPr/>
           <p:nvPr>
             <p:ph idx="2" type="sldImg"/>
@@ -2249,7 +2251,7 @@
       </p:sp>
       <p:sp>
         <p:nvSpPr>
-          <p:cNvPr id="214" name="Google Shape;214;g302e0d3426f_1_245:notes"/>
+          <p:cNvPr id="217" name="Google Shape;217;g302e0d3426f_1_172:notes"/>
           <p:cNvSpPr txBox="1"/>
           <p:nvPr>
             <p:ph idx="1" type="body"/>
@@ -2299,7 +2301,7 @@
   <p:cSld>
     <p:spTree>
       <p:nvGrpSpPr>
-        <p:cNvPr id="219" name="Shape 219"/>
+        <p:cNvPr id="224" name="Shape 224"/>
         <p:cNvGrpSpPr/>
         <p:nvPr/>
       </p:nvGrpSpPr>
@@ -2313,7 +2315,7 @@
       </p:grpSpPr>
       <p:sp>
         <p:nvSpPr>
-          <p:cNvPr id="220" name="Google Shape;220;g302e0d3426f_1_251:notes"/>
+          <p:cNvPr id="225" name="Google Shape;225;g302e0d3426f_1_240:notes"/>
           <p:cNvSpPr/>
           <p:nvPr>
             <p:ph idx="2" type="sldImg"/>
@@ -2348,7 +2350,7 @@
       </p:sp>
       <p:sp>
         <p:nvSpPr>
-          <p:cNvPr id="221" name="Google Shape;221;g302e0d3426f_1_251:notes"/>
+          <p:cNvPr id="226" name="Google Shape;226;g302e0d3426f_1_240:notes"/>
           <p:cNvSpPr txBox="1"/>
           <p:nvPr>
             <p:ph idx="1" type="body"/>
@@ -2398,7 +2400,7 @@
   <p:cSld>
     <p:spTree>
       <p:nvGrpSpPr>
-        <p:cNvPr id="227" name="Shape 227"/>
+        <p:cNvPr id="231" name="Shape 231"/>
         <p:cNvGrpSpPr/>
         <p:nvPr/>
       </p:nvGrpSpPr>
@@ -2412,7 +2414,7 @@
       </p:grpSpPr>
       <p:sp>
         <p:nvSpPr>
-          <p:cNvPr id="228" name="Google Shape;228;g302e0d3426f_1_257:notes"/>
+          <p:cNvPr id="232" name="Google Shape;232;g302e0d3426f_1_245:notes"/>
           <p:cNvSpPr/>
           <p:nvPr>
             <p:ph idx="2" type="sldImg"/>
@@ -2447,7 +2449,205 @@
       </p:sp>
       <p:sp>
         <p:nvSpPr>
-          <p:cNvPr id="229" name="Google Shape;229;g302e0d3426f_1_257:notes"/>
+          <p:cNvPr id="233" name="Google Shape;233;g302e0d3426f_1_245:notes"/>
+          <p:cNvSpPr txBox="1"/>
+          <p:nvPr>
+            <p:ph idx="1" type="body"/>
+          </p:nvPr>
+        </p:nvSpPr>
+        <p:spPr>
+          <a:xfrm>
+            <a:off x="685800" y="4343400"/>
+            <a:ext cx="5486400" cy="4114800"/>
+          </a:xfrm>
+          <a:prstGeom prst="rect">
+            <a:avLst/>
+          </a:prstGeom>
+        </p:spPr>
+        <p:txBody>
+          <a:bodyPr anchorCtr="0" anchor="t" bIns="91425" lIns="91425" spcFirstLastPara="1" rIns="91425" wrap="square" tIns="91425">
+            <a:noAutofit/>
+          </a:bodyPr>
+          <a:lstStyle/>
+          <a:p>
+            <a:pPr indent="0" lvl="0" marL="0" rtl="0" algn="l">
+              <a:spcBef>
+                <a:spcPts val="0"/>
+              </a:spcBef>
+              <a:spcAft>
+                <a:spcPts val="0"/>
+              </a:spcAft>
+              <a:buNone/>
+            </a:pPr>
+            <a:r>
+              <a:t/>
+            </a:r>
+            <a:endParaRPr/>
+          </a:p>
+        </p:txBody>
+      </p:sp>
+    </p:spTree>
+  </p:cSld>
+  <p:clrMapOvr>
+    <a:masterClrMapping/>
+  </p:clrMapOvr>
+</p:notes>
+</file>
+
+<file path=ppt/notesSlides/notesSlide26.xml><?xml version="1.0" encoding="utf-8"?>
+<p:notes xmlns:a="http://schemas.openxmlformats.org/drawingml/2006/main" xmlns:r="http://schemas.openxmlformats.org/officeDocument/2006/relationships" xmlns:mc="http://schemas.openxmlformats.org/markup-compatibility/2006" xmlns:mv="urn:schemas-microsoft-com:mac:vml" xmlns:p="http://schemas.openxmlformats.org/presentationml/2006/main" xmlns:c="http://schemas.openxmlformats.org/drawingml/2006/chart" xmlns:dgm="http://schemas.openxmlformats.org/drawingml/2006/diagram" xmlns:o="urn:schemas-microsoft-com:office:office" xmlns:v="urn:schemas-microsoft-com:vml" xmlns:pvml="urn:schemas-microsoft-com:office:powerpoint" xmlns:com="http://schemas.openxmlformats.org/drawingml/2006/compatibility" xmlns:p14="http://schemas.microsoft.com/office/powerpoint/2010/main" xmlns:p15="http://schemas.microsoft.com/office/powerpoint/2012/main" xmlns:ahyp="http://schemas.microsoft.com/office/drawing/2018/hyperlinkcolor" showMasterPhAnim="0" showMasterSp="0">
+  <p:cSld>
+    <p:spTree>
+      <p:nvGrpSpPr>
+        <p:cNvPr id="238" name="Shape 238"/>
+        <p:cNvGrpSpPr/>
+        <p:nvPr/>
+      </p:nvGrpSpPr>
+      <p:grpSpPr>
+        <a:xfrm>
+          <a:off x="0" y="0"/>
+          <a:ext cx="0" cy="0"/>
+          <a:chOff x="0" y="0"/>
+          <a:chExt cx="0" cy="0"/>
+        </a:xfrm>
+      </p:grpSpPr>
+      <p:sp>
+        <p:nvSpPr>
+          <p:cNvPr id="239" name="Google Shape;239;g302e0d3426f_1_251:notes"/>
+          <p:cNvSpPr/>
+          <p:nvPr>
+            <p:ph idx="2" type="sldImg"/>
+          </p:nvPr>
+        </p:nvSpPr>
+        <p:spPr>
+          <a:xfrm>
+            <a:off x="381300" y="685800"/>
+            <a:ext cx="6096000" cy="3429000"/>
+          </a:xfrm>
+          <a:custGeom>
+            <a:rect b="b" l="l" r="r" t="t"/>
+            <a:pathLst>
+              <a:path extrusionOk="0" h="120000" w="120000">
+                <a:moveTo>
+                  <a:pt x="0" y="0"/>
+                </a:moveTo>
+                <a:lnTo>
+                  <a:pt x="120000" y="0"/>
+                </a:lnTo>
+                <a:lnTo>
+                  <a:pt x="120000" y="120000"/>
+                </a:lnTo>
+                <a:lnTo>
+                  <a:pt x="0" y="120000"/>
+                </a:lnTo>
+                <a:close/>
+              </a:path>
+            </a:pathLst>
+          </a:custGeom>
+        </p:spPr>
+      </p:sp>
+      <p:sp>
+        <p:nvSpPr>
+          <p:cNvPr id="240" name="Google Shape;240;g302e0d3426f_1_251:notes"/>
+          <p:cNvSpPr txBox="1"/>
+          <p:nvPr>
+            <p:ph idx="1" type="body"/>
+          </p:nvPr>
+        </p:nvSpPr>
+        <p:spPr>
+          <a:xfrm>
+            <a:off x="685800" y="4343400"/>
+            <a:ext cx="5486400" cy="4114800"/>
+          </a:xfrm>
+          <a:prstGeom prst="rect">
+            <a:avLst/>
+          </a:prstGeom>
+        </p:spPr>
+        <p:txBody>
+          <a:bodyPr anchorCtr="0" anchor="t" bIns="91425" lIns="91425" spcFirstLastPara="1" rIns="91425" wrap="square" tIns="91425">
+            <a:noAutofit/>
+          </a:bodyPr>
+          <a:lstStyle/>
+          <a:p>
+            <a:pPr indent="0" lvl="0" marL="0" rtl="0" algn="l">
+              <a:spcBef>
+                <a:spcPts val="0"/>
+              </a:spcBef>
+              <a:spcAft>
+                <a:spcPts val="0"/>
+              </a:spcAft>
+              <a:buNone/>
+            </a:pPr>
+            <a:r>
+              <a:t/>
+            </a:r>
+            <a:endParaRPr/>
+          </a:p>
+        </p:txBody>
+      </p:sp>
+    </p:spTree>
+  </p:cSld>
+  <p:clrMapOvr>
+    <a:masterClrMapping/>
+  </p:clrMapOvr>
+</p:notes>
+</file>
+
+<file path=ppt/notesSlides/notesSlide27.xml><?xml version="1.0" encoding="utf-8"?>
+<p:notes xmlns:a="http://schemas.openxmlformats.org/drawingml/2006/main" xmlns:r="http://schemas.openxmlformats.org/officeDocument/2006/relationships" xmlns:mc="http://schemas.openxmlformats.org/markup-compatibility/2006" xmlns:mv="urn:schemas-microsoft-com:mac:vml" xmlns:p="http://schemas.openxmlformats.org/presentationml/2006/main" xmlns:c="http://schemas.openxmlformats.org/drawingml/2006/chart" xmlns:dgm="http://schemas.openxmlformats.org/drawingml/2006/diagram" xmlns:o="urn:schemas-microsoft-com:office:office" xmlns:v="urn:schemas-microsoft-com:vml" xmlns:pvml="urn:schemas-microsoft-com:office:powerpoint" xmlns:com="http://schemas.openxmlformats.org/drawingml/2006/compatibility" xmlns:p14="http://schemas.microsoft.com/office/powerpoint/2010/main" xmlns:p15="http://schemas.microsoft.com/office/powerpoint/2012/main" xmlns:ahyp="http://schemas.microsoft.com/office/drawing/2018/hyperlinkcolor" showMasterPhAnim="0" showMasterSp="0">
+  <p:cSld>
+    <p:spTree>
+      <p:nvGrpSpPr>
+        <p:cNvPr id="246" name="Shape 246"/>
+        <p:cNvGrpSpPr/>
+        <p:nvPr/>
+      </p:nvGrpSpPr>
+      <p:grpSpPr>
+        <a:xfrm>
+          <a:off x="0" y="0"/>
+          <a:ext cx="0" cy="0"/>
+          <a:chOff x="0" y="0"/>
+          <a:chExt cx="0" cy="0"/>
+        </a:xfrm>
+      </p:grpSpPr>
+      <p:sp>
+        <p:nvSpPr>
+          <p:cNvPr id="247" name="Google Shape;247;g302e0d3426f_1_257:notes"/>
+          <p:cNvSpPr/>
+          <p:nvPr>
+            <p:ph idx="2" type="sldImg"/>
+          </p:nvPr>
+        </p:nvSpPr>
+        <p:spPr>
+          <a:xfrm>
+            <a:off x="381300" y="685800"/>
+            <a:ext cx="6096000" cy="3429000"/>
+          </a:xfrm>
+          <a:custGeom>
+            <a:rect b="b" l="l" r="r" t="t"/>
+            <a:pathLst>
+              <a:path extrusionOk="0" h="120000" w="120000">
+                <a:moveTo>
+                  <a:pt x="0" y="0"/>
+                </a:moveTo>
+                <a:lnTo>
+                  <a:pt x="120000" y="0"/>
+                </a:lnTo>
+                <a:lnTo>
+                  <a:pt x="120000" y="120000"/>
+                </a:lnTo>
+                <a:lnTo>
+                  <a:pt x="0" y="120000"/>
+                </a:lnTo>
+                <a:close/>
+              </a:path>
+            </a:pathLst>
+          </a:custGeom>
+        </p:spPr>
+      </p:sp>
+      <p:sp>
+        <p:nvSpPr>
+          <p:cNvPr id="248" name="Google Shape;248;g302e0d3426f_1_257:notes"/>
           <p:cNvSpPr txBox="1"/>
           <p:nvPr>
             <p:ph idx="1" type="body"/>
@@ -2907,7 +3107,7 @@
       </p:grpSpPr>
       <p:sp>
         <p:nvSpPr>
-          <p:cNvPr id="99" name="Google Shape;99;g303bf7eac59_0_21:notes"/>
+          <p:cNvPr id="99" name="Google Shape;99;g303eed29452_0_5:notes"/>
           <p:cNvSpPr/>
           <p:nvPr>
             <p:ph idx="2" type="sldImg"/>
@@ -2942,7 +3142,7 @@
       </p:sp>
       <p:sp>
         <p:nvSpPr>
-          <p:cNvPr id="100" name="Google Shape;100;g303bf7eac59_0_21:notes"/>
+          <p:cNvPr id="100" name="Google Shape;100;g303eed29452_0_5:notes"/>
           <p:cNvSpPr txBox="1"/>
           <p:nvPr>
             <p:ph idx="1" type="body"/>
@@ -2992,7 +3192,7 @@
   <p:cSld>
     <p:spTree>
       <p:nvGrpSpPr>
-        <p:cNvPr id="106" name="Shape 106"/>
+        <p:cNvPr id="107" name="Shape 107"/>
         <p:cNvGrpSpPr/>
         <p:nvPr/>
       </p:nvGrpSpPr>
@@ -3006,7 +3206,7 @@
       </p:grpSpPr>
       <p:sp>
         <p:nvSpPr>
-          <p:cNvPr id="107" name="Google Shape;107;g303bf7eac59_0_28:notes"/>
+          <p:cNvPr id="108" name="Google Shape;108;g303eed29452_0_16:notes"/>
           <p:cNvSpPr/>
           <p:nvPr>
             <p:ph idx="2" type="sldImg"/>
@@ -3041,7 +3241,7 @@
       </p:sp>
       <p:sp>
         <p:nvSpPr>
-          <p:cNvPr id="108" name="Google Shape;108;g303bf7eac59_0_28:notes"/>
+          <p:cNvPr id="109" name="Google Shape;109;g303eed29452_0_16:notes"/>
           <p:cNvSpPr txBox="1"/>
           <p:nvPr>
             <p:ph idx="1" type="body"/>
@@ -3091,7 +3291,7 @@
   <p:cSld>
     <p:spTree>
       <p:nvGrpSpPr>
-        <p:cNvPr id="114" name="Shape 114"/>
+        <p:cNvPr id="117" name="Shape 117"/>
         <p:cNvGrpSpPr/>
         <p:nvPr/>
       </p:nvGrpSpPr>
@@ -3105,7 +3305,7 @@
       </p:grpSpPr>
       <p:sp>
         <p:nvSpPr>
-          <p:cNvPr id="115" name="Google Shape;115;g303bf7eac59_0_35:notes"/>
+          <p:cNvPr id="118" name="Google Shape;118;g303bf7eac59_0_21:notes"/>
           <p:cNvSpPr/>
           <p:nvPr>
             <p:ph idx="2" type="sldImg"/>
@@ -3140,7 +3340,7 @@
       </p:sp>
       <p:sp>
         <p:nvSpPr>
-          <p:cNvPr id="116" name="Google Shape;116;g303bf7eac59_0_35:notes"/>
+          <p:cNvPr id="119" name="Google Shape;119;g303bf7eac59_0_21:notes"/>
           <p:cNvSpPr txBox="1"/>
           <p:nvPr>
             <p:ph idx="1" type="body"/>
@@ -8842,6 +9042,11 @@
               <a:spcAft>
                 <a:spcPts val="0"/>
               </a:spcAft>
+              <a:buClr>
+                <a:schemeClr val="dk1"/>
+              </a:buClr>
+              <a:buSzPts val="1100"/>
+              <a:buFont typeface="Arial"/>
               <a:buNone/>
             </a:pPr>
             <a:r>
@@ -8854,7 +9059,7 @@
                 <a:cs typeface="Courier New"/>
                 <a:sym typeface="Courier New"/>
               </a:rPr>
-              <a:t>&lt;script&gt;</a:t>
+              <a:t>   &lt;script&gt;</a:t>
             </a:r>
             <a:endParaRPr sz="1300">
               <a:solidFill>
@@ -8874,6 +9079,11 @@
               <a:spcAft>
                 <a:spcPts val="0"/>
               </a:spcAft>
+              <a:buClr>
+                <a:schemeClr val="dk1"/>
+              </a:buClr>
+              <a:buSzPts val="1100"/>
+              <a:buFont typeface="Arial"/>
               <a:buNone/>
             </a:pPr>
             <a:r>
@@ -8886,7 +9096,7 @@
                 <a:cs typeface="Courier New"/>
                 <a:sym typeface="Courier New"/>
               </a:rPr>
-              <a:t>/*</a:t>
+              <a:t>        /*</a:t>
             </a:r>
             <a:endParaRPr sz="1300">
               <a:solidFill>
@@ -8899,13 +9109,18 @@
             </a:endParaRPr>
           </a:p>
           <a:p>
-            <a:pPr indent="457200" lvl="0" marL="0" rtl="0" algn="l">
-              <a:spcBef>
-                <a:spcPts val="0"/>
-              </a:spcBef>
-              <a:spcAft>
-                <a:spcPts val="0"/>
-              </a:spcAft>
+            <a:pPr indent="0" lvl="0" marL="0" rtl="0" algn="l">
+              <a:spcBef>
+                <a:spcPts val="0"/>
+              </a:spcBef>
+              <a:spcAft>
+                <a:spcPts val="0"/>
+              </a:spcAft>
+              <a:buClr>
+                <a:schemeClr val="dk1"/>
+              </a:buClr>
+              <a:buSzPts val="1100"/>
+              <a:buFont typeface="Arial"/>
               <a:buNone/>
             </a:pPr>
             <a:r>
@@ -8918,7 +9133,7 @@
                 <a:cs typeface="Courier New"/>
                 <a:sym typeface="Courier New"/>
               </a:rPr>
-              <a:t>CSCI-111 Web Programming and Problem Solving</a:t>
+              <a:t>        CSCI-111 Web Programming and Problem Solving</a:t>
             </a:r>
             <a:endParaRPr sz="1300">
               <a:solidFill>
@@ -8938,6 +9153,11 @@
               <a:spcAft>
                 <a:spcPts val="0"/>
               </a:spcAft>
+              <a:buClr>
+                <a:schemeClr val="dk1"/>
+              </a:buClr>
+              <a:buSzPts val="1100"/>
+              <a:buFont typeface="Arial"/>
               <a:buNone/>
             </a:pPr>
             <a:r>
@@ -8950,7 +9170,7 @@
                 <a:cs typeface="Courier New"/>
                 <a:sym typeface="Courier New"/>
               </a:rPr>
-              <a:t>*/</a:t>
+              <a:t>        */</a:t>
             </a:r>
             <a:endParaRPr sz="1300">
               <a:solidFill>
@@ -8970,6 +9190,11 @@
               <a:spcAft>
                 <a:spcPts val="0"/>
               </a:spcAft>
+              <a:buClr>
+                <a:schemeClr val="dk1"/>
+              </a:buClr>
+              <a:buSzPts val="1100"/>
+              <a:buFont typeface="Arial"/>
               <a:buNone/>
             </a:pPr>
             <a:r>
@@ -8982,19 +9207,7 @@
                 <a:cs typeface="Courier New"/>
                 <a:sym typeface="Courier New"/>
               </a:rPr>
-              <a:t>f</a:t>
-            </a:r>
-            <a:r>
-              <a:rPr lang="en" sz="1300">
-                <a:solidFill>
-                  <a:schemeClr val="dk1"/>
-                </a:solidFill>
-                <a:latin typeface="Courier New"/>
-                <a:ea typeface="Courier New"/>
-                <a:cs typeface="Courier New"/>
-                <a:sym typeface="Courier New"/>
-              </a:rPr>
-              <a:t>unction week_7_lecture(session)</a:t>
+              <a:t>        function week_7_lecture(session)</a:t>
             </a:r>
             <a:endParaRPr sz="1300">
               <a:solidFill>
@@ -9014,6 +9227,11 @@
               <a:spcAft>
                 <a:spcPts val="0"/>
               </a:spcAft>
+              <a:buClr>
+                <a:schemeClr val="dk1"/>
+              </a:buClr>
+              <a:buSzPts val="1100"/>
+              <a:buFont typeface="Arial"/>
               <a:buNone/>
             </a:pPr>
             <a:r>
@@ -9026,7 +9244,7 @@
                 <a:cs typeface="Courier New"/>
                 <a:sym typeface="Courier New"/>
               </a:rPr>
-              <a:t>{</a:t>
+              <a:t>        {</a:t>
             </a:r>
             <a:endParaRPr sz="1300">
               <a:solidFill>
@@ -9046,6 +9264,11 @@
               <a:spcAft>
                 <a:spcPts val="0"/>
               </a:spcAft>
+              <a:buClr>
+                <a:schemeClr val="dk1"/>
+              </a:buClr>
+              <a:buSzPts val="1100"/>
+              <a:buFont typeface="Arial"/>
               <a:buNone/>
             </a:pPr>
             <a:r>
@@ -9058,19 +9281,7 @@
                 <a:cs typeface="Courier New"/>
                 <a:sym typeface="Courier New"/>
               </a:rPr>
-              <a:t>	</a:t>
-            </a:r>
-            <a:r>
-              <a:rPr lang="en" sz="1300">
-                <a:solidFill>
-                  <a:schemeClr val="dk1"/>
-                </a:solidFill>
-                <a:latin typeface="Courier New"/>
-                <a:ea typeface="Courier New"/>
-                <a:cs typeface="Courier New"/>
-                <a:sym typeface="Courier New"/>
-              </a:rPr>
-              <a:t>console.log("JavaScript Functions")</a:t>
+              <a:t>            console.log("JavaScript Functions")</a:t>
             </a:r>
             <a:endParaRPr sz="1300">
               <a:solidFill>
@@ -9083,7 +9294,7 @@
             </a:endParaRPr>
           </a:p>
           <a:p>
-            <a:pPr indent="0" lvl="0" marL="457200" rtl="0" algn="l">
+            <a:pPr indent="0" lvl="0" marL="0" rtl="0" algn="l">
               <a:spcBef>
                 <a:spcPts val="0"/>
               </a:spcBef>
@@ -9098,7 +9309,7 @@
               <a:buNone/>
             </a:pPr>
             <a:r>
-              <a:rPr lang="en" sz="1200">
+              <a:rPr lang="en" sz="1300">
                 <a:solidFill>
                   <a:schemeClr val="dk1"/>
                 </a:solidFill>
@@ -9107,9 +9318,9 @@
                 <a:cs typeface="Courier New"/>
                 <a:sym typeface="Courier New"/>
               </a:rPr>
-              <a:t>const instructors = ["Dr. Talgat Manglayev", "Dr. Irina Dolzhikova", "MSc. Marat Isteleyev"]</a:t>
-            </a:r>
-            <a:endParaRPr sz="1200">
+              <a:t>        const instructors = ["Irina Dolzhikova", "Talgat Manglayev", "Aygerim Yessenbayeva"]</a:t>
+            </a:r>
+            <a:endParaRPr sz="1300">
               <a:solidFill>
                 <a:schemeClr val="dk1"/>
               </a:solidFill>
@@ -9120,17 +9331,22 @@
             </a:endParaRPr>
           </a:p>
           <a:p>
-            <a:pPr indent="0" lvl="0" marL="457200" rtl="0" algn="l">
-              <a:spcBef>
-                <a:spcPts val="0"/>
-              </a:spcBef>
-              <a:spcAft>
-                <a:spcPts val="0"/>
-              </a:spcAft>
-              <a:buNone/>
-            </a:pPr>
-            <a:r>
-              <a:rPr lang="en" sz="1200">
+            <a:pPr indent="0" lvl="0" marL="0" rtl="0" algn="l">
+              <a:spcBef>
+                <a:spcPts val="0"/>
+              </a:spcBef>
+              <a:spcAft>
+                <a:spcPts val="0"/>
+              </a:spcAft>
+              <a:buClr>
+                <a:schemeClr val="dk1"/>
+              </a:buClr>
+              <a:buSzPts val="1100"/>
+              <a:buFont typeface="Arial"/>
+              <a:buNone/>
+            </a:pPr>
+            <a:r>
+              <a:rPr lang="en" sz="1300">
                 <a:solidFill>
                   <a:schemeClr val="dk1"/>
                 </a:solidFill>
@@ -9139,19 +9355,7 @@
                 <a:cs typeface="Courier New"/>
                 <a:sym typeface="Courier New"/>
               </a:rPr>
-              <a:t>console.log(</a:t>
-            </a:r>
-            <a:r>
-              <a:rPr lang="en" sz="1200">
-                <a:solidFill>
-                  <a:schemeClr val="dk1"/>
-                </a:solidFill>
-                <a:latin typeface="Courier New"/>
-                <a:ea typeface="Courier New"/>
-                <a:cs typeface="Courier New"/>
-                <a:sym typeface="Courier New"/>
-              </a:rPr>
-              <a:t>instructors[session - 1])</a:t>
+              <a:t>        console.log(instructors[session - 1])</a:t>
             </a:r>
             <a:endParaRPr sz="1300">
               <a:solidFill>
@@ -9171,6 +9375,11 @@
               <a:spcAft>
                 <a:spcPts val="0"/>
               </a:spcAft>
+              <a:buClr>
+                <a:schemeClr val="dk1"/>
+              </a:buClr>
+              <a:buSzPts val="1100"/>
+              <a:buFont typeface="Arial"/>
               <a:buNone/>
             </a:pPr>
             <a:r>
@@ -9183,7 +9392,7 @@
                 <a:cs typeface="Courier New"/>
                 <a:sym typeface="Courier New"/>
               </a:rPr>
-              <a:t>}</a:t>
+              <a:t>        }</a:t>
             </a:r>
             <a:endParaRPr sz="1300">
               <a:solidFill>
@@ -9203,10 +9412,24 @@
               <a:spcAft>
                 <a:spcPts val="0"/>
               </a:spcAft>
-              <a:buNone/>
-            </a:pPr>
-            <a:r>
-              <a:t/>
+              <a:buClr>
+                <a:schemeClr val="dk1"/>
+              </a:buClr>
+              <a:buSzPts val="1100"/>
+              <a:buFont typeface="Arial"/>
+              <a:buNone/>
+            </a:pPr>
+            <a:r>
+              <a:rPr lang="en" sz="1300">
+                <a:solidFill>
+                  <a:schemeClr val="dk1"/>
+                </a:solidFill>
+                <a:latin typeface="Courier New"/>
+                <a:ea typeface="Courier New"/>
+                <a:cs typeface="Courier New"/>
+                <a:sym typeface="Courier New"/>
+              </a:rPr>
+              <a:t>        </a:t>
             </a:r>
             <a:endParaRPr sz="1300">
               <a:solidFill>
@@ -9226,10 +9449,24 @@
               <a:spcAft>
                 <a:spcPts val="0"/>
               </a:spcAft>
-              <a:buNone/>
-            </a:pPr>
-            <a:r>
-              <a:t/>
+              <a:buClr>
+                <a:schemeClr val="dk1"/>
+              </a:buClr>
+              <a:buSzPts val="1100"/>
+              <a:buFont typeface="Arial"/>
+              <a:buNone/>
+            </a:pPr>
+            <a:r>
+              <a:rPr lang="en" sz="1300">
+                <a:solidFill>
+                  <a:schemeClr val="dk1"/>
+                </a:solidFill>
+                <a:latin typeface="Courier New"/>
+                <a:ea typeface="Courier New"/>
+                <a:cs typeface="Courier New"/>
+                <a:sym typeface="Courier New"/>
+              </a:rPr>
+              <a:t>        </a:t>
             </a:r>
             <a:endParaRPr sz="1300">
               <a:solidFill>
@@ -9266,7 +9503,7 @@
                 <a:cs typeface="Courier New"/>
                 <a:sym typeface="Courier New"/>
               </a:rPr>
-              <a:t>week_7_lecture(1)</a:t>
+              <a:t>        week_7_lecture(2)</a:t>
             </a:r>
             <a:endParaRPr sz="1300">
               <a:solidFill>
@@ -9286,10 +9523,24 @@
               <a:spcAft>
                 <a:spcPts val="0"/>
               </a:spcAft>
-              <a:buNone/>
-            </a:pPr>
-            <a:r>
-              <a:t/>
+              <a:buClr>
+                <a:schemeClr val="dk1"/>
+              </a:buClr>
+              <a:buSzPts val="1100"/>
+              <a:buFont typeface="Arial"/>
+              <a:buNone/>
+            </a:pPr>
+            <a:r>
+              <a:rPr lang="en" sz="1300">
+                <a:solidFill>
+                  <a:schemeClr val="dk1"/>
+                </a:solidFill>
+                <a:latin typeface="Courier New"/>
+                <a:ea typeface="Courier New"/>
+                <a:cs typeface="Courier New"/>
+                <a:sym typeface="Courier New"/>
+              </a:rPr>
+              <a:t>        </a:t>
             </a:r>
             <a:endParaRPr sz="1300">
               <a:solidFill>
@@ -9326,7 +9577,7 @@
                 <a:cs typeface="Courier New"/>
                 <a:sym typeface="Courier New"/>
               </a:rPr>
-              <a:t>&lt;/script&gt;</a:t>
+              <a:t>    &lt;/script&gt;</a:t>
             </a:r>
             <a:endParaRPr sz="1300">
               <a:solidFill>
@@ -9353,7 +9604,1176 @@
   <p:cSld>
     <p:spTree>
       <p:nvGrpSpPr>
-        <p:cNvPr id="124" name="Shape 124"/>
+        <p:cNvPr id="128" name="Shape 128"/>
+        <p:cNvGrpSpPr/>
+        <p:nvPr/>
+      </p:nvGrpSpPr>
+      <p:grpSpPr>
+        <a:xfrm>
+          <a:off x="0" y="0"/>
+          <a:ext cx="0" cy="0"/>
+          <a:chOff x="0" y="0"/>
+          <a:chExt cx="0" cy="0"/>
+        </a:xfrm>
+      </p:grpSpPr>
+      <p:sp>
+        <p:nvSpPr>
+          <p:cNvPr id="129" name="Google Shape;129;p23"/>
+          <p:cNvSpPr txBox="1"/>
+          <p:nvPr>
+            <p:ph type="title"/>
+          </p:nvPr>
+        </p:nvSpPr>
+        <p:spPr>
+          <a:xfrm>
+            <a:off x="0" y="0"/>
+            <a:ext cx="9144000" cy="572700"/>
+          </a:xfrm>
+          <a:prstGeom prst="rect">
+            <a:avLst/>
+          </a:prstGeom>
+        </p:spPr>
+        <p:txBody>
+          <a:bodyPr anchorCtr="0" anchor="t" bIns="91425" lIns="91425" spcFirstLastPara="1" rIns="91425" wrap="square" tIns="91425">
+            <a:noAutofit/>
+          </a:bodyPr>
+          <a:lstStyle/>
+          <a:p>
+            <a:pPr indent="0" lvl="0" marL="0" rtl="0" algn="l">
+              <a:spcBef>
+                <a:spcPts val="0"/>
+              </a:spcBef>
+              <a:spcAft>
+                <a:spcPts val="0"/>
+              </a:spcAft>
+              <a:buSzPts val="990"/>
+              <a:buNone/>
+            </a:pPr>
+            <a:r>
+              <a:rPr b="1" lang="en" sz="3020">
+                <a:latin typeface="Times New Roman"/>
+                <a:ea typeface="Times New Roman"/>
+                <a:cs typeface="Times New Roman"/>
+                <a:sym typeface="Times New Roman"/>
+              </a:rPr>
+              <a:t>Comparison</a:t>
+            </a:r>
+            <a:endParaRPr b="1" sz="3020">
+              <a:latin typeface="Times New Roman"/>
+              <a:ea typeface="Times New Roman"/>
+              <a:cs typeface="Times New Roman"/>
+              <a:sym typeface="Times New Roman"/>
+            </a:endParaRPr>
+          </a:p>
+        </p:txBody>
+      </p:sp>
+      <p:sp>
+        <p:nvSpPr>
+          <p:cNvPr id="130" name="Google Shape;130;p23"/>
+          <p:cNvSpPr txBox="1"/>
+          <p:nvPr/>
+        </p:nvSpPr>
+        <p:spPr>
+          <a:xfrm>
+            <a:off x="-12" y="4767600"/>
+            <a:ext cx="9144000" cy="375900"/>
+          </a:xfrm>
+          <a:prstGeom prst="rect">
+            <a:avLst/>
+          </a:prstGeom>
+          <a:noFill/>
+          <a:ln>
+            <a:noFill/>
+          </a:ln>
+        </p:spPr>
+        <p:txBody>
+          <a:bodyPr anchorCtr="0" anchor="t" bIns="91425" lIns="91425" spcFirstLastPara="1" rIns="91425" wrap="square" tIns="91425">
+            <a:spAutoFit/>
+          </a:bodyPr>
+          <a:lstStyle/>
+          <a:p>
+            <a:pPr indent="0" lvl="0" marL="12700" marR="259715" rtl="0" algn="ctr">
+              <a:lnSpc>
+                <a:spcPct val="88700"/>
+              </a:lnSpc>
+              <a:spcBef>
+                <a:spcPts val="0"/>
+              </a:spcBef>
+              <a:spcAft>
+                <a:spcPts val="0"/>
+              </a:spcAft>
+              <a:buNone/>
+            </a:pPr>
+            <a:r>
+              <a:t/>
+            </a:r>
+            <a:endParaRPr b="1">
+              <a:solidFill>
+                <a:schemeClr val="dk1"/>
+              </a:solidFill>
+              <a:latin typeface="Times New Roman"/>
+              <a:ea typeface="Times New Roman"/>
+              <a:cs typeface="Times New Roman"/>
+              <a:sym typeface="Times New Roman"/>
+            </a:endParaRPr>
+          </a:p>
+        </p:txBody>
+      </p:sp>
+      <p:sp>
+        <p:nvSpPr>
+          <p:cNvPr id="131" name="Google Shape;131;p23"/>
+          <p:cNvSpPr/>
+          <p:nvPr/>
+        </p:nvSpPr>
+        <p:spPr>
+          <a:xfrm>
+            <a:off x="-125" y="572700"/>
+            <a:ext cx="9144000" cy="4194900"/>
+          </a:xfrm>
+          <a:prstGeom prst="rect">
+            <a:avLst/>
+          </a:prstGeom>
+          <a:noFill/>
+          <a:ln>
+            <a:noFill/>
+          </a:ln>
+        </p:spPr>
+        <p:txBody>
+          <a:bodyPr anchorCtr="0" anchor="t" bIns="91425" lIns="91425" spcFirstLastPara="1" rIns="91425" wrap="square" tIns="91425">
+            <a:noAutofit/>
+          </a:bodyPr>
+          <a:lstStyle/>
+          <a:p>
+            <a:pPr indent="0" lvl="0" marL="0" rtl="0" algn="l">
+              <a:spcBef>
+                <a:spcPts val="0"/>
+              </a:spcBef>
+              <a:spcAft>
+                <a:spcPts val="0"/>
+              </a:spcAft>
+              <a:buNone/>
+            </a:pPr>
+            <a:r>
+              <a:rPr lang="en" sz="2400">
+                <a:solidFill>
+                  <a:schemeClr val="dk1"/>
+                </a:solidFill>
+                <a:latin typeface="Courier New"/>
+                <a:ea typeface="Courier New"/>
+                <a:cs typeface="Courier New"/>
+                <a:sym typeface="Courier New"/>
+              </a:rPr>
+              <a:t>if(condition)</a:t>
+            </a:r>
+            <a:endParaRPr sz="2400">
+              <a:solidFill>
+                <a:schemeClr val="dk1"/>
+              </a:solidFill>
+              <a:latin typeface="Courier New"/>
+              <a:ea typeface="Courier New"/>
+              <a:cs typeface="Courier New"/>
+              <a:sym typeface="Courier New"/>
+            </a:endParaRPr>
+          </a:p>
+          <a:p>
+            <a:pPr indent="0" lvl="0" marL="0" rtl="0" algn="l">
+              <a:spcBef>
+                <a:spcPts val="0"/>
+              </a:spcBef>
+              <a:spcAft>
+                <a:spcPts val="0"/>
+              </a:spcAft>
+              <a:buNone/>
+            </a:pPr>
+            <a:r>
+              <a:rPr lang="en" sz="2400">
+                <a:solidFill>
+                  <a:schemeClr val="dk1"/>
+                </a:solidFill>
+                <a:latin typeface="Courier New"/>
+                <a:ea typeface="Courier New"/>
+                <a:cs typeface="Courier New"/>
+                <a:sym typeface="Courier New"/>
+              </a:rPr>
+              <a:t>{</a:t>
+            </a:r>
+            <a:endParaRPr sz="2400">
+              <a:solidFill>
+                <a:schemeClr val="dk1"/>
+              </a:solidFill>
+              <a:latin typeface="Courier New"/>
+              <a:ea typeface="Courier New"/>
+              <a:cs typeface="Courier New"/>
+              <a:sym typeface="Courier New"/>
+            </a:endParaRPr>
+          </a:p>
+          <a:p>
+            <a:pPr indent="457200" lvl="0" marL="0" rtl="0" algn="l">
+              <a:spcBef>
+                <a:spcPts val="0"/>
+              </a:spcBef>
+              <a:spcAft>
+                <a:spcPts val="0"/>
+              </a:spcAft>
+              <a:buNone/>
+            </a:pPr>
+            <a:r>
+              <a:rPr lang="en" sz="2400">
+                <a:solidFill>
+                  <a:schemeClr val="dk1"/>
+                </a:solidFill>
+                <a:latin typeface="Courier New"/>
+                <a:ea typeface="Courier New"/>
+                <a:cs typeface="Courier New"/>
+                <a:sym typeface="Courier New"/>
+              </a:rPr>
+              <a:t>statement 1</a:t>
+            </a:r>
+            <a:endParaRPr sz="2400">
+              <a:solidFill>
+                <a:schemeClr val="dk1"/>
+              </a:solidFill>
+              <a:latin typeface="Courier New"/>
+              <a:ea typeface="Courier New"/>
+              <a:cs typeface="Courier New"/>
+              <a:sym typeface="Courier New"/>
+            </a:endParaRPr>
+          </a:p>
+          <a:p>
+            <a:pPr indent="0" lvl="0" marL="0" rtl="0" algn="l">
+              <a:spcBef>
+                <a:spcPts val="0"/>
+              </a:spcBef>
+              <a:spcAft>
+                <a:spcPts val="0"/>
+              </a:spcAft>
+              <a:buNone/>
+            </a:pPr>
+            <a:r>
+              <a:rPr lang="en" sz="2400">
+                <a:solidFill>
+                  <a:schemeClr val="dk1"/>
+                </a:solidFill>
+                <a:latin typeface="Courier New"/>
+                <a:ea typeface="Courier New"/>
+                <a:cs typeface="Courier New"/>
+                <a:sym typeface="Courier New"/>
+              </a:rPr>
+              <a:t>}</a:t>
+            </a:r>
+            <a:endParaRPr sz="2400">
+              <a:solidFill>
+                <a:schemeClr val="dk1"/>
+              </a:solidFill>
+              <a:latin typeface="Courier New"/>
+              <a:ea typeface="Courier New"/>
+              <a:cs typeface="Courier New"/>
+              <a:sym typeface="Courier New"/>
+            </a:endParaRPr>
+          </a:p>
+          <a:p>
+            <a:pPr indent="0" lvl="0" marL="0" rtl="0" algn="l">
+              <a:spcBef>
+                <a:spcPts val="0"/>
+              </a:spcBef>
+              <a:spcAft>
+                <a:spcPts val="0"/>
+              </a:spcAft>
+              <a:buNone/>
+            </a:pPr>
+            <a:r>
+              <a:rPr lang="en" sz="2400">
+                <a:solidFill>
+                  <a:schemeClr val="dk1"/>
+                </a:solidFill>
+                <a:latin typeface="Courier New"/>
+                <a:ea typeface="Courier New"/>
+                <a:cs typeface="Courier New"/>
+                <a:sym typeface="Courier New"/>
+              </a:rPr>
+              <a:t>e</a:t>
+            </a:r>
+            <a:r>
+              <a:rPr lang="en" sz="2400">
+                <a:solidFill>
+                  <a:schemeClr val="dk1"/>
+                </a:solidFill>
+                <a:latin typeface="Courier New"/>
+                <a:ea typeface="Courier New"/>
+                <a:cs typeface="Courier New"/>
+                <a:sym typeface="Courier New"/>
+              </a:rPr>
+              <a:t>lse</a:t>
+            </a:r>
+            <a:endParaRPr sz="2400">
+              <a:solidFill>
+                <a:schemeClr val="dk1"/>
+              </a:solidFill>
+              <a:latin typeface="Courier New"/>
+              <a:ea typeface="Courier New"/>
+              <a:cs typeface="Courier New"/>
+              <a:sym typeface="Courier New"/>
+            </a:endParaRPr>
+          </a:p>
+          <a:p>
+            <a:pPr indent="0" lvl="0" marL="0" rtl="0" algn="l">
+              <a:spcBef>
+                <a:spcPts val="0"/>
+              </a:spcBef>
+              <a:spcAft>
+                <a:spcPts val="0"/>
+              </a:spcAft>
+              <a:buNone/>
+            </a:pPr>
+            <a:r>
+              <a:rPr lang="en" sz="2400">
+                <a:solidFill>
+                  <a:schemeClr val="dk1"/>
+                </a:solidFill>
+                <a:latin typeface="Courier New"/>
+                <a:ea typeface="Courier New"/>
+                <a:cs typeface="Courier New"/>
+                <a:sym typeface="Courier New"/>
+              </a:rPr>
+              <a:t>{</a:t>
+            </a:r>
+            <a:endParaRPr sz="2400">
+              <a:solidFill>
+                <a:schemeClr val="dk1"/>
+              </a:solidFill>
+              <a:latin typeface="Courier New"/>
+              <a:ea typeface="Courier New"/>
+              <a:cs typeface="Courier New"/>
+              <a:sym typeface="Courier New"/>
+            </a:endParaRPr>
+          </a:p>
+          <a:p>
+            <a:pPr indent="457200" lvl="0" marL="0" rtl="0" algn="l">
+              <a:spcBef>
+                <a:spcPts val="0"/>
+              </a:spcBef>
+              <a:spcAft>
+                <a:spcPts val="0"/>
+              </a:spcAft>
+              <a:buNone/>
+            </a:pPr>
+            <a:r>
+              <a:rPr lang="en" sz="2400">
+                <a:solidFill>
+                  <a:schemeClr val="dk1"/>
+                </a:solidFill>
+                <a:latin typeface="Courier New"/>
+                <a:ea typeface="Courier New"/>
+                <a:cs typeface="Courier New"/>
+                <a:sym typeface="Courier New"/>
+              </a:rPr>
+              <a:t>statement 2</a:t>
+            </a:r>
+            <a:endParaRPr sz="2400">
+              <a:solidFill>
+                <a:schemeClr val="dk1"/>
+              </a:solidFill>
+              <a:latin typeface="Courier New"/>
+              <a:ea typeface="Courier New"/>
+              <a:cs typeface="Courier New"/>
+              <a:sym typeface="Courier New"/>
+            </a:endParaRPr>
+          </a:p>
+          <a:p>
+            <a:pPr indent="0" lvl="0" marL="0" rtl="0" algn="l">
+              <a:spcBef>
+                <a:spcPts val="0"/>
+              </a:spcBef>
+              <a:spcAft>
+                <a:spcPts val="0"/>
+              </a:spcAft>
+              <a:buNone/>
+            </a:pPr>
+            <a:r>
+              <a:rPr lang="en" sz="2400">
+                <a:solidFill>
+                  <a:schemeClr val="dk1"/>
+                </a:solidFill>
+                <a:latin typeface="Courier New"/>
+                <a:ea typeface="Courier New"/>
+                <a:cs typeface="Courier New"/>
+                <a:sym typeface="Courier New"/>
+              </a:rPr>
+              <a:t>}</a:t>
+            </a:r>
+            <a:endParaRPr sz="2400">
+              <a:latin typeface="Courier New"/>
+              <a:ea typeface="Courier New"/>
+              <a:cs typeface="Courier New"/>
+              <a:sym typeface="Courier New"/>
+            </a:endParaRPr>
+          </a:p>
+        </p:txBody>
+      </p:sp>
+      <p:sp>
+        <p:nvSpPr>
+          <p:cNvPr id="132" name="Google Shape;132;p23"/>
+          <p:cNvSpPr/>
+          <p:nvPr/>
+        </p:nvSpPr>
+        <p:spPr>
+          <a:xfrm>
+            <a:off x="4874575" y="572700"/>
+            <a:ext cx="4269300" cy="3468300"/>
+          </a:xfrm>
+          <a:prstGeom prst="rect">
+            <a:avLst/>
+          </a:prstGeom>
+          <a:noFill/>
+          <a:ln cap="flat" cmpd="sng" w="28575">
+            <a:solidFill>
+              <a:srgbClr val="FF9900"/>
+            </a:solidFill>
+            <a:prstDash val="solid"/>
+            <a:round/>
+            <a:headEnd len="sm" w="sm" type="none"/>
+            <a:tailEnd len="sm" w="sm" type="none"/>
+          </a:ln>
+        </p:spPr>
+        <p:txBody>
+          <a:bodyPr anchorCtr="0" anchor="ctr" bIns="91425" lIns="91425" spcFirstLastPara="1" rIns="91425" wrap="square" tIns="91425">
+            <a:noAutofit/>
+          </a:bodyPr>
+          <a:lstStyle/>
+          <a:p>
+            <a:pPr indent="0" lvl="0" marL="0" rtl="0" algn="l">
+              <a:spcBef>
+                <a:spcPts val="0"/>
+              </a:spcBef>
+              <a:spcAft>
+                <a:spcPts val="0"/>
+              </a:spcAft>
+              <a:buNone/>
+            </a:pPr>
+            <a:r>
+              <a:rPr i="1" lang="en" sz="2400">
+                <a:solidFill>
+                  <a:schemeClr val="dk1"/>
+                </a:solidFill>
+                <a:latin typeface="Times New Roman"/>
+                <a:ea typeface="Times New Roman"/>
+                <a:cs typeface="Times New Roman"/>
+                <a:sym typeface="Times New Roman"/>
+              </a:rPr>
+              <a:t>if condition in brackets is true execute the statement 1 </a:t>
+            </a:r>
+            <a:endParaRPr i="1" sz="2400">
+              <a:solidFill>
+                <a:schemeClr val="dk1"/>
+              </a:solidFill>
+              <a:latin typeface="Times New Roman"/>
+              <a:ea typeface="Times New Roman"/>
+              <a:cs typeface="Times New Roman"/>
+              <a:sym typeface="Times New Roman"/>
+            </a:endParaRPr>
+          </a:p>
+          <a:p>
+            <a:pPr indent="0" lvl="0" marL="0" rtl="0" algn="l">
+              <a:spcBef>
+                <a:spcPts val="0"/>
+              </a:spcBef>
+              <a:spcAft>
+                <a:spcPts val="0"/>
+              </a:spcAft>
+              <a:buNone/>
+            </a:pPr>
+            <a:r>
+              <a:t/>
+            </a:r>
+            <a:endParaRPr i="1" sz="2400">
+              <a:solidFill>
+                <a:schemeClr val="dk1"/>
+              </a:solidFill>
+              <a:latin typeface="Times New Roman"/>
+              <a:ea typeface="Times New Roman"/>
+              <a:cs typeface="Times New Roman"/>
+              <a:sym typeface="Times New Roman"/>
+            </a:endParaRPr>
+          </a:p>
+          <a:p>
+            <a:pPr indent="0" lvl="0" marL="0" rtl="0" algn="l">
+              <a:spcBef>
+                <a:spcPts val="0"/>
+              </a:spcBef>
+              <a:spcAft>
+                <a:spcPts val="0"/>
+              </a:spcAft>
+              <a:buNone/>
+            </a:pPr>
+            <a:r>
+              <a:rPr i="1" lang="en" sz="2400">
+                <a:solidFill>
+                  <a:schemeClr val="dk1"/>
+                </a:solidFill>
+                <a:latin typeface="Times New Roman"/>
+                <a:ea typeface="Times New Roman"/>
+                <a:cs typeface="Times New Roman"/>
+                <a:sym typeface="Times New Roman"/>
+              </a:rPr>
+              <a:t>otherwise</a:t>
+            </a:r>
+            <a:endParaRPr i="1" sz="2400">
+              <a:solidFill>
+                <a:schemeClr val="dk1"/>
+              </a:solidFill>
+              <a:latin typeface="Times New Roman"/>
+              <a:ea typeface="Times New Roman"/>
+              <a:cs typeface="Times New Roman"/>
+              <a:sym typeface="Times New Roman"/>
+            </a:endParaRPr>
+          </a:p>
+          <a:p>
+            <a:pPr indent="0" lvl="0" marL="0" rtl="0" algn="l">
+              <a:spcBef>
+                <a:spcPts val="0"/>
+              </a:spcBef>
+              <a:spcAft>
+                <a:spcPts val="0"/>
+              </a:spcAft>
+              <a:buNone/>
+            </a:pPr>
+            <a:r>
+              <a:rPr i="1" lang="en" sz="2400">
+                <a:solidFill>
+                  <a:schemeClr val="dk1"/>
+                </a:solidFill>
+                <a:latin typeface="Times New Roman"/>
+                <a:ea typeface="Times New Roman"/>
+                <a:cs typeface="Times New Roman"/>
+                <a:sym typeface="Times New Roman"/>
+              </a:rPr>
+              <a:t>execute the statement 2</a:t>
+            </a:r>
+            <a:endParaRPr i="1" sz="2400">
+              <a:solidFill>
+                <a:schemeClr val="dk1"/>
+              </a:solidFill>
+              <a:latin typeface="Times New Roman"/>
+              <a:ea typeface="Times New Roman"/>
+              <a:cs typeface="Times New Roman"/>
+              <a:sym typeface="Times New Roman"/>
+            </a:endParaRPr>
+          </a:p>
+          <a:p>
+            <a:pPr indent="0" lvl="0" marL="0" rtl="0" algn="l">
+              <a:spcBef>
+                <a:spcPts val="0"/>
+              </a:spcBef>
+              <a:spcAft>
+                <a:spcPts val="0"/>
+              </a:spcAft>
+              <a:buNone/>
+            </a:pPr>
+            <a:r>
+              <a:t/>
+            </a:r>
+            <a:endParaRPr sz="2400">
+              <a:solidFill>
+                <a:schemeClr val="dk1"/>
+              </a:solidFill>
+              <a:latin typeface="Times New Roman"/>
+              <a:ea typeface="Times New Roman"/>
+              <a:cs typeface="Times New Roman"/>
+              <a:sym typeface="Times New Roman"/>
+            </a:endParaRPr>
+          </a:p>
+          <a:p>
+            <a:pPr indent="0" lvl="0" marL="0" rtl="0" algn="l">
+              <a:spcBef>
+                <a:spcPts val="0"/>
+              </a:spcBef>
+              <a:spcAft>
+                <a:spcPts val="0"/>
+              </a:spcAft>
+              <a:buClr>
+                <a:schemeClr val="dk1"/>
+              </a:buClr>
+              <a:buSzPts val="1100"/>
+              <a:buFont typeface="Arial"/>
+              <a:buNone/>
+            </a:pPr>
+            <a:r>
+              <a:rPr lang="en" sz="2400">
+                <a:solidFill>
+                  <a:schemeClr val="dk1"/>
+                </a:solidFill>
+                <a:latin typeface="Times New Roman"/>
+                <a:ea typeface="Times New Roman"/>
+                <a:cs typeface="Times New Roman"/>
+                <a:sym typeface="Times New Roman"/>
+              </a:rPr>
+              <a:t>{}</a:t>
+            </a:r>
+            <a:r>
+              <a:rPr i="1" lang="en" sz="2400">
+                <a:solidFill>
+                  <a:schemeClr val="dk1"/>
+                </a:solidFill>
+                <a:latin typeface="Times New Roman"/>
+                <a:ea typeface="Times New Roman"/>
+                <a:cs typeface="Times New Roman"/>
+                <a:sym typeface="Times New Roman"/>
+              </a:rPr>
+              <a:t> are optional for one statement</a:t>
+            </a:r>
+            <a:endParaRPr i="1" sz="2400">
+              <a:solidFill>
+                <a:schemeClr val="dk1"/>
+              </a:solidFill>
+              <a:latin typeface="Times New Roman"/>
+              <a:ea typeface="Times New Roman"/>
+              <a:cs typeface="Times New Roman"/>
+              <a:sym typeface="Times New Roman"/>
+            </a:endParaRPr>
+          </a:p>
+        </p:txBody>
+      </p:sp>
+    </p:spTree>
+  </p:cSld>
+  <p:clrMapOvr>
+    <a:masterClrMapping/>
+  </p:clrMapOvr>
+</p:sld>
+</file>
+
+<file path=ppt/slides/slide11.xml><?xml version="1.0" encoding="utf-8"?>
+<p:sld xmlns:a="http://schemas.openxmlformats.org/drawingml/2006/main" xmlns:r="http://schemas.openxmlformats.org/officeDocument/2006/relationships" xmlns:mc="http://schemas.openxmlformats.org/markup-compatibility/2006" xmlns:mv="urn:schemas-microsoft-com:mac:vml" xmlns:p="http://schemas.openxmlformats.org/presentationml/2006/main" xmlns:c="http://schemas.openxmlformats.org/drawingml/2006/chart" xmlns:dgm="http://schemas.openxmlformats.org/drawingml/2006/diagram" xmlns:o="urn:schemas-microsoft-com:office:office" xmlns:v="urn:schemas-microsoft-com:vml" xmlns:pvml="urn:schemas-microsoft-com:office:powerpoint" xmlns:com="http://schemas.openxmlformats.org/drawingml/2006/compatibility" xmlns:p14="http://schemas.microsoft.com/office/powerpoint/2010/main" xmlns:p15="http://schemas.microsoft.com/office/powerpoint/2012/main" xmlns:ahyp="http://schemas.microsoft.com/office/drawing/2018/hyperlinkcolor">
+  <p:cSld>
+    <p:spTree>
+      <p:nvGrpSpPr>
+        <p:cNvPr id="136" name="Shape 136"/>
+        <p:cNvGrpSpPr/>
+        <p:nvPr/>
+      </p:nvGrpSpPr>
+      <p:grpSpPr>
+        <a:xfrm>
+          <a:off x="0" y="0"/>
+          <a:ext cx="0" cy="0"/>
+          <a:chOff x="0" y="0"/>
+          <a:chExt cx="0" cy="0"/>
+        </a:xfrm>
+      </p:grpSpPr>
+      <p:sp>
+        <p:nvSpPr>
+          <p:cNvPr id="137" name="Google Shape;137;p24"/>
+          <p:cNvSpPr txBox="1"/>
+          <p:nvPr>
+            <p:ph type="title"/>
+          </p:nvPr>
+        </p:nvSpPr>
+        <p:spPr>
+          <a:xfrm>
+            <a:off x="0" y="0"/>
+            <a:ext cx="9144000" cy="572700"/>
+          </a:xfrm>
+          <a:prstGeom prst="rect">
+            <a:avLst/>
+          </a:prstGeom>
+        </p:spPr>
+        <p:txBody>
+          <a:bodyPr anchorCtr="0" anchor="t" bIns="91425" lIns="91425" spcFirstLastPara="1" rIns="91425" wrap="square" tIns="91425">
+            <a:noAutofit/>
+          </a:bodyPr>
+          <a:lstStyle/>
+          <a:p>
+            <a:pPr indent="0" lvl="0" marL="0" rtl="0" algn="l">
+              <a:spcBef>
+                <a:spcPts val="0"/>
+              </a:spcBef>
+              <a:spcAft>
+                <a:spcPts val="0"/>
+              </a:spcAft>
+              <a:buSzPts val="990"/>
+              <a:buNone/>
+            </a:pPr>
+            <a:r>
+              <a:rPr b="1" lang="en" sz="3020">
+                <a:latin typeface="Times New Roman"/>
+                <a:ea typeface="Times New Roman"/>
+                <a:cs typeface="Times New Roman"/>
+                <a:sym typeface="Times New Roman"/>
+              </a:rPr>
+              <a:t>Comparison</a:t>
+            </a:r>
+            <a:endParaRPr b="1" sz="3020">
+              <a:latin typeface="Times New Roman"/>
+              <a:ea typeface="Times New Roman"/>
+              <a:cs typeface="Times New Roman"/>
+              <a:sym typeface="Times New Roman"/>
+            </a:endParaRPr>
+          </a:p>
+        </p:txBody>
+      </p:sp>
+      <p:sp>
+        <p:nvSpPr>
+          <p:cNvPr id="138" name="Google Shape;138;p24"/>
+          <p:cNvSpPr txBox="1"/>
+          <p:nvPr/>
+        </p:nvSpPr>
+        <p:spPr>
+          <a:xfrm>
+            <a:off x="-12" y="4767600"/>
+            <a:ext cx="9144000" cy="375900"/>
+          </a:xfrm>
+          <a:prstGeom prst="rect">
+            <a:avLst/>
+          </a:prstGeom>
+          <a:noFill/>
+          <a:ln>
+            <a:noFill/>
+          </a:ln>
+        </p:spPr>
+        <p:txBody>
+          <a:bodyPr anchorCtr="0" anchor="t" bIns="91425" lIns="91425" spcFirstLastPara="1" rIns="91425" wrap="square" tIns="91425">
+            <a:spAutoFit/>
+          </a:bodyPr>
+          <a:lstStyle/>
+          <a:p>
+            <a:pPr indent="0" lvl="0" marL="12700" marR="259715" rtl="0" algn="ctr">
+              <a:lnSpc>
+                <a:spcPct val="88700"/>
+              </a:lnSpc>
+              <a:spcBef>
+                <a:spcPts val="0"/>
+              </a:spcBef>
+              <a:spcAft>
+                <a:spcPts val="0"/>
+              </a:spcAft>
+              <a:buNone/>
+            </a:pPr>
+            <a:r>
+              <a:t/>
+            </a:r>
+            <a:endParaRPr b="1">
+              <a:solidFill>
+                <a:schemeClr val="dk1"/>
+              </a:solidFill>
+              <a:latin typeface="Times New Roman"/>
+              <a:ea typeface="Times New Roman"/>
+              <a:cs typeface="Times New Roman"/>
+              <a:sym typeface="Times New Roman"/>
+            </a:endParaRPr>
+          </a:p>
+        </p:txBody>
+      </p:sp>
+      <p:sp>
+        <p:nvSpPr>
+          <p:cNvPr id="139" name="Google Shape;139;p24"/>
+          <p:cNvSpPr/>
+          <p:nvPr/>
+        </p:nvSpPr>
+        <p:spPr>
+          <a:xfrm>
+            <a:off x="-125" y="572700"/>
+            <a:ext cx="9144000" cy="4194900"/>
+          </a:xfrm>
+          <a:prstGeom prst="rect">
+            <a:avLst/>
+          </a:prstGeom>
+          <a:noFill/>
+          <a:ln>
+            <a:noFill/>
+          </a:ln>
+        </p:spPr>
+        <p:txBody>
+          <a:bodyPr anchorCtr="0" anchor="t" bIns="91425" lIns="91425" spcFirstLastPara="1" rIns="91425" wrap="square" tIns="91425">
+            <a:noAutofit/>
+          </a:bodyPr>
+          <a:lstStyle/>
+          <a:p>
+            <a:pPr indent="0" lvl="0" marL="0" rtl="0" algn="l">
+              <a:spcBef>
+                <a:spcPts val="0"/>
+              </a:spcBef>
+              <a:spcAft>
+                <a:spcPts val="0"/>
+              </a:spcAft>
+              <a:buNone/>
+            </a:pPr>
+            <a:r>
+              <a:rPr lang="en" sz="2000">
+                <a:solidFill>
+                  <a:schemeClr val="dk1"/>
+                </a:solidFill>
+                <a:latin typeface="Courier New"/>
+                <a:ea typeface="Courier New"/>
+                <a:cs typeface="Courier New"/>
+                <a:sym typeface="Courier New"/>
+              </a:rPr>
+              <a:t>if(hiddenNumber == enteredNumber)</a:t>
+            </a:r>
+            <a:endParaRPr sz="2000">
+              <a:solidFill>
+                <a:schemeClr val="dk1"/>
+              </a:solidFill>
+              <a:latin typeface="Courier New"/>
+              <a:ea typeface="Courier New"/>
+              <a:cs typeface="Courier New"/>
+              <a:sym typeface="Courier New"/>
+            </a:endParaRPr>
+          </a:p>
+          <a:p>
+            <a:pPr indent="0" lvl="0" marL="0" rtl="0" algn="l">
+              <a:spcBef>
+                <a:spcPts val="0"/>
+              </a:spcBef>
+              <a:spcAft>
+                <a:spcPts val="0"/>
+              </a:spcAft>
+              <a:buNone/>
+            </a:pPr>
+            <a:r>
+              <a:rPr lang="en" sz="2000">
+                <a:solidFill>
+                  <a:schemeClr val="dk1"/>
+                </a:solidFill>
+                <a:latin typeface="Courier New"/>
+                <a:ea typeface="Courier New"/>
+                <a:cs typeface="Courier New"/>
+                <a:sym typeface="Courier New"/>
+              </a:rPr>
+              <a:t>{</a:t>
+            </a:r>
+            <a:endParaRPr sz="2000">
+              <a:solidFill>
+                <a:schemeClr val="dk1"/>
+              </a:solidFill>
+              <a:latin typeface="Courier New"/>
+              <a:ea typeface="Courier New"/>
+              <a:cs typeface="Courier New"/>
+              <a:sym typeface="Courier New"/>
+            </a:endParaRPr>
+          </a:p>
+          <a:p>
+            <a:pPr indent="457200" lvl="0" marL="0" rtl="0" algn="l">
+              <a:spcBef>
+                <a:spcPts val="0"/>
+              </a:spcBef>
+              <a:spcAft>
+                <a:spcPts val="0"/>
+              </a:spcAft>
+              <a:buNone/>
+            </a:pPr>
+            <a:r>
+              <a:rPr lang="en" sz="2000">
+                <a:solidFill>
+                  <a:schemeClr val="dk1"/>
+                </a:solidFill>
+                <a:latin typeface="Courier New"/>
+                <a:ea typeface="Courier New"/>
+                <a:cs typeface="Courier New"/>
+                <a:sym typeface="Courier New"/>
+              </a:rPr>
+              <a:t>console.log(</a:t>
+            </a:r>
+            <a:r>
+              <a:rPr lang="en" sz="2000">
+                <a:solidFill>
+                  <a:schemeClr val="dk1"/>
+                </a:solidFill>
+                <a:latin typeface="Courier New"/>
+                <a:ea typeface="Courier New"/>
+                <a:cs typeface="Courier New"/>
+                <a:sym typeface="Courier New"/>
+              </a:rPr>
+              <a:t>"Congratulations!"</a:t>
+            </a:r>
+            <a:r>
+              <a:rPr lang="en" sz="2000">
+                <a:solidFill>
+                  <a:schemeClr val="dk1"/>
+                </a:solidFill>
+                <a:latin typeface="Courier New"/>
+                <a:ea typeface="Courier New"/>
+                <a:cs typeface="Courier New"/>
+                <a:sym typeface="Courier New"/>
+              </a:rPr>
+              <a:t>)</a:t>
+            </a:r>
+            <a:endParaRPr sz="2000">
+              <a:solidFill>
+                <a:schemeClr val="dk1"/>
+              </a:solidFill>
+              <a:latin typeface="Courier New"/>
+              <a:ea typeface="Courier New"/>
+              <a:cs typeface="Courier New"/>
+              <a:sym typeface="Courier New"/>
+            </a:endParaRPr>
+          </a:p>
+          <a:p>
+            <a:pPr indent="457200" lvl="0" marL="0" rtl="0" algn="l">
+              <a:spcBef>
+                <a:spcPts val="0"/>
+              </a:spcBef>
+              <a:spcAft>
+                <a:spcPts val="0"/>
+              </a:spcAft>
+              <a:buNone/>
+            </a:pPr>
+            <a:r>
+              <a:rPr lang="en" sz="2000">
+                <a:solidFill>
+                  <a:schemeClr val="dk1"/>
+                </a:solidFill>
+                <a:latin typeface="Courier New"/>
+                <a:ea typeface="Courier New"/>
+                <a:cs typeface="Courier New"/>
+                <a:sym typeface="Courier New"/>
+              </a:rPr>
+              <a:t>console.log("</a:t>
+            </a:r>
+            <a:r>
+              <a:rPr lang="en" sz="2000">
+                <a:solidFill>
+                  <a:schemeClr val="dk1"/>
+                </a:solidFill>
+                <a:latin typeface="Courier New"/>
+                <a:ea typeface="Courier New"/>
+                <a:cs typeface="Courier New"/>
+                <a:sym typeface="Courier New"/>
+              </a:rPr>
+              <a:t>You have found the hidden number!"</a:t>
+            </a:r>
+            <a:r>
+              <a:rPr lang="en" sz="2000">
+                <a:solidFill>
+                  <a:schemeClr val="dk1"/>
+                </a:solidFill>
+                <a:latin typeface="Courier New"/>
+                <a:ea typeface="Courier New"/>
+                <a:cs typeface="Courier New"/>
+                <a:sym typeface="Courier New"/>
+              </a:rPr>
+              <a:t>)</a:t>
+            </a:r>
+            <a:endParaRPr sz="2000">
+              <a:solidFill>
+                <a:schemeClr val="dk1"/>
+              </a:solidFill>
+              <a:latin typeface="Courier New"/>
+              <a:ea typeface="Courier New"/>
+              <a:cs typeface="Courier New"/>
+              <a:sym typeface="Courier New"/>
+            </a:endParaRPr>
+          </a:p>
+          <a:p>
+            <a:pPr indent="0" lvl="0" marL="0" rtl="0" algn="l">
+              <a:spcBef>
+                <a:spcPts val="0"/>
+              </a:spcBef>
+              <a:spcAft>
+                <a:spcPts val="0"/>
+              </a:spcAft>
+              <a:buNone/>
+            </a:pPr>
+            <a:r>
+              <a:rPr lang="en" sz="2000">
+                <a:solidFill>
+                  <a:schemeClr val="dk1"/>
+                </a:solidFill>
+                <a:latin typeface="Courier New"/>
+                <a:ea typeface="Courier New"/>
+                <a:cs typeface="Courier New"/>
+                <a:sym typeface="Courier New"/>
+              </a:rPr>
+              <a:t>}</a:t>
+            </a:r>
+            <a:endParaRPr sz="2000">
+              <a:solidFill>
+                <a:schemeClr val="dk1"/>
+              </a:solidFill>
+              <a:latin typeface="Courier New"/>
+              <a:ea typeface="Courier New"/>
+              <a:cs typeface="Courier New"/>
+              <a:sym typeface="Courier New"/>
+            </a:endParaRPr>
+          </a:p>
+          <a:p>
+            <a:pPr indent="0" lvl="0" marL="0" rtl="0" algn="l">
+              <a:spcBef>
+                <a:spcPts val="0"/>
+              </a:spcBef>
+              <a:spcAft>
+                <a:spcPts val="0"/>
+              </a:spcAft>
+              <a:buNone/>
+            </a:pPr>
+            <a:r>
+              <a:rPr lang="en" sz="2000">
+                <a:solidFill>
+                  <a:schemeClr val="dk1"/>
+                </a:solidFill>
+                <a:latin typeface="Courier New"/>
+                <a:ea typeface="Courier New"/>
+                <a:cs typeface="Courier New"/>
+                <a:sym typeface="Courier New"/>
+              </a:rPr>
+              <a:t>else</a:t>
+            </a:r>
+            <a:endParaRPr sz="2000">
+              <a:solidFill>
+                <a:schemeClr val="dk1"/>
+              </a:solidFill>
+              <a:latin typeface="Courier New"/>
+              <a:ea typeface="Courier New"/>
+              <a:cs typeface="Courier New"/>
+              <a:sym typeface="Courier New"/>
+            </a:endParaRPr>
+          </a:p>
+          <a:p>
+            <a:pPr indent="0" lvl="0" marL="0" rtl="0" algn="l">
+              <a:spcBef>
+                <a:spcPts val="0"/>
+              </a:spcBef>
+              <a:spcAft>
+                <a:spcPts val="0"/>
+              </a:spcAft>
+              <a:buNone/>
+            </a:pPr>
+            <a:r>
+              <a:rPr lang="en" sz="2000">
+                <a:solidFill>
+                  <a:schemeClr val="dk1"/>
+                </a:solidFill>
+                <a:latin typeface="Courier New"/>
+                <a:ea typeface="Courier New"/>
+                <a:cs typeface="Courier New"/>
+                <a:sym typeface="Courier New"/>
+              </a:rPr>
+              <a:t>{</a:t>
+            </a:r>
+            <a:endParaRPr sz="2000">
+              <a:solidFill>
+                <a:schemeClr val="dk1"/>
+              </a:solidFill>
+              <a:latin typeface="Courier New"/>
+              <a:ea typeface="Courier New"/>
+              <a:cs typeface="Courier New"/>
+              <a:sym typeface="Courier New"/>
+            </a:endParaRPr>
+          </a:p>
+          <a:p>
+            <a:pPr indent="457200" lvl="0" marL="0" rtl="0" algn="l">
+              <a:spcBef>
+                <a:spcPts val="0"/>
+              </a:spcBef>
+              <a:spcAft>
+                <a:spcPts val="0"/>
+              </a:spcAft>
+              <a:buNone/>
+            </a:pPr>
+            <a:r>
+              <a:rPr lang="en" sz="2000">
+                <a:solidFill>
+                  <a:schemeClr val="dk1"/>
+                </a:solidFill>
+                <a:latin typeface="Courier New"/>
+                <a:ea typeface="Courier New"/>
+                <a:cs typeface="Courier New"/>
+                <a:sym typeface="Courier New"/>
+              </a:rPr>
+              <a:t>console.log("It is not the hidden number!")</a:t>
+            </a:r>
+            <a:endParaRPr sz="2000">
+              <a:solidFill>
+                <a:schemeClr val="dk1"/>
+              </a:solidFill>
+              <a:latin typeface="Courier New"/>
+              <a:ea typeface="Courier New"/>
+              <a:cs typeface="Courier New"/>
+              <a:sym typeface="Courier New"/>
+            </a:endParaRPr>
+          </a:p>
+          <a:p>
+            <a:pPr indent="457200" lvl="0" marL="0" rtl="0" algn="l">
+              <a:spcBef>
+                <a:spcPts val="0"/>
+              </a:spcBef>
+              <a:spcAft>
+                <a:spcPts val="0"/>
+              </a:spcAft>
+              <a:buClr>
+                <a:schemeClr val="dk1"/>
+              </a:buClr>
+              <a:buSzPts val="1100"/>
+              <a:buFont typeface="Arial"/>
+              <a:buNone/>
+            </a:pPr>
+            <a:r>
+              <a:rPr lang="en" sz="2000">
+                <a:solidFill>
+                  <a:schemeClr val="dk1"/>
+                </a:solidFill>
+                <a:latin typeface="Courier New"/>
+                <a:ea typeface="Courier New"/>
+                <a:cs typeface="Courier New"/>
+                <a:sym typeface="Courier New"/>
+              </a:rPr>
+              <a:t>console.log("Try Again!")</a:t>
+            </a:r>
+            <a:endParaRPr sz="2000">
+              <a:solidFill>
+                <a:schemeClr val="dk1"/>
+              </a:solidFill>
+              <a:latin typeface="Courier New"/>
+              <a:ea typeface="Courier New"/>
+              <a:cs typeface="Courier New"/>
+              <a:sym typeface="Courier New"/>
+            </a:endParaRPr>
+          </a:p>
+          <a:p>
+            <a:pPr indent="0" lvl="0" marL="0" rtl="0" algn="l">
+              <a:spcBef>
+                <a:spcPts val="0"/>
+              </a:spcBef>
+              <a:spcAft>
+                <a:spcPts val="0"/>
+              </a:spcAft>
+              <a:buNone/>
+            </a:pPr>
+            <a:r>
+              <a:rPr lang="en" sz="2000">
+                <a:solidFill>
+                  <a:schemeClr val="dk1"/>
+                </a:solidFill>
+                <a:latin typeface="Courier New"/>
+                <a:ea typeface="Courier New"/>
+                <a:cs typeface="Courier New"/>
+                <a:sym typeface="Courier New"/>
+              </a:rPr>
+              <a:t>}</a:t>
+            </a:r>
+            <a:endParaRPr sz="2000">
+              <a:solidFill>
+                <a:schemeClr val="dk1"/>
+              </a:solidFill>
+              <a:latin typeface="Courier New"/>
+              <a:ea typeface="Courier New"/>
+              <a:cs typeface="Courier New"/>
+              <a:sym typeface="Courier New"/>
+            </a:endParaRPr>
+          </a:p>
+        </p:txBody>
+      </p:sp>
+    </p:spTree>
+  </p:cSld>
+  <p:clrMapOvr>
+    <a:masterClrMapping/>
+  </p:clrMapOvr>
+</p:sld>
+</file>
+
+<file path=ppt/slides/slide12.xml><?xml version="1.0" encoding="utf-8"?>
+<p:sld xmlns:a="http://schemas.openxmlformats.org/drawingml/2006/main" xmlns:r="http://schemas.openxmlformats.org/officeDocument/2006/relationships" xmlns:mc="http://schemas.openxmlformats.org/markup-compatibility/2006" xmlns:mv="urn:schemas-microsoft-com:mac:vml" xmlns:p="http://schemas.openxmlformats.org/presentationml/2006/main" xmlns:c="http://schemas.openxmlformats.org/drawingml/2006/chart" xmlns:dgm="http://schemas.openxmlformats.org/drawingml/2006/diagram" xmlns:o="urn:schemas-microsoft-com:office:office" xmlns:v="urn:schemas-microsoft-com:vml" xmlns:pvml="urn:schemas-microsoft-com:office:powerpoint" xmlns:com="http://schemas.openxmlformats.org/drawingml/2006/compatibility" xmlns:p14="http://schemas.microsoft.com/office/powerpoint/2010/main" xmlns:p15="http://schemas.microsoft.com/office/powerpoint/2012/main" xmlns:ahyp="http://schemas.microsoft.com/office/drawing/2018/hyperlinkcolor">
+  <p:cSld>
+    <p:spTree>
+      <p:nvGrpSpPr>
+        <p:cNvPr id="143" name="Shape 143"/>
         <p:cNvGrpSpPr/>
         <p:nvPr/>
       </p:nvGrpSpPr>
@@ -9367,7 +10787,7 @@
       </p:grpSpPr>
       <p:graphicFrame>
         <p:nvGraphicFramePr>
-          <p:cNvPr id="125" name="Google Shape;125;p23"/>
+          <p:cNvPr id="144" name="Google Shape;144;p25"/>
           <p:cNvGraphicFramePr/>
           <p:nvPr/>
         </p:nvGraphicFramePr>
@@ -9380,7 +10800,7 @@
             <a:tbl>
               <a:tblPr>
                 <a:noFill/>
-                <a:tableStyleId>{3DFFEA2C-5924-4BF6-823D-5A3ACB2B3D5F}</a:tableStyleId>
+                <a:tableStyleId>{25582E17-411C-45B6-93AF-B3BD47618EEA}</a:tableStyleId>
               </a:tblPr>
               <a:tblGrid>
                 <a:gridCol w="4572000"/>
@@ -9441,7 +10861,7 @@
                           <a:cs typeface="Courier New"/>
                           <a:sym typeface="Courier New"/>
                         </a:rPr>
-                        <a:t>(a &gt; 0) &amp;&amp; (a &lt;10)</a:t>
+                        <a:t>(a &gt; 0) &amp;&amp; (a &lt; 10)</a:t>
                       </a:r>
                       <a:endParaRPr sz="2200">
                         <a:latin typeface="Courier New"/>
@@ -9533,7 +10953,7 @@
                           <a:cs typeface="Courier New"/>
                           <a:sym typeface="Courier New"/>
                         </a:rPr>
-                        <a:t>(a &lt;10)</a:t>
+                        <a:t>(a &lt; 10)</a:t>
                       </a:r>
                       <a:endParaRPr sz="2200">
                         <a:latin typeface="Courier New"/>
@@ -9632,7 +11052,7 @@
       </p:graphicFrame>
       <p:sp>
         <p:nvSpPr>
-          <p:cNvPr id="126" name="Google Shape;126;p23"/>
+          <p:cNvPr id="145" name="Google Shape;145;p25"/>
           <p:cNvSpPr txBox="1"/>
           <p:nvPr>
             <p:ph type="title"/>
@@ -9683,7 +11103,7 @@
       </p:sp>
       <p:sp>
         <p:nvSpPr>
-          <p:cNvPr id="127" name="Google Shape;127;p23"/>
+          <p:cNvPr id="146" name="Google Shape;146;p25"/>
           <p:cNvSpPr txBox="1"/>
           <p:nvPr/>
         </p:nvSpPr>
@@ -9762,12 +11182,12 @@
 </p:sld>
 </file>
 
-<file path=ppt/slides/slide11.xml><?xml version="1.0" encoding="utf-8"?>
+<file path=ppt/slides/slide13.xml><?xml version="1.0" encoding="utf-8"?>
 <p:sld xmlns:a="http://schemas.openxmlformats.org/drawingml/2006/main" xmlns:r="http://schemas.openxmlformats.org/officeDocument/2006/relationships" xmlns:mc="http://schemas.openxmlformats.org/markup-compatibility/2006" xmlns:mv="urn:schemas-microsoft-com:mac:vml" xmlns:p="http://schemas.openxmlformats.org/presentationml/2006/main" xmlns:c="http://schemas.openxmlformats.org/drawingml/2006/chart" xmlns:dgm="http://schemas.openxmlformats.org/drawingml/2006/diagram" xmlns:o="urn:schemas-microsoft-com:office:office" xmlns:v="urn:schemas-microsoft-com:vml" xmlns:pvml="urn:schemas-microsoft-com:office:powerpoint" xmlns:com="http://schemas.openxmlformats.org/drawingml/2006/compatibility" xmlns:p14="http://schemas.microsoft.com/office/powerpoint/2010/main" xmlns:p15="http://schemas.microsoft.com/office/powerpoint/2012/main" xmlns:ahyp="http://schemas.microsoft.com/office/drawing/2018/hyperlinkcolor">
   <p:cSld>
     <p:spTree>
       <p:nvGrpSpPr>
-        <p:cNvPr id="131" name="Shape 131"/>
+        <p:cNvPr id="150" name="Shape 150"/>
         <p:cNvGrpSpPr/>
         <p:nvPr/>
       </p:nvGrpSpPr>
@@ -9781,7 +11201,7 @@
       </p:grpSpPr>
       <p:sp>
         <p:nvSpPr>
-          <p:cNvPr id="132" name="Google Shape;132;p24"/>
+          <p:cNvPr id="151" name="Google Shape;151;p26"/>
           <p:cNvSpPr txBox="1"/>
           <p:nvPr>
             <p:ph idx="1" type="body"/>
@@ -9911,7 +11331,7 @@
       </p:sp>
       <p:pic>
         <p:nvPicPr>
-          <p:cNvPr id="133" name="Google Shape;133;p24"/>
+          <p:cNvPr id="152" name="Google Shape;152;p26"/>
           <p:cNvPicPr preferRelativeResize="0"/>
           <p:nvPr/>
         </p:nvPicPr>
@@ -9939,7 +11359,7 @@
       </p:pic>
       <p:pic>
         <p:nvPicPr>
-          <p:cNvPr id="134" name="Google Shape;134;p24"/>
+          <p:cNvPr id="153" name="Google Shape;153;p26"/>
           <p:cNvPicPr preferRelativeResize="0"/>
           <p:nvPr/>
         </p:nvPicPr>
@@ -9967,7 +11387,7 @@
       </p:pic>
       <p:sp>
         <p:nvSpPr>
-          <p:cNvPr id="135" name="Google Shape;135;p24"/>
+          <p:cNvPr id="154" name="Google Shape;154;p26"/>
           <p:cNvSpPr txBox="1"/>
           <p:nvPr>
             <p:ph type="title"/>
@@ -10024,12 +11444,12 @@
 </p:sld>
 </file>
 
-<file path=ppt/slides/slide12.xml><?xml version="1.0" encoding="utf-8"?>
+<file path=ppt/slides/slide14.xml><?xml version="1.0" encoding="utf-8"?>
 <p:sld xmlns:a="http://schemas.openxmlformats.org/drawingml/2006/main" xmlns:r="http://schemas.openxmlformats.org/officeDocument/2006/relationships" xmlns:mc="http://schemas.openxmlformats.org/markup-compatibility/2006" xmlns:mv="urn:schemas-microsoft-com:mac:vml" xmlns:p="http://schemas.openxmlformats.org/presentationml/2006/main" xmlns:c="http://schemas.openxmlformats.org/drawingml/2006/chart" xmlns:dgm="http://schemas.openxmlformats.org/drawingml/2006/diagram" xmlns:o="urn:schemas-microsoft-com:office:office" xmlns:v="urn:schemas-microsoft-com:vml" xmlns:pvml="urn:schemas-microsoft-com:office:powerpoint" xmlns:com="http://schemas.openxmlformats.org/drawingml/2006/compatibility" xmlns:p14="http://schemas.microsoft.com/office/powerpoint/2010/main" xmlns:p15="http://schemas.microsoft.com/office/powerpoint/2012/main" xmlns:ahyp="http://schemas.microsoft.com/office/drawing/2018/hyperlinkcolor">
   <p:cSld>
     <p:spTree>
       <p:nvGrpSpPr>
-        <p:cNvPr id="139" name="Shape 139"/>
+        <p:cNvPr id="158" name="Shape 158"/>
         <p:cNvGrpSpPr/>
         <p:nvPr/>
       </p:nvGrpSpPr>
@@ -10043,7 +11463,7 @@
       </p:grpSpPr>
       <p:sp>
         <p:nvSpPr>
-          <p:cNvPr id="140" name="Google Shape;140;p25"/>
+          <p:cNvPr id="159" name="Google Shape;159;p27"/>
           <p:cNvSpPr txBox="1"/>
           <p:nvPr>
             <p:ph type="title"/>
@@ -10094,7 +11514,7 @@
       </p:sp>
       <p:pic>
         <p:nvPicPr>
-          <p:cNvPr id="141" name="Google Shape;141;p25"/>
+          <p:cNvPr id="160" name="Google Shape;160;p27"/>
           <p:cNvPicPr preferRelativeResize="0"/>
           <p:nvPr/>
         </p:nvPicPr>
@@ -10121,7 +11541,7 @@
       </p:pic>
       <p:sp>
         <p:nvSpPr>
-          <p:cNvPr id="142" name="Google Shape;142;p25"/>
+          <p:cNvPr id="161" name="Google Shape;161;p27"/>
           <p:cNvSpPr txBox="1"/>
           <p:nvPr/>
         </p:nvSpPr>
@@ -10200,12 +11620,12 @@
 </p:sld>
 </file>
 
-<file path=ppt/slides/slide13.xml><?xml version="1.0" encoding="utf-8"?>
+<file path=ppt/slides/slide15.xml><?xml version="1.0" encoding="utf-8"?>
 <p:sld xmlns:a="http://schemas.openxmlformats.org/drawingml/2006/main" xmlns:r="http://schemas.openxmlformats.org/officeDocument/2006/relationships" xmlns:mc="http://schemas.openxmlformats.org/markup-compatibility/2006" xmlns:mv="urn:schemas-microsoft-com:mac:vml" xmlns:p="http://schemas.openxmlformats.org/presentationml/2006/main" xmlns:c="http://schemas.openxmlformats.org/drawingml/2006/chart" xmlns:dgm="http://schemas.openxmlformats.org/drawingml/2006/diagram" xmlns:o="urn:schemas-microsoft-com:office:office" xmlns:v="urn:schemas-microsoft-com:vml" xmlns:pvml="urn:schemas-microsoft-com:office:powerpoint" xmlns:com="http://schemas.openxmlformats.org/drawingml/2006/compatibility" xmlns:p14="http://schemas.microsoft.com/office/powerpoint/2010/main" xmlns:p15="http://schemas.microsoft.com/office/powerpoint/2012/main" xmlns:ahyp="http://schemas.microsoft.com/office/drawing/2018/hyperlinkcolor">
   <p:cSld>
     <p:spTree>
       <p:nvGrpSpPr>
-        <p:cNvPr id="146" name="Shape 146"/>
+        <p:cNvPr id="165" name="Shape 165"/>
         <p:cNvGrpSpPr/>
         <p:nvPr/>
       </p:nvGrpSpPr>
@@ -10219,7 +11639,7 @@
       </p:grpSpPr>
       <p:sp>
         <p:nvSpPr>
-          <p:cNvPr id="147" name="Google Shape;147;p26"/>
+          <p:cNvPr id="166" name="Google Shape;166;p28"/>
           <p:cNvSpPr txBox="1"/>
           <p:nvPr>
             <p:ph type="title"/>
@@ -10270,7 +11690,7 @@
       </p:sp>
       <p:sp>
         <p:nvSpPr>
-          <p:cNvPr id="148" name="Google Shape;148;p26"/>
+          <p:cNvPr id="167" name="Google Shape;167;p28"/>
           <p:cNvSpPr txBox="1"/>
           <p:nvPr/>
         </p:nvSpPr>
@@ -10331,7 +11751,7 @@
       </p:sp>
       <p:pic>
         <p:nvPicPr>
-          <p:cNvPr id="149" name="Google Shape;149;p26"/>
+          <p:cNvPr id="168" name="Google Shape;168;p28"/>
           <p:cNvPicPr preferRelativeResize="0"/>
           <p:nvPr/>
         </p:nvPicPr>
@@ -10364,12 +11784,12 @@
 </p:sld>
 </file>
 
-<file path=ppt/slides/slide14.xml><?xml version="1.0" encoding="utf-8"?>
+<file path=ppt/slides/slide16.xml><?xml version="1.0" encoding="utf-8"?>
 <p:sld xmlns:a="http://schemas.openxmlformats.org/drawingml/2006/main" xmlns:r="http://schemas.openxmlformats.org/officeDocument/2006/relationships" xmlns:mc="http://schemas.openxmlformats.org/markup-compatibility/2006" xmlns:mv="urn:schemas-microsoft-com:mac:vml" xmlns:p="http://schemas.openxmlformats.org/presentationml/2006/main" xmlns:c="http://schemas.openxmlformats.org/drawingml/2006/chart" xmlns:dgm="http://schemas.openxmlformats.org/drawingml/2006/diagram" xmlns:o="urn:schemas-microsoft-com:office:office" xmlns:v="urn:schemas-microsoft-com:vml" xmlns:pvml="urn:schemas-microsoft-com:office:powerpoint" xmlns:com="http://schemas.openxmlformats.org/drawingml/2006/compatibility" xmlns:p14="http://schemas.microsoft.com/office/powerpoint/2010/main" xmlns:p15="http://schemas.microsoft.com/office/powerpoint/2012/main" xmlns:ahyp="http://schemas.microsoft.com/office/drawing/2018/hyperlinkcolor">
   <p:cSld>
     <p:spTree>
       <p:nvGrpSpPr>
-        <p:cNvPr id="153" name="Shape 153"/>
+        <p:cNvPr id="172" name="Shape 172"/>
         <p:cNvGrpSpPr/>
         <p:nvPr/>
       </p:nvGrpSpPr>
@@ -10383,7 +11803,7 @@
       </p:grpSpPr>
       <p:sp>
         <p:nvSpPr>
-          <p:cNvPr id="154" name="Google Shape;154;p27"/>
+          <p:cNvPr id="173" name="Google Shape;173;p29"/>
           <p:cNvSpPr txBox="1"/>
           <p:nvPr>
             <p:ph idx="1" type="body"/>
@@ -10782,7 +12202,7 @@
       </p:sp>
       <p:sp>
         <p:nvSpPr>
-          <p:cNvPr id="155" name="Google Shape;155;p27"/>
+          <p:cNvPr id="174" name="Google Shape;174;p29"/>
           <p:cNvSpPr txBox="1"/>
           <p:nvPr>
             <p:ph type="title"/>
@@ -10839,12 +12259,12 @@
 </p:sld>
 </file>
 
-<file path=ppt/slides/slide15.xml><?xml version="1.0" encoding="utf-8"?>
+<file path=ppt/slides/slide17.xml><?xml version="1.0" encoding="utf-8"?>
 <p:sld xmlns:a="http://schemas.openxmlformats.org/drawingml/2006/main" xmlns:r="http://schemas.openxmlformats.org/officeDocument/2006/relationships" xmlns:mc="http://schemas.openxmlformats.org/markup-compatibility/2006" xmlns:mv="urn:schemas-microsoft-com:mac:vml" xmlns:p="http://schemas.openxmlformats.org/presentationml/2006/main" xmlns:c="http://schemas.openxmlformats.org/drawingml/2006/chart" xmlns:dgm="http://schemas.openxmlformats.org/drawingml/2006/diagram" xmlns:o="urn:schemas-microsoft-com:office:office" xmlns:v="urn:schemas-microsoft-com:vml" xmlns:pvml="urn:schemas-microsoft-com:office:powerpoint" xmlns:com="http://schemas.openxmlformats.org/drawingml/2006/compatibility" xmlns:p14="http://schemas.microsoft.com/office/powerpoint/2010/main" xmlns:p15="http://schemas.microsoft.com/office/powerpoint/2012/main" xmlns:ahyp="http://schemas.microsoft.com/office/drawing/2018/hyperlinkcolor">
   <p:cSld>
     <p:spTree>
       <p:nvGrpSpPr>
-        <p:cNvPr id="159" name="Shape 159"/>
+        <p:cNvPr id="178" name="Shape 178"/>
         <p:cNvGrpSpPr/>
         <p:nvPr/>
       </p:nvGrpSpPr>
@@ -10858,7 +12278,7 @@
       </p:grpSpPr>
       <p:sp>
         <p:nvSpPr>
-          <p:cNvPr id="160" name="Google Shape;160;p28"/>
+          <p:cNvPr id="179" name="Google Shape;179;p30"/>
           <p:cNvSpPr txBox="1"/>
           <p:nvPr>
             <p:ph idx="1" type="body"/>
@@ -11039,7 +12459,7 @@
       </p:sp>
       <p:sp>
         <p:nvSpPr>
-          <p:cNvPr id="161" name="Google Shape;161;p28"/>
+          <p:cNvPr id="180" name="Google Shape;180;p30"/>
           <p:cNvSpPr txBox="1"/>
           <p:nvPr>
             <p:ph type="title"/>
@@ -11096,12 +12516,12 @@
 </p:sld>
 </file>
 
-<file path=ppt/slides/slide16.xml><?xml version="1.0" encoding="utf-8"?>
+<file path=ppt/slides/slide18.xml><?xml version="1.0" encoding="utf-8"?>
 <p:sld xmlns:a="http://schemas.openxmlformats.org/drawingml/2006/main" xmlns:r="http://schemas.openxmlformats.org/officeDocument/2006/relationships" xmlns:mc="http://schemas.openxmlformats.org/markup-compatibility/2006" xmlns:mv="urn:schemas-microsoft-com:mac:vml" xmlns:p="http://schemas.openxmlformats.org/presentationml/2006/main" xmlns:c="http://schemas.openxmlformats.org/drawingml/2006/chart" xmlns:dgm="http://schemas.openxmlformats.org/drawingml/2006/diagram" xmlns:o="urn:schemas-microsoft-com:office:office" xmlns:v="urn:schemas-microsoft-com:vml" xmlns:pvml="urn:schemas-microsoft-com:office:powerpoint" xmlns:com="http://schemas.openxmlformats.org/drawingml/2006/compatibility" xmlns:p14="http://schemas.microsoft.com/office/powerpoint/2010/main" xmlns:p15="http://schemas.microsoft.com/office/powerpoint/2012/main" xmlns:ahyp="http://schemas.microsoft.com/office/drawing/2018/hyperlinkcolor">
   <p:cSld>
     <p:spTree>
       <p:nvGrpSpPr>
-        <p:cNvPr id="165" name="Shape 165"/>
+        <p:cNvPr id="184" name="Shape 184"/>
         <p:cNvGrpSpPr/>
         <p:nvPr/>
       </p:nvGrpSpPr>
@@ -11115,7 +12535,7 @@
       </p:grpSpPr>
       <p:sp>
         <p:nvSpPr>
-          <p:cNvPr id="166" name="Google Shape;166;p29"/>
+          <p:cNvPr id="185" name="Google Shape;185;p31"/>
           <p:cNvSpPr txBox="1"/>
           <p:nvPr>
             <p:ph type="title"/>
@@ -11165,7 +12585,7 @@
       </p:sp>
       <p:sp>
         <p:nvSpPr>
-          <p:cNvPr id="167" name="Google Shape;167;p29"/>
+          <p:cNvPr id="186" name="Google Shape;186;p31"/>
           <p:cNvSpPr txBox="1"/>
           <p:nvPr>
             <p:ph idx="1" type="body"/>
@@ -11317,7 +12737,7 @@
       </p:sp>
       <p:sp>
         <p:nvSpPr>
-          <p:cNvPr id="168" name="Google Shape;168;p29"/>
+          <p:cNvPr id="187" name="Google Shape;187;p31"/>
           <p:cNvSpPr txBox="1"/>
           <p:nvPr/>
         </p:nvSpPr>
@@ -11396,12 +12816,12 @@
 </p:sld>
 </file>
 
-<file path=ppt/slides/slide17.xml><?xml version="1.0" encoding="utf-8"?>
+<file path=ppt/slides/slide19.xml><?xml version="1.0" encoding="utf-8"?>
 <p:sld xmlns:a="http://schemas.openxmlformats.org/drawingml/2006/main" xmlns:r="http://schemas.openxmlformats.org/officeDocument/2006/relationships" xmlns:mc="http://schemas.openxmlformats.org/markup-compatibility/2006" xmlns:mv="urn:schemas-microsoft-com:mac:vml" xmlns:p="http://schemas.openxmlformats.org/presentationml/2006/main" xmlns:c="http://schemas.openxmlformats.org/drawingml/2006/chart" xmlns:dgm="http://schemas.openxmlformats.org/drawingml/2006/diagram" xmlns:o="urn:schemas-microsoft-com:office:office" xmlns:v="urn:schemas-microsoft-com:vml" xmlns:pvml="urn:schemas-microsoft-com:office:powerpoint" xmlns:com="http://schemas.openxmlformats.org/drawingml/2006/compatibility" xmlns:p14="http://schemas.microsoft.com/office/powerpoint/2010/main" xmlns:p15="http://schemas.microsoft.com/office/powerpoint/2012/main" xmlns:ahyp="http://schemas.microsoft.com/office/drawing/2018/hyperlinkcolor">
   <p:cSld>
     <p:spTree>
       <p:nvGrpSpPr>
-        <p:cNvPr id="172" name="Shape 172"/>
+        <p:cNvPr id="191" name="Shape 191"/>
         <p:cNvGrpSpPr/>
         <p:nvPr/>
       </p:nvGrpSpPr>
@@ -11415,7 +12835,7 @@
       </p:grpSpPr>
       <p:sp>
         <p:nvSpPr>
-          <p:cNvPr id="173" name="Google Shape;173;p30"/>
+          <p:cNvPr id="192" name="Google Shape;192;p32"/>
           <p:cNvSpPr txBox="1"/>
           <p:nvPr>
             <p:ph type="title"/>
@@ -11465,7 +12885,7 @@
       </p:sp>
       <p:sp>
         <p:nvSpPr>
-          <p:cNvPr id="174" name="Google Shape;174;p30"/>
+          <p:cNvPr id="193" name="Google Shape;193;p32"/>
           <p:cNvSpPr txBox="1"/>
           <p:nvPr>
             <p:ph idx="1" type="body"/>
@@ -11686,649 +13106,6 @@
                 <a:sym typeface="Courier New"/>
               </a:rPr>
               <a:t>let b = multiplyByTwo(a);</a:t>
-            </a:r>
-            <a:endParaRPr>
-              <a:solidFill>
-                <a:schemeClr val="dk1"/>
-              </a:solidFill>
-              <a:latin typeface="Courier New"/>
-              <a:ea typeface="Courier New"/>
-              <a:cs typeface="Courier New"/>
-              <a:sym typeface="Courier New"/>
-            </a:endParaRPr>
-          </a:p>
-          <a:p>
-            <a:pPr indent="0" lvl="0" marL="0" rtl="0" algn="l">
-              <a:spcBef>
-                <a:spcPts val="1200"/>
-              </a:spcBef>
-              <a:spcAft>
-                <a:spcPts val="1200"/>
-              </a:spcAft>
-              <a:buNone/>
-            </a:pPr>
-            <a:r>
-              <a:rPr lang="en">
-                <a:solidFill>
-                  <a:schemeClr val="dk1"/>
-                </a:solidFill>
-                <a:latin typeface="Courier New"/>
-                <a:ea typeface="Courier New"/>
-                <a:cs typeface="Courier New"/>
-                <a:sym typeface="Courier New"/>
-              </a:rPr>
-              <a:t>console.log(b);</a:t>
-            </a:r>
-            <a:endParaRPr>
-              <a:solidFill>
-                <a:schemeClr val="dk1"/>
-              </a:solidFill>
-              <a:latin typeface="Courier New"/>
-              <a:ea typeface="Courier New"/>
-              <a:cs typeface="Courier New"/>
-              <a:sym typeface="Courier New"/>
-            </a:endParaRPr>
-          </a:p>
-        </p:txBody>
-      </p:sp>
-    </p:spTree>
-  </p:cSld>
-  <p:clrMapOvr>
-    <a:masterClrMapping/>
-  </p:clrMapOvr>
-</p:sld>
-</file>
-
-<file path=ppt/slides/slide18.xml><?xml version="1.0" encoding="utf-8"?>
-<p:sld xmlns:a="http://schemas.openxmlformats.org/drawingml/2006/main" xmlns:r="http://schemas.openxmlformats.org/officeDocument/2006/relationships" xmlns:mc="http://schemas.openxmlformats.org/markup-compatibility/2006" xmlns:mv="urn:schemas-microsoft-com:mac:vml" xmlns:p="http://schemas.openxmlformats.org/presentationml/2006/main" xmlns:c="http://schemas.openxmlformats.org/drawingml/2006/chart" xmlns:dgm="http://schemas.openxmlformats.org/drawingml/2006/diagram" xmlns:o="urn:schemas-microsoft-com:office:office" xmlns:v="urn:schemas-microsoft-com:vml" xmlns:pvml="urn:schemas-microsoft-com:office:powerpoint" xmlns:com="http://schemas.openxmlformats.org/drawingml/2006/compatibility" xmlns:p14="http://schemas.microsoft.com/office/powerpoint/2010/main" xmlns:p15="http://schemas.microsoft.com/office/powerpoint/2012/main" xmlns:ahyp="http://schemas.microsoft.com/office/drawing/2018/hyperlinkcolor">
-  <p:cSld>
-    <p:spTree>
-      <p:nvGrpSpPr>
-        <p:cNvPr id="178" name="Shape 178"/>
-        <p:cNvGrpSpPr/>
-        <p:nvPr/>
-      </p:nvGrpSpPr>
-      <p:grpSpPr>
-        <a:xfrm>
-          <a:off x="0" y="0"/>
-          <a:ext cx="0" cy="0"/>
-          <a:chOff x="0" y="0"/>
-          <a:chExt cx="0" cy="0"/>
-        </a:xfrm>
-      </p:grpSpPr>
-      <p:sp>
-        <p:nvSpPr>
-          <p:cNvPr id="179" name="Google Shape;179;p31"/>
-          <p:cNvSpPr txBox="1"/>
-          <p:nvPr>
-            <p:ph type="title"/>
-          </p:nvPr>
-        </p:nvSpPr>
-        <p:spPr>
-          <a:xfrm>
-            <a:off x="0" y="0"/>
-            <a:ext cx="9144000" cy="572700"/>
-          </a:xfrm>
-          <a:prstGeom prst="rect">
-            <a:avLst/>
-          </a:prstGeom>
-        </p:spPr>
-        <p:txBody>
-          <a:bodyPr anchorCtr="0" anchor="t" bIns="91425" lIns="91425" spcFirstLastPara="1" rIns="91425" wrap="square" tIns="91425">
-            <a:noAutofit/>
-          </a:bodyPr>
-          <a:lstStyle/>
-          <a:p>
-            <a:pPr indent="0" lvl="0" marL="0" rtl="0" algn="l">
-              <a:spcBef>
-                <a:spcPts val="0"/>
-              </a:spcBef>
-              <a:spcAft>
-                <a:spcPts val="0"/>
-              </a:spcAft>
-              <a:buNone/>
-            </a:pPr>
-            <a:r>
-              <a:rPr lang="en" sz="3000">
-                <a:latin typeface="Times New Roman"/>
-                <a:ea typeface="Times New Roman"/>
-                <a:cs typeface="Times New Roman"/>
-                <a:sym typeface="Times New Roman"/>
-              </a:rPr>
-              <a:t>Function declaration</a:t>
-            </a:r>
-            <a:endParaRPr sz="3000">
-              <a:latin typeface="Times New Roman"/>
-              <a:ea typeface="Times New Roman"/>
-              <a:cs typeface="Times New Roman"/>
-              <a:sym typeface="Times New Roman"/>
-            </a:endParaRPr>
-          </a:p>
-        </p:txBody>
-      </p:sp>
-      <p:sp>
-        <p:nvSpPr>
-          <p:cNvPr id="180" name="Google Shape;180;p31"/>
-          <p:cNvSpPr txBox="1"/>
-          <p:nvPr>
-            <p:ph idx="1" type="body"/>
-          </p:nvPr>
-        </p:nvSpPr>
-        <p:spPr>
-          <a:xfrm>
-            <a:off x="0" y="572700"/>
-            <a:ext cx="9144000" cy="4570800"/>
-          </a:xfrm>
-          <a:prstGeom prst="rect">
-            <a:avLst/>
-          </a:prstGeom>
-        </p:spPr>
-        <p:txBody>
-          <a:bodyPr anchorCtr="0" anchor="t" bIns="91425" lIns="91425" spcFirstLastPara="1" rIns="91425" wrap="square" tIns="91425">
-            <a:normAutofit/>
-          </a:bodyPr>
-          <a:lstStyle/>
-          <a:p>
-            <a:pPr indent="0" lvl="0" marL="0" rtl="0" algn="l">
-              <a:spcBef>
-                <a:spcPts val="0"/>
-              </a:spcBef>
-              <a:spcAft>
-                <a:spcPts val="0"/>
-              </a:spcAft>
-              <a:buClr>
-                <a:schemeClr val="dk1"/>
-              </a:buClr>
-              <a:buSzPts val="1100"/>
-              <a:buFont typeface="Arial"/>
-              <a:buNone/>
-            </a:pPr>
-            <a:r>
-              <a:rPr lang="en">
-                <a:solidFill>
-                  <a:schemeClr val="dk1"/>
-                </a:solidFill>
-                <a:latin typeface="Courier New"/>
-                <a:ea typeface="Courier New"/>
-                <a:cs typeface="Courier New"/>
-                <a:sym typeface="Courier New"/>
-              </a:rPr>
-              <a:t>const multiplyByThree = function(a)</a:t>
-            </a:r>
-            <a:endParaRPr>
-              <a:solidFill>
-                <a:schemeClr val="dk1"/>
-              </a:solidFill>
-              <a:latin typeface="Courier New"/>
-              <a:ea typeface="Courier New"/>
-              <a:cs typeface="Courier New"/>
-              <a:sym typeface="Courier New"/>
-            </a:endParaRPr>
-          </a:p>
-          <a:p>
-            <a:pPr indent="0" lvl="0" marL="0" rtl="0" algn="l">
-              <a:spcBef>
-                <a:spcPts val="1200"/>
-              </a:spcBef>
-              <a:spcAft>
-                <a:spcPts val="0"/>
-              </a:spcAft>
-              <a:buClr>
-                <a:schemeClr val="dk1"/>
-              </a:buClr>
-              <a:buSzPts val="1100"/>
-              <a:buFont typeface="Arial"/>
-              <a:buNone/>
-            </a:pPr>
-            <a:r>
-              <a:rPr lang="en">
-                <a:solidFill>
-                  <a:schemeClr val="dk1"/>
-                </a:solidFill>
-                <a:latin typeface="Courier New"/>
-                <a:ea typeface="Courier New"/>
-                <a:cs typeface="Courier New"/>
-                <a:sym typeface="Courier New"/>
-              </a:rPr>
-              <a:t>{</a:t>
-            </a:r>
-            <a:endParaRPr>
-              <a:solidFill>
-                <a:schemeClr val="dk1"/>
-              </a:solidFill>
-              <a:latin typeface="Courier New"/>
-              <a:ea typeface="Courier New"/>
-              <a:cs typeface="Courier New"/>
-              <a:sym typeface="Courier New"/>
-            </a:endParaRPr>
-          </a:p>
-          <a:p>
-            <a:pPr indent="457200" lvl="0" marL="0" rtl="0" algn="l">
-              <a:spcBef>
-                <a:spcPts val="1200"/>
-              </a:spcBef>
-              <a:spcAft>
-                <a:spcPts val="0"/>
-              </a:spcAft>
-              <a:buClr>
-                <a:schemeClr val="dk1"/>
-              </a:buClr>
-              <a:buSzPts val="1100"/>
-              <a:buFont typeface="Arial"/>
-              <a:buNone/>
-            </a:pPr>
-            <a:r>
-              <a:rPr lang="en">
-                <a:solidFill>
-                  <a:schemeClr val="dk1"/>
-                </a:solidFill>
-                <a:latin typeface="Courier New"/>
-                <a:ea typeface="Courier New"/>
-                <a:cs typeface="Courier New"/>
-                <a:sym typeface="Courier New"/>
-              </a:rPr>
-              <a:t>return a * 3;</a:t>
-            </a:r>
-            <a:endParaRPr>
-              <a:solidFill>
-                <a:schemeClr val="dk1"/>
-              </a:solidFill>
-              <a:latin typeface="Courier New"/>
-              <a:ea typeface="Courier New"/>
-              <a:cs typeface="Courier New"/>
-              <a:sym typeface="Courier New"/>
-            </a:endParaRPr>
-          </a:p>
-          <a:p>
-            <a:pPr indent="0" lvl="0" marL="0" rtl="0" algn="l">
-              <a:spcBef>
-                <a:spcPts val="1200"/>
-              </a:spcBef>
-              <a:spcAft>
-                <a:spcPts val="1200"/>
-              </a:spcAft>
-              <a:buClr>
-                <a:schemeClr val="dk1"/>
-              </a:buClr>
-              <a:buSzPts val="1100"/>
-              <a:buFont typeface="Arial"/>
-              <a:buNone/>
-            </a:pPr>
-            <a:r>
-              <a:rPr lang="en">
-                <a:solidFill>
-                  <a:schemeClr val="dk1"/>
-                </a:solidFill>
-                <a:latin typeface="Courier New"/>
-                <a:ea typeface="Courier New"/>
-                <a:cs typeface="Courier New"/>
-                <a:sym typeface="Courier New"/>
-              </a:rPr>
-              <a:t>}</a:t>
-            </a:r>
-            <a:endParaRPr>
-              <a:solidFill>
-                <a:schemeClr val="dk1"/>
-              </a:solidFill>
-              <a:latin typeface="Courier New"/>
-              <a:ea typeface="Courier New"/>
-              <a:cs typeface="Courier New"/>
-              <a:sym typeface="Courier New"/>
-            </a:endParaRPr>
-          </a:p>
-        </p:txBody>
-      </p:sp>
-      <p:sp>
-        <p:nvSpPr>
-          <p:cNvPr id="181" name="Google Shape;181;p31"/>
-          <p:cNvSpPr txBox="1"/>
-          <p:nvPr/>
-        </p:nvSpPr>
-        <p:spPr>
-          <a:xfrm>
-            <a:off x="-12" y="4767600"/>
-            <a:ext cx="9144000" cy="375900"/>
-          </a:xfrm>
-          <a:prstGeom prst="rect">
-            <a:avLst/>
-          </a:prstGeom>
-          <a:noFill/>
-          <a:ln>
-            <a:noFill/>
-          </a:ln>
-        </p:spPr>
-        <p:txBody>
-          <a:bodyPr anchorCtr="0" anchor="t" bIns="91425" lIns="91425" spcFirstLastPara="1" rIns="91425" wrap="square" tIns="91425">
-            <a:spAutoFit/>
-          </a:bodyPr>
-          <a:lstStyle/>
-          <a:p>
-            <a:pPr indent="0" lvl="0" marL="12700" marR="259715" rtl="0" algn="ctr">
-              <a:lnSpc>
-                <a:spcPct val="88700"/>
-              </a:lnSpc>
-              <a:spcBef>
-                <a:spcPts val="0"/>
-              </a:spcBef>
-              <a:spcAft>
-                <a:spcPts val="0"/>
-              </a:spcAft>
-              <a:buNone/>
-            </a:pPr>
-            <a:r>
-              <a:rPr b="1" lang="en">
-                <a:solidFill>
-                  <a:schemeClr val="dk1"/>
-                </a:solidFill>
-                <a:latin typeface="Times New Roman"/>
-                <a:ea typeface="Times New Roman"/>
-                <a:cs typeface="Times New Roman"/>
-                <a:sym typeface="Times New Roman"/>
-              </a:rPr>
-              <a:t>10</a:t>
-            </a:r>
-            <a:r>
-              <a:rPr b="1" lang="en">
-                <a:solidFill>
-                  <a:schemeClr val="dk1"/>
-                </a:solidFill>
-                <a:latin typeface="Times New Roman"/>
-                <a:ea typeface="Times New Roman"/>
-                <a:cs typeface="Times New Roman"/>
-                <a:sym typeface="Times New Roman"/>
-              </a:rPr>
-              <a:t>.html</a:t>
-            </a:r>
-            <a:endParaRPr b="1">
-              <a:solidFill>
-                <a:schemeClr val="dk1"/>
-              </a:solidFill>
-              <a:latin typeface="Times New Roman"/>
-              <a:ea typeface="Times New Roman"/>
-              <a:cs typeface="Times New Roman"/>
-              <a:sym typeface="Times New Roman"/>
-            </a:endParaRPr>
-          </a:p>
-        </p:txBody>
-      </p:sp>
-    </p:spTree>
-  </p:cSld>
-  <p:clrMapOvr>
-    <a:masterClrMapping/>
-  </p:clrMapOvr>
-</p:sld>
-</file>
-
-<file path=ppt/slides/slide19.xml><?xml version="1.0" encoding="utf-8"?>
-<p:sld xmlns:a="http://schemas.openxmlformats.org/drawingml/2006/main" xmlns:r="http://schemas.openxmlformats.org/officeDocument/2006/relationships" xmlns:mc="http://schemas.openxmlformats.org/markup-compatibility/2006" xmlns:mv="urn:schemas-microsoft-com:mac:vml" xmlns:p="http://schemas.openxmlformats.org/presentationml/2006/main" xmlns:c="http://schemas.openxmlformats.org/drawingml/2006/chart" xmlns:dgm="http://schemas.openxmlformats.org/drawingml/2006/diagram" xmlns:o="urn:schemas-microsoft-com:office:office" xmlns:v="urn:schemas-microsoft-com:vml" xmlns:pvml="urn:schemas-microsoft-com:office:powerpoint" xmlns:com="http://schemas.openxmlformats.org/drawingml/2006/compatibility" xmlns:p14="http://schemas.microsoft.com/office/powerpoint/2010/main" xmlns:p15="http://schemas.microsoft.com/office/powerpoint/2012/main" xmlns:ahyp="http://schemas.microsoft.com/office/drawing/2018/hyperlinkcolor">
-  <p:cSld>
-    <p:spTree>
-      <p:nvGrpSpPr>
-        <p:cNvPr id="185" name="Shape 185"/>
-        <p:cNvGrpSpPr/>
-        <p:nvPr/>
-      </p:nvGrpSpPr>
-      <p:grpSpPr>
-        <a:xfrm>
-          <a:off x="0" y="0"/>
-          <a:ext cx="0" cy="0"/>
-          <a:chOff x="0" y="0"/>
-          <a:chExt cx="0" cy="0"/>
-        </a:xfrm>
-      </p:grpSpPr>
-      <p:sp>
-        <p:nvSpPr>
-          <p:cNvPr id="186" name="Google Shape;186;p32"/>
-          <p:cNvSpPr txBox="1"/>
-          <p:nvPr>
-            <p:ph type="title"/>
-          </p:nvPr>
-        </p:nvSpPr>
-        <p:spPr>
-          <a:xfrm>
-            <a:off x="0" y="0"/>
-            <a:ext cx="9144000" cy="572700"/>
-          </a:xfrm>
-          <a:prstGeom prst="rect">
-            <a:avLst/>
-          </a:prstGeom>
-        </p:spPr>
-        <p:txBody>
-          <a:bodyPr anchorCtr="0" anchor="t" bIns="91425" lIns="91425" spcFirstLastPara="1" rIns="91425" wrap="square" tIns="91425">
-            <a:noAutofit/>
-          </a:bodyPr>
-          <a:lstStyle/>
-          <a:p>
-            <a:pPr indent="0" lvl="0" marL="0" rtl="0" algn="l">
-              <a:spcBef>
-                <a:spcPts val="0"/>
-              </a:spcBef>
-              <a:spcAft>
-                <a:spcPts val="0"/>
-              </a:spcAft>
-              <a:buNone/>
-            </a:pPr>
-            <a:r>
-              <a:rPr lang="en" sz="3000">
-                <a:latin typeface="Times New Roman"/>
-                <a:ea typeface="Times New Roman"/>
-                <a:cs typeface="Times New Roman"/>
-                <a:sym typeface="Times New Roman"/>
-              </a:rPr>
-              <a:t>Function call</a:t>
-            </a:r>
-            <a:endParaRPr sz="3000">
-              <a:latin typeface="Times New Roman"/>
-              <a:ea typeface="Times New Roman"/>
-              <a:cs typeface="Times New Roman"/>
-              <a:sym typeface="Times New Roman"/>
-            </a:endParaRPr>
-          </a:p>
-        </p:txBody>
-      </p:sp>
-      <p:sp>
-        <p:nvSpPr>
-          <p:cNvPr id="187" name="Google Shape;187;p32"/>
-          <p:cNvSpPr txBox="1"/>
-          <p:nvPr>
-            <p:ph idx="1" type="body"/>
-          </p:nvPr>
-        </p:nvSpPr>
-        <p:spPr>
-          <a:xfrm>
-            <a:off x="0" y="572700"/>
-            <a:ext cx="9144000" cy="4552500"/>
-          </a:xfrm>
-          <a:prstGeom prst="rect">
-            <a:avLst/>
-          </a:prstGeom>
-        </p:spPr>
-        <p:txBody>
-          <a:bodyPr anchorCtr="0" anchor="t" bIns="91425" lIns="91425" spcFirstLastPara="1" rIns="91425" wrap="square" tIns="91425">
-            <a:normAutofit/>
-          </a:bodyPr>
-          <a:lstStyle/>
-          <a:p>
-            <a:pPr indent="0" lvl="0" marL="0" rtl="0" algn="l">
-              <a:spcBef>
-                <a:spcPts val="0"/>
-              </a:spcBef>
-              <a:spcAft>
-                <a:spcPts val="0"/>
-              </a:spcAft>
-              <a:buNone/>
-            </a:pPr>
-            <a:r>
-              <a:rPr lang="en">
-                <a:solidFill>
-                  <a:schemeClr val="dk1"/>
-                </a:solidFill>
-                <a:latin typeface="Courier New"/>
-                <a:ea typeface="Courier New"/>
-                <a:cs typeface="Courier New"/>
-                <a:sym typeface="Courier New"/>
-              </a:rPr>
-              <a:t>const multiplyByThree = function(a)</a:t>
-            </a:r>
-            <a:endParaRPr>
-              <a:solidFill>
-                <a:schemeClr val="dk1"/>
-              </a:solidFill>
-              <a:latin typeface="Courier New"/>
-              <a:ea typeface="Courier New"/>
-              <a:cs typeface="Courier New"/>
-              <a:sym typeface="Courier New"/>
-            </a:endParaRPr>
-          </a:p>
-          <a:p>
-            <a:pPr indent="0" lvl="0" marL="0" rtl="0" algn="l">
-              <a:spcBef>
-                <a:spcPts val="1200"/>
-              </a:spcBef>
-              <a:spcAft>
-                <a:spcPts val="0"/>
-              </a:spcAft>
-              <a:buNone/>
-            </a:pPr>
-            <a:r>
-              <a:rPr lang="en">
-                <a:solidFill>
-                  <a:schemeClr val="dk1"/>
-                </a:solidFill>
-                <a:latin typeface="Courier New"/>
-                <a:ea typeface="Courier New"/>
-                <a:cs typeface="Courier New"/>
-                <a:sym typeface="Courier New"/>
-              </a:rPr>
-              <a:t>{</a:t>
-            </a:r>
-            <a:endParaRPr>
-              <a:solidFill>
-                <a:schemeClr val="dk1"/>
-              </a:solidFill>
-              <a:latin typeface="Courier New"/>
-              <a:ea typeface="Courier New"/>
-              <a:cs typeface="Courier New"/>
-              <a:sym typeface="Courier New"/>
-            </a:endParaRPr>
-          </a:p>
-          <a:p>
-            <a:pPr indent="457200" lvl="0" marL="0" rtl="0" algn="l">
-              <a:spcBef>
-                <a:spcPts val="1200"/>
-              </a:spcBef>
-              <a:spcAft>
-                <a:spcPts val="0"/>
-              </a:spcAft>
-              <a:buNone/>
-            </a:pPr>
-            <a:r>
-              <a:rPr lang="en">
-                <a:solidFill>
-                  <a:schemeClr val="dk1"/>
-                </a:solidFill>
-                <a:latin typeface="Courier New"/>
-                <a:ea typeface="Courier New"/>
-                <a:cs typeface="Courier New"/>
-                <a:sym typeface="Courier New"/>
-              </a:rPr>
-              <a:t>return a * 3;</a:t>
-            </a:r>
-            <a:endParaRPr>
-              <a:solidFill>
-                <a:schemeClr val="dk1"/>
-              </a:solidFill>
-              <a:latin typeface="Courier New"/>
-              <a:ea typeface="Courier New"/>
-              <a:cs typeface="Courier New"/>
-              <a:sym typeface="Courier New"/>
-            </a:endParaRPr>
-          </a:p>
-          <a:p>
-            <a:pPr indent="0" lvl="0" marL="0" rtl="0" algn="l">
-              <a:spcBef>
-                <a:spcPts val="1200"/>
-              </a:spcBef>
-              <a:spcAft>
-                <a:spcPts val="0"/>
-              </a:spcAft>
-              <a:buNone/>
-            </a:pPr>
-            <a:r>
-              <a:rPr lang="en">
-                <a:solidFill>
-                  <a:schemeClr val="dk1"/>
-                </a:solidFill>
-                <a:latin typeface="Courier New"/>
-                <a:ea typeface="Courier New"/>
-                <a:cs typeface="Courier New"/>
-                <a:sym typeface="Courier New"/>
-              </a:rPr>
-              <a:t>}</a:t>
-            </a:r>
-            <a:endParaRPr>
-              <a:solidFill>
-                <a:schemeClr val="dk1"/>
-              </a:solidFill>
-              <a:latin typeface="Courier New"/>
-              <a:ea typeface="Courier New"/>
-              <a:cs typeface="Courier New"/>
-              <a:sym typeface="Courier New"/>
-            </a:endParaRPr>
-          </a:p>
-          <a:p>
-            <a:pPr indent="0" lvl="0" marL="0" rtl="0" algn="l">
-              <a:spcBef>
-                <a:spcPts val="1200"/>
-              </a:spcBef>
-              <a:spcAft>
-                <a:spcPts val="0"/>
-              </a:spcAft>
-              <a:buNone/>
-            </a:pPr>
-            <a:r>
-              <a:rPr lang="en">
-                <a:solidFill>
-                  <a:schemeClr val="dk1"/>
-                </a:solidFill>
-                <a:latin typeface="Courier New"/>
-                <a:ea typeface="Courier New"/>
-                <a:cs typeface="Courier New"/>
-                <a:sym typeface="Courier New"/>
-              </a:rPr>
-              <a:t>let a = 3;</a:t>
-            </a:r>
-            <a:endParaRPr>
-              <a:solidFill>
-                <a:schemeClr val="dk1"/>
-              </a:solidFill>
-              <a:latin typeface="Courier New"/>
-              <a:ea typeface="Courier New"/>
-              <a:cs typeface="Courier New"/>
-              <a:sym typeface="Courier New"/>
-            </a:endParaRPr>
-          </a:p>
-          <a:p>
-            <a:pPr indent="0" lvl="0" marL="0" rtl="0" algn="l">
-              <a:spcBef>
-                <a:spcPts val="1200"/>
-              </a:spcBef>
-              <a:spcAft>
-                <a:spcPts val="0"/>
-              </a:spcAft>
-              <a:buNone/>
-            </a:pPr>
-            <a:r>
-              <a:rPr lang="en">
-                <a:solidFill>
-                  <a:schemeClr val="dk1"/>
-                </a:solidFill>
-                <a:latin typeface="Courier New"/>
-                <a:ea typeface="Courier New"/>
-                <a:cs typeface="Courier New"/>
-                <a:sym typeface="Courier New"/>
-              </a:rPr>
-              <a:t>let b = multiplyByThree(a);</a:t>
             </a:r>
             <a:endParaRPr>
               <a:solidFill>
@@ -12530,14 +13307,8 @@
             <a:avLst/>
           </a:prstGeom>
           <a:noFill/>
-          <a:ln cap="flat" cmpd="sng" w="9525">
-            <a:solidFill>
-              <a:schemeClr val="dk2"/>
-            </a:solidFill>
-            <a:prstDash val="solid"/>
-            <a:round/>
-            <a:headEnd len="sm" w="sm" type="none"/>
-            <a:tailEnd len="sm" w="sm" type="none"/>
+          <a:ln>
+            <a:noFill/>
           </a:ln>
         </p:spPr>
         <p:txBody>
@@ -12810,7 +13581,7 @@
   <p:cSld>
     <p:spTree>
       <p:nvGrpSpPr>
-        <p:cNvPr id="191" name="Shape 191"/>
+        <p:cNvPr id="197" name="Shape 197"/>
         <p:cNvGrpSpPr/>
         <p:nvPr/>
       </p:nvGrpSpPr>
@@ -12824,7 +13595,7 @@
       </p:grpSpPr>
       <p:sp>
         <p:nvSpPr>
-          <p:cNvPr id="192" name="Google Shape;192;p33"/>
+          <p:cNvPr id="198" name="Google Shape;198;p33"/>
           <p:cNvSpPr txBox="1"/>
           <p:nvPr>
             <p:ph type="title"/>
@@ -12861,7 +13632,7 @@
                 <a:cs typeface="Times New Roman"/>
                 <a:sym typeface="Times New Roman"/>
               </a:rPr>
-              <a:t>Function declaration and call comparison</a:t>
+              <a:t>Function declaration</a:t>
             </a:r>
             <a:endParaRPr sz="3000">
               <a:latin typeface="Times New Roman"/>
@@ -12874,7 +13645,7 @@
       </p:sp>
       <p:sp>
         <p:nvSpPr>
-          <p:cNvPr id="193" name="Google Shape;193;p33"/>
+          <p:cNvPr id="199" name="Google Shape;199;p33"/>
           <p:cNvSpPr txBox="1"/>
           <p:nvPr>
             <p:ph idx="1" type="body"/>
@@ -12882,8 +13653,8 @@
         </p:nvSpPr>
         <p:spPr>
           <a:xfrm>
-            <a:off x="4133100" y="572700"/>
-            <a:ext cx="5010900" cy="4570800"/>
+            <a:off x="0" y="572700"/>
+            <a:ext cx="9144000" cy="4570800"/>
           </a:xfrm>
           <a:prstGeom prst="rect">
             <a:avLst/>
@@ -12902,10 +13673,15 @@
               <a:spcAft>
                 <a:spcPts val="0"/>
               </a:spcAft>
-              <a:buNone/>
-            </a:pPr>
-            <a:r>
-              <a:rPr b="1" lang="en">
+              <a:buClr>
+                <a:schemeClr val="dk1"/>
+              </a:buClr>
+              <a:buSzPts val="1100"/>
+              <a:buFont typeface="Arial"/>
+              <a:buNone/>
+            </a:pPr>
+            <a:r>
+              <a:rPr lang="en">
                 <a:solidFill>
                   <a:schemeClr val="dk1"/>
                 </a:solidFill>
@@ -12914,19 +13690,7 @@
                 <a:cs typeface="Courier New"/>
                 <a:sym typeface="Courier New"/>
               </a:rPr>
-              <a:t>const</a:t>
-            </a:r>
-            <a:r>
-              <a:rPr lang="en">
-                <a:solidFill>
-                  <a:schemeClr val="dk1"/>
-                </a:solidFill>
-                <a:latin typeface="Courier New"/>
-                <a:ea typeface="Courier New"/>
-                <a:cs typeface="Courier New"/>
-                <a:sym typeface="Courier New"/>
-              </a:rPr>
-              <a:t> multiplyByThree = function(a)</a:t>
+              <a:t>const multiplyByThree = function(a)</a:t>
             </a:r>
             <a:endParaRPr>
               <a:solidFill>
@@ -12946,6 +13710,11 @@
               <a:spcAft>
                 <a:spcPts val="0"/>
               </a:spcAft>
+              <a:buClr>
+                <a:schemeClr val="dk1"/>
+              </a:buClr>
+              <a:buSzPts val="1100"/>
+              <a:buFont typeface="Arial"/>
               <a:buNone/>
             </a:pPr>
             <a:r>
@@ -12978,6 +13747,11 @@
               <a:spcAft>
                 <a:spcPts val="0"/>
               </a:spcAft>
+              <a:buClr>
+                <a:schemeClr val="dk1"/>
+              </a:buClr>
+              <a:buSzPts val="1100"/>
+              <a:buFont typeface="Arial"/>
               <a:buNone/>
             </a:pPr>
             <a:r>
@@ -13008,8 +13782,13 @@
                 <a:spcPts val="1200"/>
               </a:spcBef>
               <a:spcAft>
-                <a:spcPts val="0"/>
-              </a:spcAft>
+                <a:spcPts val="1200"/>
+              </a:spcAft>
+              <a:buClr>
+                <a:schemeClr val="dk1"/>
+              </a:buClr>
+              <a:buSzPts val="1100"/>
+              <a:buFont typeface="Arial"/>
               <a:buNone/>
             </a:pPr>
             <a:r>
@@ -13034,355 +13813,11 @@
               <a:sym typeface="Courier New"/>
             </a:endParaRPr>
           </a:p>
-          <a:p>
-            <a:pPr indent="0" lvl="0" marL="0" rtl="0" algn="l">
-              <a:spcBef>
-                <a:spcPts val="1200"/>
-              </a:spcBef>
-              <a:spcAft>
-                <a:spcPts val="0"/>
-              </a:spcAft>
-              <a:buNone/>
-            </a:pPr>
-            <a:r>
-              <a:rPr lang="en">
-                <a:solidFill>
-                  <a:schemeClr val="dk1"/>
-                </a:solidFill>
-                <a:latin typeface="Courier New"/>
-                <a:ea typeface="Courier New"/>
-                <a:cs typeface="Courier New"/>
-                <a:sym typeface="Courier New"/>
-              </a:rPr>
-              <a:t>let a = 3;</a:t>
-            </a:r>
-            <a:endParaRPr>
-              <a:solidFill>
-                <a:schemeClr val="dk1"/>
-              </a:solidFill>
-              <a:latin typeface="Courier New"/>
-              <a:ea typeface="Courier New"/>
-              <a:cs typeface="Courier New"/>
-              <a:sym typeface="Courier New"/>
-            </a:endParaRPr>
-          </a:p>
-          <a:p>
-            <a:pPr indent="0" lvl="0" marL="0" rtl="0" algn="l">
-              <a:spcBef>
-                <a:spcPts val="1200"/>
-              </a:spcBef>
-              <a:spcAft>
-                <a:spcPts val="0"/>
-              </a:spcAft>
-              <a:buNone/>
-            </a:pPr>
-            <a:r>
-              <a:rPr lang="en">
-                <a:solidFill>
-                  <a:schemeClr val="dk1"/>
-                </a:solidFill>
-                <a:latin typeface="Courier New"/>
-                <a:ea typeface="Courier New"/>
-                <a:cs typeface="Courier New"/>
-                <a:sym typeface="Courier New"/>
-              </a:rPr>
-              <a:t>let b = multiplyByThree(a);</a:t>
-            </a:r>
-            <a:endParaRPr>
-              <a:solidFill>
-                <a:schemeClr val="dk1"/>
-              </a:solidFill>
-              <a:latin typeface="Courier New"/>
-              <a:ea typeface="Courier New"/>
-              <a:cs typeface="Courier New"/>
-              <a:sym typeface="Courier New"/>
-            </a:endParaRPr>
-          </a:p>
-          <a:p>
-            <a:pPr indent="0" lvl="0" marL="0" rtl="0" algn="l">
-              <a:spcBef>
-                <a:spcPts val="1200"/>
-              </a:spcBef>
-              <a:spcAft>
-                <a:spcPts val="1200"/>
-              </a:spcAft>
-              <a:buNone/>
-            </a:pPr>
-            <a:r>
-              <a:rPr lang="en">
-                <a:solidFill>
-                  <a:schemeClr val="dk1"/>
-                </a:solidFill>
-                <a:latin typeface="Courier New"/>
-                <a:ea typeface="Courier New"/>
-                <a:cs typeface="Courier New"/>
-                <a:sym typeface="Courier New"/>
-              </a:rPr>
-              <a:t>console.log(b);</a:t>
-            </a:r>
-            <a:endParaRPr>
-              <a:solidFill>
-                <a:schemeClr val="dk1"/>
-              </a:solidFill>
-              <a:latin typeface="Courier New"/>
-              <a:ea typeface="Courier New"/>
-              <a:cs typeface="Courier New"/>
-              <a:sym typeface="Courier New"/>
-            </a:endParaRPr>
-          </a:p>
         </p:txBody>
       </p:sp>
       <p:sp>
         <p:nvSpPr>
-          <p:cNvPr id="194" name="Google Shape;194;p33"/>
-          <p:cNvSpPr txBox="1"/>
-          <p:nvPr>
-            <p:ph idx="1" type="body"/>
-          </p:nvPr>
-        </p:nvSpPr>
-        <p:spPr>
-          <a:xfrm>
-            <a:off x="0" y="572700"/>
-            <a:ext cx="4133100" cy="4570800"/>
-          </a:xfrm>
-          <a:prstGeom prst="rect">
-            <a:avLst/>
-          </a:prstGeom>
-        </p:spPr>
-        <p:txBody>
-          <a:bodyPr anchorCtr="0" anchor="t" bIns="91425" lIns="91425" spcFirstLastPara="1" rIns="91425" wrap="square" tIns="91425">
-            <a:normAutofit/>
-          </a:bodyPr>
-          <a:lstStyle/>
-          <a:p>
-            <a:pPr indent="0" lvl="0" marL="0" rtl="0" algn="l">
-              <a:spcBef>
-                <a:spcPts val="0"/>
-              </a:spcBef>
-              <a:spcAft>
-                <a:spcPts val="0"/>
-              </a:spcAft>
-              <a:buNone/>
-            </a:pPr>
-            <a:r>
-              <a:rPr lang="en">
-                <a:solidFill>
-                  <a:schemeClr val="dk1"/>
-                </a:solidFill>
-                <a:latin typeface="Courier New"/>
-                <a:ea typeface="Courier New"/>
-                <a:cs typeface="Courier New"/>
-                <a:sym typeface="Courier New"/>
-              </a:rPr>
-              <a:t>function multiplyByTwo(a)</a:t>
-            </a:r>
-            <a:endParaRPr>
-              <a:solidFill>
-                <a:schemeClr val="dk1"/>
-              </a:solidFill>
-              <a:latin typeface="Courier New"/>
-              <a:ea typeface="Courier New"/>
-              <a:cs typeface="Courier New"/>
-              <a:sym typeface="Courier New"/>
-            </a:endParaRPr>
-          </a:p>
-          <a:p>
-            <a:pPr indent="0" lvl="0" marL="0" rtl="0" algn="l">
-              <a:spcBef>
-                <a:spcPts val="1200"/>
-              </a:spcBef>
-              <a:spcAft>
-                <a:spcPts val="0"/>
-              </a:spcAft>
-              <a:buNone/>
-            </a:pPr>
-            <a:r>
-              <a:rPr lang="en">
-                <a:solidFill>
-                  <a:schemeClr val="dk1"/>
-                </a:solidFill>
-                <a:latin typeface="Courier New"/>
-                <a:ea typeface="Courier New"/>
-                <a:cs typeface="Courier New"/>
-                <a:sym typeface="Courier New"/>
-              </a:rPr>
-              <a:t>{</a:t>
-            </a:r>
-            <a:endParaRPr>
-              <a:solidFill>
-                <a:schemeClr val="dk1"/>
-              </a:solidFill>
-              <a:latin typeface="Courier New"/>
-              <a:ea typeface="Courier New"/>
-              <a:cs typeface="Courier New"/>
-              <a:sym typeface="Courier New"/>
-            </a:endParaRPr>
-          </a:p>
-          <a:p>
-            <a:pPr indent="0" lvl="0" marL="0" rtl="0" algn="l">
-              <a:spcBef>
-                <a:spcPts val="1200"/>
-              </a:spcBef>
-              <a:spcAft>
-                <a:spcPts val="0"/>
-              </a:spcAft>
-              <a:buNone/>
-            </a:pPr>
-            <a:r>
-              <a:rPr lang="en">
-                <a:solidFill>
-                  <a:schemeClr val="dk1"/>
-                </a:solidFill>
-                <a:latin typeface="Courier New"/>
-                <a:ea typeface="Courier New"/>
-                <a:cs typeface="Courier New"/>
-                <a:sym typeface="Courier New"/>
-              </a:rPr>
-              <a:t>	return a * 2;</a:t>
-            </a:r>
-            <a:endParaRPr>
-              <a:solidFill>
-                <a:schemeClr val="dk1"/>
-              </a:solidFill>
-              <a:latin typeface="Courier New"/>
-              <a:ea typeface="Courier New"/>
-              <a:cs typeface="Courier New"/>
-              <a:sym typeface="Courier New"/>
-            </a:endParaRPr>
-          </a:p>
-          <a:p>
-            <a:pPr indent="0" lvl="0" marL="0" rtl="0" algn="l">
-              <a:spcBef>
-                <a:spcPts val="1200"/>
-              </a:spcBef>
-              <a:spcAft>
-                <a:spcPts val="0"/>
-              </a:spcAft>
-              <a:buNone/>
-            </a:pPr>
-            <a:r>
-              <a:rPr lang="en">
-                <a:solidFill>
-                  <a:schemeClr val="dk1"/>
-                </a:solidFill>
-                <a:latin typeface="Courier New"/>
-                <a:ea typeface="Courier New"/>
-                <a:cs typeface="Courier New"/>
-                <a:sym typeface="Courier New"/>
-              </a:rPr>
-              <a:t>}</a:t>
-            </a:r>
-            <a:endParaRPr>
-              <a:solidFill>
-                <a:schemeClr val="dk1"/>
-              </a:solidFill>
-              <a:latin typeface="Courier New"/>
-              <a:ea typeface="Courier New"/>
-              <a:cs typeface="Courier New"/>
-              <a:sym typeface="Courier New"/>
-            </a:endParaRPr>
-          </a:p>
-          <a:p>
-            <a:pPr indent="0" lvl="0" marL="0" rtl="0" algn="l">
-              <a:spcBef>
-                <a:spcPts val="1200"/>
-              </a:spcBef>
-              <a:spcAft>
-                <a:spcPts val="0"/>
-              </a:spcAft>
-              <a:buNone/>
-            </a:pPr>
-            <a:r>
-              <a:rPr lang="en">
-                <a:solidFill>
-                  <a:schemeClr val="dk1"/>
-                </a:solidFill>
-                <a:latin typeface="Courier New"/>
-                <a:ea typeface="Courier New"/>
-                <a:cs typeface="Courier New"/>
-                <a:sym typeface="Courier New"/>
-              </a:rPr>
-              <a:t>let a = 3;</a:t>
-            </a:r>
-            <a:endParaRPr>
-              <a:solidFill>
-                <a:schemeClr val="dk1"/>
-              </a:solidFill>
-              <a:latin typeface="Courier New"/>
-              <a:ea typeface="Courier New"/>
-              <a:cs typeface="Courier New"/>
-              <a:sym typeface="Courier New"/>
-            </a:endParaRPr>
-          </a:p>
-          <a:p>
-            <a:pPr indent="0" lvl="0" marL="0" rtl="0" algn="l">
-              <a:spcBef>
-                <a:spcPts val="1200"/>
-              </a:spcBef>
-              <a:spcAft>
-                <a:spcPts val="0"/>
-              </a:spcAft>
-              <a:buNone/>
-            </a:pPr>
-            <a:r>
-              <a:rPr lang="en">
-                <a:solidFill>
-                  <a:schemeClr val="dk1"/>
-                </a:solidFill>
-                <a:latin typeface="Courier New"/>
-                <a:ea typeface="Courier New"/>
-                <a:cs typeface="Courier New"/>
-                <a:sym typeface="Courier New"/>
-              </a:rPr>
-              <a:t>let b = multiplyByTwo(a);</a:t>
-            </a:r>
-            <a:endParaRPr>
-              <a:solidFill>
-                <a:schemeClr val="dk1"/>
-              </a:solidFill>
-              <a:latin typeface="Courier New"/>
-              <a:ea typeface="Courier New"/>
-              <a:cs typeface="Courier New"/>
-              <a:sym typeface="Courier New"/>
-            </a:endParaRPr>
-          </a:p>
-          <a:p>
-            <a:pPr indent="0" lvl="0" marL="0" rtl="0" algn="l">
-              <a:spcBef>
-                <a:spcPts val="1200"/>
-              </a:spcBef>
-              <a:spcAft>
-                <a:spcPts val="1200"/>
-              </a:spcAft>
-              <a:buNone/>
-            </a:pPr>
-            <a:r>
-              <a:rPr lang="en">
-                <a:solidFill>
-                  <a:schemeClr val="dk1"/>
-                </a:solidFill>
-                <a:latin typeface="Courier New"/>
-                <a:ea typeface="Courier New"/>
-                <a:cs typeface="Courier New"/>
-                <a:sym typeface="Courier New"/>
-              </a:rPr>
-              <a:t>console.log(b);</a:t>
-            </a:r>
-            <a:endParaRPr>
-              <a:solidFill>
-                <a:schemeClr val="dk1"/>
-              </a:solidFill>
-              <a:latin typeface="Courier New"/>
-              <a:ea typeface="Courier New"/>
-              <a:cs typeface="Courier New"/>
-              <a:sym typeface="Courier New"/>
-            </a:endParaRPr>
-          </a:p>
-        </p:txBody>
-      </p:sp>
-      <p:sp>
-        <p:nvSpPr>
-          <p:cNvPr id="195" name="Google Shape;195;p33"/>
+          <p:cNvPr id="200" name="Google Shape;200;p33"/>
           <p:cNvSpPr txBox="1"/>
           <p:nvPr/>
         </p:nvSpPr>
@@ -13427,7 +13862,7 @@
                 <a:cs typeface="Times New Roman"/>
                 <a:sym typeface="Times New Roman"/>
               </a:rPr>
-              <a:t>9.html, </a:t>
+              <a:t>10</a:t>
             </a:r>
             <a:r>
               <a:rPr b="1" lang="en">
@@ -13439,7 +13874,7 @@
                 <a:cs typeface="Times New Roman"/>
                 <a:sym typeface="Times New Roman"/>
               </a:rPr>
-              <a:t>10.html</a:t>
+              <a:t>.html</a:t>
             </a:r>
             <a:endParaRPr b="1">
               <a:solidFill>
@@ -13466,7 +13901,7 @@
   <p:cSld>
     <p:spTree>
       <p:nvGrpSpPr>
-        <p:cNvPr id="199" name="Shape 199"/>
+        <p:cNvPr id="204" name="Shape 204"/>
         <p:cNvGrpSpPr/>
         <p:nvPr/>
       </p:nvGrpSpPr>
@@ -13480,7 +13915,986 @@
       </p:grpSpPr>
       <p:sp>
         <p:nvSpPr>
-          <p:cNvPr id="200" name="Google Shape;200;p34"/>
+          <p:cNvPr id="205" name="Google Shape;205;p34"/>
+          <p:cNvSpPr txBox="1"/>
+          <p:nvPr>
+            <p:ph type="title"/>
+          </p:nvPr>
+        </p:nvSpPr>
+        <p:spPr>
+          <a:xfrm>
+            <a:off x="0" y="0"/>
+            <a:ext cx="9144000" cy="572700"/>
+          </a:xfrm>
+          <a:prstGeom prst="rect">
+            <a:avLst/>
+          </a:prstGeom>
+        </p:spPr>
+        <p:txBody>
+          <a:bodyPr anchorCtr="0" anchor="t" bIns="91425" lIns="91425" spcFirstLastPara="1" rIns="91425" wrap="square" tIns="91425">
+            <a:noAutofit/>
+          </a:bodyPr>
+          <a:lstStyle/>
+          <a:p>
+            <a:pPr indent="0" lvl="0" marL="0" rtl="0" algn="l">
+              <a:spcBef>
+                <a:spcPts val="0"/>
+              </a:spcBef>
+              <a:spcAft>
+                <a:spcPts val="0"/>
+              </a:spcAft>
+              <a:buNone/>
+            </a:pPr>
+            <a:r>
+              <a:rPr lang="en" sz="3000">
+                <a:latin typeface="Times New Roman"/>
+                <a:ea typeface="Times New Roman"/>
+                <a:cs typeface="Times New Roman"/>
+                <a:sym typeface="Times New Roman"/>
+              </a:rPr>
+              <a:t>Function call</a:t>
+            </a:r>
+            <a:endParaRPr sz="3000">
+              <a:latin typeface="Times New Roman"/>
+              <a:ea typeface="Times New Roman"/>
+              <a:cs typeface="Times New Roman"/>
+              <a:sym typeface="Times New Roman"/>
+            </a:endParaRPr>
+          </a:p>
+        </p:txBody>
+      </p:sp>
+      <p:sp>
+        <p:nvSpPr>
+          <p:cNvPr id="206" name="Google Shape;206;p34"/>
+          <p:cNvSpPr txBox="1"/>
+          <p:nvPr>
+            <p:ph idx="1" type="body"/>
+          </p:nvPr>
+        </p:nvSpPr>
+        <p:spPr>
+          <a:xfrm>
+            <a:off x="0" y="572700"/>
+            <a:ext cx="9144000" cy="4552500"/>
+          </a:xfrm>
+          <a:prstGeom prst="rect">
+            <a:avLst/>
+          </a:prstGeom>
+        </p:spPr>
+        <p:txBody>
+          <a:bodyPr anchorCtr="0" anchor="t" bIns="91425" lIns="91425" spcFirstLastPara="1" rIns="91425" wrap="square" tIns="91425">
+            <a:normAutofit/>
+          </a:bodyPr>
+          <a:lstStyle/>
+          <a:p>
+            <a:pPr indent="0" lvl="0" marL="0" rtl="0" algn="l">
+              <a:spcBef>
+                <a:spcPts val="0"/>
+              </a:spcBef>
+              <a:spcAft>
+                <a:spcPts val="0"/>
+              </a:spcAft>
+              <a:buNone/>
+            </a:pPr>
+            <a:r>
+              <a:rPr lang="en">
+                <a:solidFill>
+                  <a:schemeClr val="dk1"/>
+                </a:solidFill>
+                <a:latin typeface="Courier New"/>
+                <a:ea typeface="Courier New"/>
+                <a:cs typeface="Courier New"/>
+                <a:sym typeface="Courier New"/>
+              </a:rPr>
+              <a:t>const multiplyByThree = function(a)</a:t>
+            </a:r>
+            <a:endParaRPr>
+              <a:solidFill>
+                <a:schemeClr val="dk1"/>
+              </a:solidFill>
+              <a:latin typeface="Courier New"/>
+              <a:ea typeface="Courier New"/>
+              <a:cs typeface="Courier New"/>
+              <a:sym typeface="Courier New"/>
+            </a:endParaRPr>
+          </a:p>
+          <a:p>
+            <a:pPr indent="0" lvl="0" marL="0" rtl="0" algn="l">
+              <a:spcBef>
+                <a:spcPts val="1200"/>
+              </a:spcBef>
+              <a:spcAft>
+                <a:spcPts val="0"/>
+              </a:spcAft>
+              <a:buNone/>
+            </a:pPr>
+            <a:r>
+              <a:rPr lang="en">
+                <a:solidFill>
+                  <a:schemeClr val="dk1"/>
+                </a:solidFill>
+                <a:latin typeface="Courier New"/>
+                <a:ea typeface="Courier New"/>
+                <a:cs typeface="Courier New"/>
+                <a:sym typeface="Courier New"/>
+              </a:rPr>
+              <a:t>{</a:t>
+            </a:r>
+            <a:endParaRPr>
+              <a:solidFill>
+                <a:schemeClr val="dk1"/>
+              </a:solidFill>
+              <a:latin typeface="Courier New"/>
+              <a:ea typeface="Courier New"/>
+              <a:cs typeface="Courier New"/>
+              <a:sym typeface="Courier New"/>
+            </a:endParaRPr>
+          </a:p>
+          <a:p>
+            <a:pPr indent="457200" lvl="0" marL="0" rtl="0" algn="l">
+              <a:spcBef>
+                <a:spcPts val="1200"/>
+              </a:spcBef>
+              <a:spcAft>
+                <a:spcPts val="0"/>
+              </a:spcAft>
+              <a:buNone/>
+            </a:pPr>
+            <a:r>
+              <a:rPr lang="en">
+                <a:solidFill>
+                  <a:schemeClr val="dk1"/>
+                </a:solidFill>
+                <a:latin typeface="Courier New"/>
+                <a:ea typeface="Courier New"/>
+                <a:cs typeface="Courier New"/>
+                <a:sym typeface="Courier New"/>
+              </a:rPr>
+              <a:t>return a * 3;</a:t>
+            </a:r>
+            <a:endParaRPr>
+              <a:solidFill>
+                <a:schemeClr val="dk1"/>
+              </a:solidFill>
+              <a:latin typeface="Courier New"/>
+              <a:ea typeface="Courier New"/>
+              <a:cs typeface="Courier New"/>
+              <a:sym typeface="Courier New"/>
+            </a:endParaRPr>
+          </a:p>
+          <a:p>
+            <a:pPr indent="0" lvl="0" marL="0" rtl="0" algn="l">
+              <a:spcBef>
+                <a:spcPts val="1200"/>
+              </a:spcBef>
+              <a:spcAft>
+                <a:spcPts val="0"/>
+              </a:spcAft>
+              <a:buNone/>
+            </a:pPr>
+            <a:r>
+              <a:rPr lang="en">
+                <a:solidFill>
+                  <a:schemeClr val="dk1"/>
+                </a:solidFill>
+                <a:latin typeface="Courier New"/>
+                <a:ea typeface="Courier New"/>
+                <a:cs typeface="Courier New"/>
+                <a:sym typeface="Courier New"/>
+              </a:rPr>
+              <a:t>}</a:t>
+            </a:r>
+            <a:endParaRPr>
+              <a:solidFill>
+                <a:schemeClr val="dk1"/>
+              </a:solidFill>
+              <a:latin typeface="Courier New"/>
+              <a:ea typeface="Courier New"/>
+              <a:cs typeface="Courier New"/>
+              <a:sym typeface="Courier New"/>
+            </a:endParaRPr>
+          </a:p>
+          <a:p>
+            <a:pPr indent="0" lvl="0" marL="0" rtl="0" algn="l">
+              <a:spcBef>
+                <a:spcPts val="1200"/>
+              </a:spcBef>
+              <a:spcAft>
+                <a:spcPts val="0"/>
+              </a:spcAft>
+              <a:buNone/>
+            </a:pPr>
+            <a:r>
+              <a:rPr lang="en">
+                <a:solidFill>
+                  <a:schemeClr val="dk1"/>
+                </a:solidFill>
+                <a:latin typeface="Courier New"/>
+                <a:ea typeface="Courier New"/>
+                <a:cs typeface="Courier New"/>
+                <a:sym typeface="Courier New"/>
+              </a:rPr>
+              <a:t>let a = 3;</a:t>
+            </a:r>
+            <a:endParaRPr>
+              <a:solidFill>
+                <a:schemeClr val="dk1"/>
+              </a:solidFill>
+              <a:latin typeface="Courier New"/>
+              <a:ea typeface="Courier New"/>
+              <a:cs typeface="Courier New"/>
+              <a:sym typeface="Courier New"/>
+            </a:endParaRPr>
+          </a:p>
+          <a:p>
+            <a:pPr indent="0" lvl="0" marL="0" rtl="0" algn="l">
+              <a:spcBef>
+                <a:spcPts val="1200"/>
+              </a:spcBef>
+              <a:spcAft>
+                <a:spcPts val="0"/>
+              </a:spcAft>
+              <a:buNone/>
+            </a:pPr>
+            <a:r>
+              <a:rPr lang="en">
+                <a:solidFill>
+                  <a:schemeClr val="dk1"/>
+                </a:solidFill>
+                <a:latin typeface="Courier New"/>
+                <a:ea typeface="Courier New"/>
+                <a:cs typeface="Courier New"/>
+                <a:sym typeface="Courier New"/>
+              </a:rPr>
+              <a:t>let b = multiplyByThree(a);</a:t>
+            </a:r>
+            <a:endParaRPr>
+              <a:solidFill>
+                <a:schemeClr val="dk1"/>
+              </a:solidFill>
+              <a:latin typeface="Courier New"/>
+              <a:ea typeface="Courier New"/>
+              <a:cs typeface="Courier New"/>
+              <a:sym typeface="Courier New"/>
+            </a:endParaRPr>
+          </a:p>
+          <a:p>
+            <a:pPr indent="0" lvl="0" marL="0" rtl="0" algn="l">
+              <a:spcBef>
+                <a:spcPts val="1200"/>
+              </a:spcBef>
+              <a:spcAft>
+                <a:spcPts val="1200"/>
+              </a:spcAft>
+              <a:buNone/>
+            </a:pPr>
+            <a:r>
+              <a:rPr lang="en">
+                <a:solidFill>
+                  <a:schemeClr val="dk1"/>
+                </a:solidFill>
+                <a:latin typeface="Courier New"/>
+                <a:ea typeface="Courier New"/>
+                <a:cs typeface="Courier New"/>
+                <a:sym typeface="Courier New"/>
+              </a:rPr>
+              <a:t>console.log(b);</a:t>
+            </a:r>
+            <a:endParaRPr>
+              <a:solidFill>
+                <a:schemeClr val="dk1"/>
+              </a:solidFill>
+              <a:latin typeface="Courier New"/>
+              <a:ea typeface="Courier New"/>
+              <a:cs typeface="Courier New"/>
+              <a:sym typeface="Courier New"/>
+            </a:endParaRPr>
+          </a:p>
+        </p:txBody>
+      </p:sp>
+    </p:spTree>
+  </p:cSld>
+  <p:clrMapOvr>
+    <a:masterClrMapping/>
+  </p:clrMapOvr>
+</p:sld>
+</file>
+
+<file path=ppt/slides/slide22.xml><?xml version="1.0" encoding="utf-8"?>
+<p:sld xmlns:a="http://schemas.openxmlformats.org/drawingml/2006/main" xmlns:r="http://schemas.openxmlformats.org/officeDocument/2006/relationships" xmlns:mc="http://schemas.openxmlformats.org/markup-compatibility/2006" xmlns:mv="urn:schemas-microsoft-com:mac:vml" xmlns:p="http://schemas.openxmlformats.org/presentationml/2006/main" xmlns:c="http://schemas.openxmlformats.org/drawingml/2006/chart" xmlns:dgm="http://schemas.openxmlformats.org/drawingml/2006/diagram" xmlns:o="urn:schemas-microsoft-com:office:office" xmlns:v="urn:schemas-microsoft-com:vml" xmlns:pvml="urn:schemas-microsoft-com:office:powerpoint" xmlns:com="http://schemas.openxmlformats.org/drawingml/2006/compatibility" xmlns:p14="http://schemas.microsoft.com/office/powerpoint/2010/main" xmlns:p15="http://schemas.microsoft.com/office/powerpoint/2012/main" xmlns:ahyp="http://schemas.microsoft.com/office/drawing/2018/hyperlinkcolor">
+  <p:cSld>
+    <p:spTree>
+      <p:nvGrpSpPr>
+        <p:cNvPr id="210" name="Shape 210"/>
+        <p:cNvGrpSpPr/>
+        <p:nvPr/>
+      </p:nvGrpSpPr>
+      <p:grpSpPr>
+        <a:xfrm>
+          <a:off x="0" y="0"/>
+          <a:ext cx="0" cy="0"/>
+          <a:chOff x="0" y="0"/>
+          <a:chExt cx="0" cy="0"/>
+        </a:xfrm>
+      </p:grpSpPr>
+      <p:sp>
+        <p:nvSpPr>
+          <p:cNvPr id="211" name="Google Shape;211;p35"/>
+          <p:cNvSpPr txBox="1"/>
+          <p:nvPr>
+            <p:ph type="title"/>
+          </p:nvPr>
+        </p:nvSpPr>
+        <p:spPr>
+          <a:xfrm>
+            <a:off x="0" y="0"/>
+            <a:ext cx="9144000" cy="572700"/>
+          </a:xfrm>
+          <a:prstGeom prst="rect">
+            <a:avLst/>
+          </a:prstGeom>
+        </p:spPr>
+        <p:txBody>
+          <a:bodyPr anchorCtr="0" anchor="t" bIns="91425" lIns="91425" spcFirstLastPara="1" rIns="91425" wrap="square" tIns="91425">
+            <a:noAutofit/>
+          </a:bodyPr>
+          <a:lstStyle/>
+          <a:p>
+            <a:pPr indent="0" lvl="0" marL="0" rtl="0" algn="l">
+              <a:spcBef>
+                <a:spcPts val="0"/>
+              </a:spcBef>
+              <a:spcAft>
+                <a:spcPts val="0"/>
+              </a:spcAft>
+              <a:buNone/>
+            </a:pPr>
+            <a:r>
+              <a:rPr lang="en" sz="3000">
+                <a:latin typeface="Times New Roman"/>
+                <a:ea typeface="Times New Roman"/>
+                <a:cs typeface="Times New Roman"/>
+                <a:sym typeface="Times New Roman"/>
+              </a:rPr>
+              <a:t>Function declaration and call comparison</a:t>
+            </a:r>
+            <a:endParaRPr sz="3000">
+              <a:latin typeface="Times New Roman"/>
+              <a:ea typeface="Times New Roman"/>
+              <a:cs typeface="Times New Roman"/>
+              <a:sym typeface="Times New Roman"/>
+            </a:endParaRPr>
+          </a:p>
+        </p:txBody>
+      </p:sp>
+      <p:sp>
+        <p:nvSpPr>
+          <p:cNvPr id="212" name="Google Shape;212;p35"/>
+          <p:cNvSpPr txBox="1"/>
+          <p:nvPr>
+            <p:ph idx="1" type="body"/>
+          </p:nvPr>
+        </p:nvSpPr>
+        <p:spPr>
+          <a:xfrm>
+            <a:off x="4133100" y="572700"/>
+            <a:ext cx="5010900" cy="4570800"/>
+          </a:xfrm>
+          <a:prstGeom prst="rect">
+            <a:avLst/>
+          </a:prstGeom>
+        </p:spPr>
+        <p:txBody>
+          <a:bodyPr anchorCtr="0" anchor="t" bIns="91425" lIns="91425" spcFirstLastPara="1" rIns="91425" wrap="square" tIns="91425">
+            <a:normAutofit/>
+          </a:bodyPr>
+          <a:lstStyle/>
+          <a:p>
+            <a:pPr indent="0" lvl="0" marL="0" rtl="0" algn="l">
+              <a:spcBef>
+                <a:spcPts val="0"/>
+              </a:spcBef>
+              <a:spcAft>
+                <a:spcPts val="0"/>
+              </a:spcAft>
+              <a:buNone/>
+            </a:pPr>
+            <a:r>
+              <a:rPr b="1" lang="en">
+                <a:solidFill>
+                  <a:schemeClr val="dk1"/>
+                </a:solidFill>
+                <a:latin typeface="Courier New"/>
+                <a:ea typeface="Courier New"/>
+                <a:cs typeface="Courier New"/>
+                <a:sym typeface="Courier New"/>
+              </a:rPr>
+              <a:t>const</a:t>
+            </a:r>
+            <a:r>
+              <a:rPr lang="en">
+                <a:solidFill>
+                  <a:schemeClr val="dk1"/>
+                </a:solidFill>
+                <a:latin typeface="Courier New"/>
+                <a:ea typeface="Courier New"/>
+                <a:cs typeface="Courier New"/>
+                <a:sym typeface="Courier New"/>
+              </a:rPr>
+              <a:t> multiplyByThree = function(a)</a:t>
+            </a:r>
+            <a:endParaRPr>
+              <a:solidFill>
+                <a:schemeClr val="dk1"/>
+              </a:solidFill>
+              <a:latin typeface="Courier New"/>
+              <a:ea typeface="Courier New"/>
+              <a:cs typeface="Courier New"/>
+              <a:sym typeface="Courier New"/>
+            </a:endParaRPr>
+          </a:p>
+          <a:p>
+            <a:pPr indent="0" lvl="0" marL="0" rtl="0" algn="l">
+              <a:spcBef>
+                <a:spcPts val="1200"/>
+              </a:spcBef>
+              <a:spcAft>
+                <a:spcPts val="0"/>
+              </a:spcAft>
+              <a:buNone/>
+            </a:pPr>
+            <a:r>
+              <a:rPr lang="en">
+                <a:solidFill>
+                  <a:schemeClr val="dk1"/>
+                </a:solidFill>
+                <a:latin typeface="Courier New"/>
+                <a:ea typeface="Courier New"/>
+                <a:cs typeface="Courier New"/>
+                <a:sym typeface="Courier New"/>
+              </a:rPr>
+              <a:t>{</a:t>
+            </a:r>
+            <a:endParaRPr>
+              <a:solidFill>
+                <a:schemeClr val="dk1"/>
+              </a:solidFill>
+              <a:latin typeface="Courier New"/>
+              <a:ea typeface="Courier New"/>
+              <a:cs typeface="Courier New"/>
+              <a:sym typeface="Courier New"/>
+            </a:endParaRPr>
+          </a:p>
+          <a:p>
+            <a:pPr indent="457200" lvl="0" marL="0" rtl="0" algn="l">
+              <a:spcBef>
+                <a:spcPts val="1200"/>
+              </a:spcBef>
+              <a:spcAft>
+                <a:spcPts val="0"/>
+              </a:spcAft>
+              <a:buNone/>
+            </a:pPr>
+            <a:r>
+              <a:rPr lang="en">
+                <a:solidFill>
+                  <a:schemeClr val="dk1"/>
+                </a:solidFill>
+                <a:latin typeface="Courier New"/>
+                <a:ea typeface="Courier New"/>
+                <a:cs typeface="Courier New"/>
+                <a:sym typeface="Courier New"/>
+              </a:rPr>
+              <a:t>return a * 3;</a:t>
+            </a:r>
+            <a:endParaRPr>
+              <a:solidFill>
+                <a:schemeClr val="dk1"/>
+              </a:solidFill>
+              <a:latin typeface="Courier New"/>
+              <a:ea typeface="Courier New"/>
+              <a:cs typeface="Courier New"/>
+              <a:sym typeface="Courier New"/>
+            </a:endParaRPr>
+          </a:p>
+          <a:p>
+            <a:pPr indent="0" lvl="0" marL="0" rtl="0" algn="l">
+              <a:spcBef>
+                <a:spcPts val="1200"/>
+              </a:spcBef>
+              <a:spcAft>
+                <a:spcPts val="0"/>
+              </a:spcAft>
+              <a:buNone/>
+            </a:pPr>
+            <a:r>
+              <a:rPr lang="en">
+                <a:solidFill>
+                  <a:schemeClr val="dk1"/>
+                </a:solidFill>
+                <a:latin typeface="Courier New"/>
+                <a:ea typeface="Courier New"/>
+                <a:cs typeface="Courier New"/>
+                <a:sym typeface="Courier New"/>
+              </a:rPr>
+              <a:t>}</a:t>
+            </a:r>
+            <a:endParaRPr>
+              <a:solidFill>
+                <a:schemeClr val="dk1"/>
+              </a:solidFill>
+              <a:latin typeface="Courier New"/>
+              <a:ea typeface="Courier New"/>
+              <a:cs typeface="Courier New"/>
+              <a:sym typeface="Courier New"/>
+            </a:endParaRPr>
+          </a:p>
+          <a:p>
+            <a:pPr indent="0" lvl="0" marL="0" rtl="0" algn="l">
+              <a:spcBef>
+                <a:spcPts val="1200"/>
+              </a:spcBef>
+              <a:spcAft>
+                <a:spcPts val="0"/>
+              </a:spcAft>
+              <a:buNone/>
+            </a:pPr>
+            <a:r>
+              <a:rPr lang="en">
+                <a:solidFill>
+                  <a:schemeClr val="dk1"/>
+                </a:solidFill>
+                <a:latin typeface="Courier New"/>
+                <a:ea typeface="Courier New"/>
+                <a:cs typeface="Courier New"/>
+                <a:sym typeface="Courier New"/>
+              </a:rPr>
+              <a:t>let a = 3;</a:t>
+            </a:r>
+            <a:endParaRPr>
+              <a:solidFill>
+                <a:schemeClr val="dk1"/>
+              </a:solidFill>
+              <a:latin typeface="Courier New"/>
+              <a:ea typeface="Courier New"/>
+              <a:cs typeface="Courier New"/>
+              <a:sym typeface="Courier New"/>
+            </a:endParaRPr>
+          </a:p>
+          <a:p>
+            <a:pPr indent="0" lvl="0" marL="0" rtl="0" algn="l">
+              <a:spcBef>
+                <a:spcPts val="1200"/>
+              </a:spcBef>
+              <a:spcAft>
+                <a:spcPts val="0"/>
+              </a:spcAft>
+              <a:buNone/>
+            </a:pPr>
+            <a:r>
+              <a:rPr lang="en">
+                <a:solidFill>
+                  <a:schemeClr val="dk1"/>
+                </a:solidFill>
+                <a:latin typeface="Courier New"/>
+                <a:ea typeface="Courier New"/>
+                <a:cs typeface="Courier New"/>
+                <a:sym typeface="Courier New"/>
+              </a:rPr>
+              <a:t>let b = multiplyByThree(a);</a:t>
+            </a:r>
+            <a:endParaRPr>
+              <a:solidFill>
+                <a:schemeClr val="dk1"/>
+              </a:solidFill>
+              <a:latin typeface="Courier New"/>
+              <a:ea typeface="Courier New"/>
+              <a:cs typeface="Courier New"/>
+              <a:sym typeface="Courier New"/>
+            </a:endParaRPr>
+          </a:p>
+          <a:p>
+            <a:pPr indent="0" lvl="0" marL="0" rtl="0" algn="l">
+              <a:spcBef>
+                <a:spcPts val="1200"/>
+              </a:spcBef>
+              <a:spcAft>
+                <a:spcPts val="1200"/>
+              </a:spcAft>
+              <a:buNone/>
+            </a:pPr>
+            <a:r>
+              <a:rPr lang="en">
+                <a:solidFill>
+                  <a:schemeClr val="dk1"/>
+                </a:solidFill>
+                <a:latin typeface="Courier New"/>
+                <a:ea typeface="Courier New"/>
+                <a:cs typeface="Courier New"/>
+                <a:sym typeface="Courier New"/>
+              </a:rPr>
+              <a:t>console.log(b);</a:t>
+            </a:r>
+            <a:endParaRPr>
+              <a:solidFill>
+                <a:schemeClr val="dk1"/>
+              </a:solidFill>
+              <a:latin typeface="Courier New"/>
+              <a:ea typeface="Courier New"/>
+              <a:cs typeface="Courier New"/>
+              <a:sym typeface="Courier New"/>
+            </a:endParaRPr>
+          </a:p>
+        </p:txBody>
+      </p:sp>
+      <p:sp>
+        <p:nvSpPr>
+          <p:cNvPr id="213" name="Google Shape;213;p35"/>
+          <p:cNvSpPr txBox="1"/>
+          <p:nvPr>
+            <p:ph idx="1" type="body"/>
+          </p:nvPr>
+        </p:nvSpPr>
+        <p:spPr>
+          <a:xfrm>
+            <a:off x="0" y="572700"/>
+            <a:ext cx="4133100" cy="4570800"/>
+          </a:xfrm>
+          <a:prstGeom prst="rect">
+            <a:avLst/>
+          </a:prstGeom>
+        </p:spPr>
+        <p:txBody>
+          <a:bodyPr anchorCtr="0" anchor="t" bIns="91425" lIns="91425" spcFirstLastPara="1" rIns="91425" wrap="square" tIns="91425">
+            <a:normAutofit/>
+          </a:bodyPr>
+          <a:lstStyle/>
+          <a:p>
+            <a:pPr indent="0" lvl="0" marL="0" rtl="0" algn="l">
+              <a:spcBef>
+                <a:spcPts val="0"/>
+              </a:spcBef>
+              <a:spcAft>
+                <a:spcPts val="0"/>
+              </a:spcAft>
+              <a:buNone/>
+            </a:pPr>
+            <a:r>
+              <a:rPr lang="en">
+                <a:solidFill>
+                  <a:schemeClr val="dk1"/>
+                </a:solidFill>
+                <a:latin typeface="Courier New"/>
+                <a:ea typeface="Courier New"/>
+                <a:cs typeface="Courier New"/>
+                <a:sym typeface="Courier New"/>
+              </a:rPr>
+              <a:t>function multiplyByTwo(a)</a:t>
+            </a:r>
+            <a:endParaRPr>
+              <a:solidFill>
+                <a:schemeClr val="dk1"/>
+              </a:solidFill>
+              <a:latin typeface="Courier New"/>
+              <a:ea typeface="Courier New"/>
+              <a:cs typeface="Courier New"/>
+              <a:sym typeface="Courier New"/>
+            </a:endParaRPr>
+          </a:p>
+          <a:p>
+            <a:pPr indent="0" lvl="0" marL="0" rtl="0" algn="l">
+              <a:spcBef>
+                <a:spcPts val="1200"/>
+              </a:spcBef>
+              <a:spcAft>
+                <a:spcPts val="0"/>
+              </a:spcAft>
+              <a:buNone/>
+            </a:pPr>
+            <a:r>
+              <a:rPr lang="en">
+                <a:solidFill>
+                  <a:schemeClr val="dk1"/>
+                </a:solidFill>
+                <a:latin typeface="Courier New"/>
+                <a:ea typeface="Courier New"/>
+                <a:cs typeface="Courier New"/>
+                <a:sym typeface="Courier New"/>
+              </a:rPr>
+              <a:t>{</a:t>
+            </a:r>
+            <a:endParaRPr>
+              <a:solidFill>
+                <a:schemeClr val="dk1"/>
+              </a:solidFill>
+              <a:latin typeface="Courier New"/>
+              <a:ea typeface="Courier New"/>
+              <a:cs typeface="Courier New"/>
+              <a:sym typeface="Courier New"/>
+            </a:endParaRPr>
+          </a:p>
+          <a:p>
+            <a:pPr indent="0" lvl="0" marL="0" rtl="0" algn="l">
+              <a:spcBef>
+                <a:spcPts val="1200"/>
+              </a:spcBef>
+              <a:spcAft>
+                <a:spcPts val="0"/>
+              </a:spcAft>
+              <a:buNone/>
+            </a:pPr>
+            <a:r>
+              <a:rPr lang="en">
+                <a:solidFill>
+                  <a:schemeClr val="dk1"/>
+                </a:solidFill>
+                <a:latin typeface="Courier New"/>
+                <a:ea typeface="Courier New"/>
+                <a:cs typeface="Courier New"/>
+                <a:sym typeface="Courier New"/>
+              </a:rPr>
+              <a:t>	return a * 2;</a:t>
+            </a:r>
+            <a:endParaRPr>
+              <a:solidFill>
+                <a:schemeClr val="dk1"/>
+              </a:solidFill>
+              <a:latin typeface="Courier New"/>
+              <a:ea typeface="Courier New"/>
+              <a:cs typeface="Courier New"/>
+              <a:sym typeface="Courier New"/>
+            </a:endParaRPr>
+          </a:p>
+          <a:p>
+            <a:pPr indent="0" lvl="0" marL="0" rtl="0" algn="l">
+              <a:spcBef>
+                <a:spcPts val="1200"/>
+              </a:spcBef>
+              <a:spcAft>
+                <a:spcPts val="0"/>
+              </a:spcAft>
+              <a:buNone/>
+            </a:pPr>
+            <a:r>
+              <a:rPr lang="en">
+                <a:solidFill>
+                  <a:schemeClr val="dk1"/>
+                </a:solidFill>
+                <a:latin typeface="Courier New"/>
+                <a:ea typeface="Courier New"/>
+                <a:cs typeface="Courier New"/>
+                <a:sym typeface="Courier New"/>
+              </a:rPr>
+              <a:t>}</a:t>
+            </a:r>
+            <a:endParaRPr>
+              <a:solidFill>
+                <a:schemeClr val="dk1"/>
+              </a:solidFill>
+              <a:latin typeface="Courier New"/>
+              <a:ea typeface="Courier New"/>
+              <a:cs typeface="Courier New"/>
+              <a:sym typeface="Courier New"/>
+            </a:endParaRPr>
+          </a:p>
+          <a:p>
+            <a:pPr indent="0" lvl="0" marL="0" rtl="0" algn="l">
+              <a:spcBef>
+                <a:spcPts val="1200"/>
+              </a:spcBef>
+              <a:spcAft>
+                <a:spcPts val="0"/>
+              </a:spcAft>
+              <a:buNone/>
+            </a:pPr>
+            <a:r>
+              <a:rPr lang="en">
+                <a:solidFill>
+                  <a:schemeClr val="dk1"/>
+                </a:solidFill>
+                <a:latin typeface="Courier New"/>
+                <a:ea typeface="Courier New"/>
+                <a:cs typeface="Courier New"/>
+                <a:sym typeface="Courier New"/>
+              </a:rPr>
+              <a:t>let a = 3;</a:t>
+            </a:r>
+            <a:endParaRPr>
+              <a:solidFill>
+                <a:schemeClr val="dk1"/>
+              </a:solidFill>
+              <a:latin typeface="Courier New"/>
+              <a:ea typeface="Courier New"/>
+              <a:cs typeface="Courier New"/>
+              <a:sym typeface="Courier New"/>
+            </a:endParaRPr>
+          </a:p>
+          <a:p>
+            <a:pPr indent="0" lvl="0" marL="0" rtl="0" algn="l">
+              <a:spcBef>
+                <a:spcPts val="1200"/>
+              </a:spcBef>
+              <a:spcAft>
+                <a:spcPts val="0"/>
+              </a:spcAft>
+              <a:buNone/>
+            </a:pPr>
+            <a:r>
+              <a:rPr lang="en">
+                <a:solidFill>
+                  <a:schemeClr val="dk1"/>
+                </a:solidFill>
+                <a:latin typeface="Courier New"/>
+                <a:ea typeface="Courier New"/>
+                <a:cs typeface="Courier New"/>
+                <a:sym typeface="Courier New"/>
+              </a:rPr>
+              <a:t>let b = multiplyByTwo(a);</a:t>
+            </a:r>
+            <a:endParaRPr>
+              <a:solidFill>
+                <a:schemeClr val="dk1"/>
+              </a:solidFill>
+              <a:latin typeface="Courier New"/>
+              <a:ea typeface="Courier New"/>
+              <a:cs typeface="Courier New"/>
+              <a:sym typeface="Courier New"/>
+            </a:endParaRPr>
+          </a:p>
+          <a:p>
+            <a:pPr indent="0" lvl="0" marL="0" rtl="0" algn="l">
+              <a:spcBef>
+                <a:spcPts val="1200"/>
+              </a:spcBef>
+              <a:spcAft>
+                <a:spcPts val="1200"/>
+              </a:spcAft>
+              <a:buNone/>
+            </a:pPr>
+            <a:r>
+              <a:rPr lang="en">
+                <a:solidFill>
+                  <a:schemeClr val="dk1"/>
+                </a:solidFill>
+                <a:latin typeface="Courier New"/>
+                <a:ea typeface="Courier New"/>
+                <a:cs typeface="Courier New"/>
+                <a:sym typeface="Courier New"/>
+              </a:rPr>
+              <a:t>console.log(b);</a:t>
+            </a:r>
+            <a:endParaRPr>
+              <a:solidFill>
+                <a:schemeClr val="dk1"/>
+              </a:solidFill>
+              <a:latin typeface="Courier New"/>
+              <a:ea typeface="Courier New"/>
+              <a:cs typeface="Courier New"/>
+              <a:sym typeface="Courier New"/>
+            </a:endParaRPr>
+          </a:p>
+        </p:txBody>
+      </p:sp>
+      <p:sp>
+        <p:nvSpPr>
+          <p:cNvPr id="214" name="Google Shape;214;p35"/>
+          <p:cNvSpPr txBox="1"/>
+          <p:nvPr/>
+        </p:nvSpPr>
+        <p:spPr>
+          <a:xfrm>
+            <a:off x="-12" y="4767600"/>
+            <a:ext cx="9144000" cy="375900"/>
+          </a:xfrm>
+          <a:prstGeom prst="rect">
+            <a:avLst/>
+          </a:prstGeom>
+          <a:noFill/>
+          <a:ln>
+            <a:noFill/>
+          </a:ln>
+        </p:spPr>
+        <p:txBody>
+          <a:bodyPr anchorCtr="0" anchor="t" bIns="91425" lIns="91425" spcFirstLastPara="1" rIns="91425" wrap="square" tIns="91425">
+            <a:spAutoFit/>
+          </a:bodyPr>
+          <a:lstStyle/>
+          <a:p>
+            <a:pPr indent="0" lvl="0" marL="12700" marR="259715" rtl="0" algn="ctr">
+              <a:lnSpc>
+                <a:spcPct val="88700"/>
+              </a:lnSpc>
+              <a:spcBef>
+                <a:spcPts val="0"/>
+              </a:spcBef>
+              <a:spcAft>
+                <a:spcPts val="0"/>
+              </a:spcAft>
+              <a:buNone/>
+            </a:pPr>
+            <a:r>
+              <a:rPr b="1" lang="en">
+                <a:solidFill>
+                  <a:schemeClr val="dk1"/>
+                </a:solidFill>
+                <a:latin typeface="Times New Roman"/>
+                <a:ea typeface="Times New Roman"/>
+                <a:cs typeface="Times New Roman"/>
+                <a:sym typeface="Times New Roman"/>
+              </a:rPr>
+              <a:t>9.html, </a:t>
+            </a:r>
+            <a:r>
+              <a:rPr b="1" lang="en">
+                <a:solidFill>
+                  <a:schemeClr val="dk1"/>
+                </a:solidFill>
+                <a:latin typeface="Times New Roman"/>
+                <a:ea typeface="Times New Roman"/>
+                <a:cs typeface="Times New Roman"/>
+                <a:sym typeface="Times New Roman"/>
+              </a:rPr>
+              <a:t>10.html</a:t>
+            </a:r>
+            <a:endParaRPr b="1">
+              <a:solidFill>
+                <a:schemeClr val="dk1"/>
+              </a:solidFill>
+              <a:latin typeface="Times New Roman"/>
+              <a:ea typeface="Times New Roman"/>
+              <a:cs typeface="Times New Roman"/>
+              <a:sym typeface="Times New Roman"/>
+            </a:endParaRPr>
+          </a:p>
+        </p:txBody>
+      </p:sp>
+    </p:spTree>
+  </p:cSld>
+  <p:clrMapOvr>
+    <a:masterClrMapping/>
+  </p:clrMapOvr>
+</p:sld>
+</file>
+
+<file path=ppt/slides/slide23.xml><?xml version="1.0" encoding="utf-8"?>
+<p:sld xmlns:a="http://schemas.openxmlformats.org/drawingml/2006/main" xmlns:r="http://schemas.openxmlformats.org/officeDocument/2006/relationships" xmlns:mc="http://schemas.openxmlformats.org/markup-compatibility/2006" xmlns:mv="urn:schemas-microsoft-com:mac:vml" xmlns:p="http://schemas.openxmlformats.org/presentationml/2006/main" xmlns:c="http://schemas.openxmlformats.org/drawingml/2006/chart" xmlns:dgm="http://schemas.openxmlformats.org/drawingml/2006/diagram" xmlns:o="urn:schemas-microsoft-com:office:office" xmlns:v="urn:schemas-microsoft-com:vml" xmlns:pvml="urn:schemas-microsoft-com:office:powerpoint" xmlns:com="http://schemas.openxmlformats.org/drawingml/2006/compatibility" xmlns:p14="http://schemas.microsoft.com/office/powerpoint/2010/main" xmlns:p15="http://schemas.microsoft.com/office/powerpoint/2012/main" xmlns:ahyp="http://schemas.microsoft.com/office/drawing/2018/hyperlinkcolor">
+  <p:cSld>
+    <p:spTree>
+      <p:nvGrpSpPr>
+        <p:cNvPr id="218" name="Shape 218"/>
+        <p:cNvGrpSpPr/>
+        <p:nvPr/>
+      </p:nvGrpSpPr>
+      <p:grpSpPr>
+        <a:xfrm>
+          <a:off x="0" y="0"/>
+          <a:ext cx="0" cy="0"/>
+          <a:chOff x="0" y="0"/>
+          <a:chExt cx="0" cy="0"/>
+        </a:xfrm>
+      </p:grpSpPr>
+      <p:sp>
+        <p:nvSpPr>
+          <p:cNvPr id="219" name="Google Shape;219;p36"/>
           <p:cNvSpPr txBox="1"/>
           <p:nvPr>
             <p:ph idx="1" type="body"/>
@@ -13815,7 +15229,7 @@
       </p:sp>
       <p:sp>
         <p:nvSpPr>
-          <p:cNvPr id="201" name="Google Shape;201;p34"/>
+          <p:cNvPr id="220" name="Google Shape;220;p36"/>
           <p:cNvSpPr txBox="1"/>
           <p:nvPr>
             <p:ph type="title"/>
@@ -13855,7 +15269,7 @@
       </p:sp>
       <p:sp>
         <p:nvSpPr>
-          <p:cNvPr id="202" name="Google Shape;202;p34"/>
+          <p:cNvPr id="221" name="Google Shape;221;p36"/>
           <p:cNvSpPr txBox="1"/>
           <p:nvPr/>
         </p:nvSpPr>
@@ -13897,7 +15311,7 @@
       </p:sp>
       <p:sp>
         <p:nvSpPr>
-          <p:cNvPr id="203" name="Google Shape;203;p34"/>
+          <p:cNvPr id="222" name="Google Shape;222;p36"/>
           <p:cNvSpPr/>
           <p:nvPr/>
         </p:nvSpPr>
@@ -13950,7 +15364,7 @@
       </p:sp>
       <p:sp>
         <p:nvSpPr>
-          <p:cNvPr id="204" name="Google Shape;204;p34"/>
+          <p:cNvPr id="223" name="Google Shape;223;p36"/>
           <p:cNvSpPr/>
           <p:nvPr/>
         </p:nvSpPr>
@@ -14009,12 +15423,12 @@
 </p:sld>
 </file>
 
-<file path=ppt/slides/slide22.xml><?xml version="1.0" encoding="utf-8"?>
+<file path=ppt/slides/slide24.xml><?xml version="1.0" encoding="utf-8"?>
 <p:sld xmlns:a="http://schemas.openxmlformats.org/drawingml/2006/main" xmlns:r="http://schemas.openxmlformats.org/officeDocument/2006/relationships" xmlns:mc="http://schemas.openxmlformats.org/markup-compatibility/2006" xmlns:mv="urn:schemas-microsoft-com:mac:vml" xmlns:p="http://schemas.openxmlformats.org/presentationml/2006/main" xmlns:c="http://schemas.openxmlformats.org/drawingml/2006/chart" xmlns:dgm="http://schemas.openxmlformats.org/drawingml/2006/diagram" xmlns:o="urn:schemas-microsoft-com:office:office" xmlns:v="urn:schemas-microsoft-com:vml" xmlns:pvml="urn:schemas-microsoft-com:office:powerpoint" xmlns:com="http://schemas.openxmlformats.org/drawingml/2006/compatibility" xmlns:p14="http://schemas.microsoft.com/office/powerpoint/2010/main" xmlns:p15="http://schemas.microsoft.com/office/powerpoint/2012/main" xmlns:ahyp="http://schemas.microsoft.com/office/drawing/2018/hyperlinkcolor">
   <p:cSld>
     <p:spTree>
       <p:nvGrpSpPr>
-        <p:cNvPr id="208" name="Shape 208"/>
+        <p:cNvPr id="227" name="Shape 227"/>
         <p:cNvGrpSpPr/>
         <p:nvPr/>
       </p:nvGrpSpPr>
@@ -14028,7 +15442,7 @@
       </p:grpSpPr>
       <p:sp>
         <p:nvSpPr>
-          <p:cNvPr id="209" name="Google Shape;209;p35"/>
+          <p:cNvPr id="228" name="Google Shape;228;p37"/>
           <p:cNvSpPr txBox="1"/>
           <p:nvPr>
             <p:ph type="title"/>
@@ -14079,7 +15493,7 @@
       </p:sp>
       <p:sp>
         <p:nvSpPr>
-          <p:cNvPr id="210" name="Google Shape;210;p35"/>
+          <p:cNvPr id="229" name="Google Shape;229;p37"/>
           <p:cNvSpPr txBox="1"/>
           <p:nvPr>
             <p:ph idx="1" type="body"/>
@@ -14272,7 +15686,7 @@
       </p:sp>
       <p:sp>
         <p:nvSpPr>
-          <p:cNvPr id="211" name="Google Shape;211;p35"/>
+          <p:cNvPr id="230" name="Google Shape;230;p37"/>
           <p:cNvSpPr txBox="1"/>
           <p:nvPr/>
         </p:nvSpPr>
@@ -14339,12 +15753,12 @@
 </p:sld>
 </file>
 
-<file path=ppt/slides/slide23.xml><?xml version="1.0" encoding="utf-8"?>
+<file path=ppt/slides/slide25.xml><?xml version="1.0" encoding="utf-8"?>
 <p:sld xmlns:a="http://schemas.openxmlformats.org/drawingml/2006/main" xmlns:r="http://schemas.openxmlformats.org/officeDocument/2006/relationships" xmlns:mc="http://schemas.openxmlformats.org/markup-compatibility/2006" xmlns:mv="urn:schemas-microsoft-com:mac:vml" xmlns:p="http://schemas.openxmlformats.org/presentationml/2006/main" xmlns:c="http://schemas.openxmlformats.org/drawingml/2006/chart" xmlns:dgm="http://schemas.openxmlformats.org/drawingml/2006/diagram" xmlns:o="urn:schemas-microsoft-com:office:office" xmlns:v="urn:schemas-microsoft-com:vml" xmlns:pvml="urn:schemas-microsoft-com:office:powerpoint" xmlns:com="http://schemas.openxmlformats.org/drawingml/2006/compatibility" xmlns:p14="http://schemas.microsoft.com/office/powerpoint/2010/main" xmlns:p15="http://schemas.microsoft.com/office/powerpoint/2012/main" xmlns:ahyp="http://schemas.microsoft.com/office/drawing/2018/hyperlinkcolor">
   <p:cSld>
     <p:spTree>
       <p:nvGrpSpPr>
-        <p:cNvPr id="215" name="Shape 215"/>
+        <p:cNvPr id="234" name="Shape 234"/>
         <p:cNvGrpSpPr/>
         <p:nvPr/>
       </p:nvGrpSpPr>
@@ -14358,7 +15772,7 @@
       </p:grpSpPr>
       <p:sp>
         <p:nvSpPr>
-          <p:cNvPr id="216" name="Google Shape;216;p36"/>
+          <p:cNvPr id="235" name="Google Shape;235;p38"/>
           <p:cNvSpPr txBox="1"/>
           <p:nvPr>
             <p:ph type="title"/>
@@ -14408,7 +15822,7 @@
       </p:sp>
       <p:sp>
         <p:nvSpPr>
-          <p:cNvPr id="217" name="Google Shape;217;p36"/>
+          <p:cNvPr id="236" name="Google Shape;236;p38"/>
           <p:cNvSpPr txBox="1"/>
           <p:nvPr>
             <p:ph idx="1" type="body"/>
@@ -14648,7 +16062,7 @@
       </p:sp>
       <p:sp>
         <p:nvSpPr>
-          <p:cNvPr id="218" name="Google Shape;218;p36"/>
+          <p:cNvPr id="237" name="Google Shape;237;p38"/>
           <p:cNvSpPr txBox="1"/>
           <p:nvPr/>
         </p:nvSpPr>
@@ -14696,12 +16110,12 @@
 </p:sld>
 </file>
 
-<file path=ppt/slides/slide24.xml><?xml version="1.0" encoding="utf-8"?>
+<file path=ppt/slides/slide26.xml><?xml version="1.0" encoding="utf-8"?>
 <p:sld xmlns:a="http://schemas.openxmlformats.org/drawingml/2006/main" xmlns:r="http://schemas.openxmlformats.org/officeDocument/2006/relationships" xmlns:mc="http://schemas.openxmlformats.org/markup-compatibility/2006" xmlns:mv="urn:schemas-microsoft-com:mac:vml" xmlns:p="http://schemas.openxmlformats.org/presentationml/2006/main" xmlns:c="http://schemas.openxmlformats.org/drawingml/2006/chart" xmlns:dgm="http://schemas.openxmlformats.org/drawingml/2006/diagram" xmlns:o="urn:schemas-microsoft-com:office:office" xmlns:v="urn:schemas-microsoft-com:vml" xmlns:pvml="urn:schemas-microsoft-com:office:powerpoint" xmlns:com="http://schemas.openxmlformats.org/drawingml/2006/compatibility" xmlns:p14="http://schemas.microsoft.com/office/powerpoint/2010/main" xmlns:p15="http://schemas.microsoft.com/office/powerpoint/2012/main" xmlns:ahyp="http://schemas.microsoft.com/office/drawing/2018/hyperlinkcolor">
   <p:cSld>
     <p:spTree>
       <p:nvGrpSpPr>
-        <p:cNvPr id="222" name="Shape 222"/>
+        <p:cNvPr id="241" name="Shape 241"/>
         <p:cNvGrpSpPr/>
         <p:nvPr/>
       </p:nvGrpSpPr>
@@ -14715,7 +16129,7 @@
       </p:grpSpPr>
       <p:sp>
         <p:nvSpPr>
-          <p:cNvPr id="223" name="Google Shape;223;p37"/>
+          <p:cNvPr id="242" name="Google Shape;242;p39"/>
           <p:cNvSpPr txBox="1"/>
           <p:nvPr>
             <p:ph type="title"/>
@@ -14765,7 +16179,7 @@
       </p:sp>
       <p:sp>
         <p:nvSpPr>
-          <p:cNvPr id="224" name="Google Shape;224;p37"/>
+          <p:cNvPr id="243" name="Google Shape;243;p39"/>
           <p:cNvSpPr txBox="1"/>
           <p:nvPr>
             <p:ph idx="1" type="body"/>
@@ -15144,7 +16558,7 @@
       </p:sp>
       <p:sp>
         <p:nvSpPr>
-          <p:cNvPr id="225" name="Google Shape;225;p37"/>
+          <p:cNvPr id="244" name="Google Shape;244;p39"/>
           <p:cNvSpPr txBox="1"/>
           <p:nvPr/>
         </p:nvSpPr>
@@ -15186,7 +16600,7 @@
       </p:sp>
       <p:sp>
         <p:nvSpPr>
-          <p:cNvPr id="226" name="Google Shape;226;p37"/>
+          <p:cNvPr id="245" name="Google Shape;245;p39"/>
           <p:cNvSpPr txBox="1"/>
           <p:nvPr/>
         </p:nvSpPr>
@@ -15253,12 +16667,12 @@
 </p:sld>
 </file>
 
-<file path=ppt/slides/slide25.xml><?xml version="1.0" encoding="utf-8"?>
+<file path=ppt/slides/slide27.xml><?xml version="1.0" encoding="utf-8"?>
 <p:sld xmlns:a="http://schemas.openxmlformats.org/drawingml/2006/main" xmlns:r="http://schemas.openxmlformats.org/officeDocument/2006/relationships" xmlns:mc="http://schemas.openxmlformats.org/markup-compatibility/2006" xmlns:mv="urn:schemas-microsoft-com:mac:vml" xmlns:p="http://schemas.openxmlformats.org/presentationml/2006/main" xmlns:c="http://schemas.openxmlformats.org/drawingml/2006/chart" xmlns:dgm="http://schemas.openxmlformats.org/drawingml/2006/diagram" xmlns:o="urn:schemas-microsoft-com:office:office" xmlns:v="urn:schemas-microsoft-com:vml" xmlns:pvml="urn:schemas-microsoft-com:office:powerpoint" xmlns:com="http://schemas.openxmlformats.org/drawingml/2006/compatibility" xmlns:p14="http://schemas.microsoft.com/office/powerpoint/2010/main" xmlns:p15="http://schemas.microsoft.com/office/powerpoint/2012/main" xmlns:ahyp="http://schemas.microsoft.com/office/drawing/2018/hyperlinkcolor">
   <p:cSld>
     <p:spTree>
       <p:nvGrpSpPr>
-        <p:cNvPr id="230" name="Shape 230"/>
+        <p:cNvPr id="249" name="Shape 249"/>
         <p:cNvGrpSpPr/>
         <p:nvPr/>
       </p:nvGrpSpPr>
@@ -15272,7 +16686,7 @@
       </p:grpSpPr>
       <p:sp>
         <p:nvSpPr>
-          <p:cNvPr id="231" name="Google Shape;231;p38"/>
+          <p:cNvPr id="250" name="Google Shape;250;p40"/>
           <p:cNvSpPr txBox="1"/>
           <p:nvPr>
             <p:ph type="title"/>
@@ -15322,7 +16736,7 @@
       </p:sp>
       <p:sp>
         <p:nvSpPr>
-          <p:cNvPr id="232" name="Google Shape;232;p38"/>
+          <p:cNvPr id="251" name="Google Shape;251;p40"/>
           <p:cNvSpPr txBox="1"/>
           <p:nvPr>
             <p:ph idx="1" type="body"/>
@@ -15404,8 +16818,33 @@
                 <a:cs typeface="Times New Roman"/>
                 <a:sym typeface="Times New Roman"/>
               </a:rPr>
-              <a:t>• A function is block of code to perform specific task and used for: </a:t>
-            </a:r>
+              <a:t>• A function is block of code to perform specific task and used for:</a:t>
+            </a:r>
+            <a:endParaRPr>
+              <a:solidFill>
+                <a:schemeClr val="dk1"/>
+              </a:solidFill>
+              <a:latin typeface="Times New Roman"/>
+              <a:ea typeface="Times New Roman"/>
+              <a:cs typeface="Times New Roman"/>
+              <a:sym typeface="Times New Roman"/>
+            </a:endParaRPr>
+          </a:p>
+          <a:p>
+            <a:pPr indent="457200" lvl="0" marL="0" rtl="0" algn="l">
+              <a:spcBef>
+                <a:spcPts val="1200"/>
+              </a:spcBef>
+              <a:spcAft>
+                <a:spcPts val="0"/>
+              </a:spcAft>
+              <a:buClr>
+                <a:schemeClr val="dk1"/>
+              </a:buClr>
+              <a:buSzPts val="1100"/>
+              <a:buFont typeface="Arial"/>
+              <a:buNone/>
+            </a:pPr>
             <a:r>
               <a:rPr lang="en">
                 <a:solidFill>
@@ -15698,7 +17137,7 @@
             <a:tbl>
               <a:tblPr>
                 <a:noFill/>
-                <a:tableStyleId>{3DFFEA2C-5924-4BF6-823D-5A3ACB2B3D5F}</a:tableStyleId>
+                <a:tableStyleId>{25582E17-411C-45B6-93AF-B3BD47618EEA}</a:tableStyleId>
               </a:tblPr>
               <a:tblGrid>
                 <a:gridCol w="4572000"/>
@@ -16207,7 +17646,7 @@
             <a:tbl>
               <a:tblPr>
                 <a:noFill/>
-                <a:tableStyleId>{3DFFEA2C-5924-4BF6-823D-5A3ACB2B3D5F}</a:tableStyleId>
+                <a:tableStyleId>{25582E17-411C-45B6-93AF-B3BD47618EEA}</a:tableStyleId>
               </a:tblPr>
               <a:tblGrid>
                 <a:gridCol w="4572000"/>
@@ -17868,6 +19307,1287 @@
               <a:buNone/>
             </a:pPr>
             <a:r>
+              <a:t/>
+            </a:r>
+            <a:endParaRPr sz="2400">
+              <a:latin typeface="Courier New"/>
+              <a:ea typeface="Courier New"/>
+              <a:cs typeface="Courier New"/>
+              <a:sym typeface="Courier New"/>
+            </a:endParaRPr>
+          </a:p>
+        </p:txBody>
+      </p:sp>
+      <p:pic>
+        <p:nvPicPr>
+          <p:cNvPr id="105" name="Google Shape;105;p20"/>
+          <p:cNvPicPr preferRelativeResize="0"/>
+          <p:nvPr/>
+        </p:nvPicPr>
+        <p:blipFill rotWithShape="1">
+          <a:blip r:embed="rId3">
+            <a:alphaModFix/>
+          </a:blip>
+          <a:srcRect b="39239" l="0" r="0" t="12808"/>
+          <a:stretch/>
+        </p:blipFill>
+        <p:spPr>
+          <a:xfrm>
+            <a:off x="0" y="572700"/>
+            <a:ext cx="2799808" cy="2076374"/>
+          </a:xfrm>
+          <a:prstGeom prst="rect">
+            <a:avLst/>
+          </a:prstGeom>
+          <a:noFill/>
+          <a:ln>
+            <a:noFill/>
+          </a:ln>
+        </p:spPr>
+      </p:pic>
+      <p:sp>
+        <p:nvSpPr>
+          <p:cNvPr id="106" name="Google Shape;106;p20"/>
+          <p:cNvSpPr/>
+          <p:nvPr/>
+        </p:nvSpPr>
+        <p:spPr>
+          <a:xfrm>
+            <a:off x="-125" y="2649075"/>
+            <a:ext cx="9144000" cy="2118900"/>
+          </a:xfrm>
+          <a:prstGeom prst="rect">
+            <a:avLst/>
+          </a:prstGeom>
+          <a:noFill/>
+          <a:ln>
+            <a:noFill/>
+          </a:ln>
+        </p:spPr>
+        <p:txBody>
+          <a:bodyPr anchorCtr="0" anchor="t" bIns="91425" lIns="91425" spcFirstLastPara="1" rIns="91425" wrap="square" tIns="91425">
+            <a:noAutofit/>
+          </a:bodyPr>
+          <a:lstStyle/>
+          <a:p>
+            <a:pPr indent="0" lvl="0" marL="0" rtl="0" algn="l">
+              <a:lnSpc>
+                <a:spcPct val="115000"/>
+              </a:lnSpc>
+              <a:spcBef>
+                <a:spcPts val="0"/>
+              </a:spcBef>
+              <a:spcAft>
+                <a:spcPts val="0"/>
+              </a:spcAft>
+              <a:buNone/>
+            </a:pPr>
+            <a:r>
+              <a:rPr b="1" lang="en" sz="2400">
+                <a:solidFill>
+                  <a:schemeClr val="dk1"/>
+                </a:solidFill>
+                <a:latin typeface="Times New Roman"/>
+                <a:ea typeface="Times New Roman"/>
+                <a:cs typeface="Times New Roman"/>
+                <a:sym typeface="Times New Roman"/>
+              </a:rPr>
+              <a:t>Mom:</a:t>
+            </a:r>
+            <a:r>
+              <a:rPr lang="en" sz="2400">
+                <a:solidFill>
+                  <a:schemeClr val="dk1"/>
+                </a:solidFill>
+                <a:latin typeface="Times New Roman"/>
+                <a:ea typeface="Times New Roman"/>
+                <a:cs typeface="Times New Roman"/>
+                <a:sym typeface="Times New Roman"/>
+              </a:rPr>
+              <a:t> "</a:t>
+            </a:r>
+            <a:r>
+              <a:rPr i="1" lang="en" sz="2400">
+                <a:solidFill>
+                  <a:schemeClr val="dk1"/>
+                </a:solidFill>
+                <a:latin typeface="Times New Roman"/>
+                <a:ea typeface="Times New Roman"/>
+                <a:cs typeface="Times New Roman"/>
+                <a:sym typeface="Times New Roman"/>
+              </a:rPr>
+              <a:t>Honey, please go to the market and buy 1 bottle of milk. </a:t>
+            </a:r>
+            <a:endParaRPr i="1" sz="2400">
+              <a:solidFill>
+                <a:schemeClr val="dk1"/>
+              </a:solidFill>
+              <a:latin typeface="Times New Roman"/>
+              <a:ea typeface="Times New Roman"/>
+              <a:cs typeface="Times New Roman"/>
+              <a:sym typeface="Times New Roman"/>
+            </a:endParaRPr>
+          </a:p>
+          <a:p>
+            <a:pPr indent="0" lvl="0" marL="0" rtl="0" algn="l">
+              <a:lnSpc>
+                <a:spcPct val="115000"/>
+              </a:lnSpc>
+              <a:spcBef>
+                <a:spcPts val="0"/>
+              </a:spcBef>
+              <a:spcAft>
+                <a:spcPts val="0"/>
+              </a:spcAft>
+              <a:buNone/>
+            </a:pPr>
+            <a:r>
+              <a:rPr i="1" lang="en" sz="2400">
+                <a:solidFill>
+                  <a:schemeClr val="dk1"/>
+                </a:solidFill>
+                <a:latin typeface="Times New Roman"/>
+                <a:ea typeface="Times New Roman"/>
+                <a:cs typeface="Times New Roman"/>
+                <a:sym typeface="Times New Roman"/>
+              </a:rPr>
+              <a:t>If they have eggs, bring 6</a:t>
+            </a:r>
+            <a:r>
+              <a:rPr lang="en" sz="2400">
+                <a:solidFill>
+                  <a:schemeClr val="dk1"/>
+                </a:solidFill>
+                <a:latin typeface="Times New Roman"/>
+                <a:ea typeface="Times New Roman"/>
+                <a:cs typeface="Times New Roman"/>
+                <a:sym typeface="Times New Roman"/>
+              </a:rPr>
+              <a:t>".</a:t>
+            </a:r>
+            <a:endParaRPr sz="2400">
+              <a:solidFill>
+                <a:schemeClr val="dk1"/>
+              </a:solidFill>
+              <a:latin typeface="Times New Roman"/>
+              <a:ea typeface="Times New Roman"/>
+              <a:cs typeface="Times New Roman"/>
+              <a:sym typeface="Times New Roman"/>
+            </a:endParaRPr>
+          </a:p>
+          <a:p>
+            <a:pPr indent="0" lvl="0" marL="0" rtl="0" algn="l">
+              <a:lnSpc>
+                <a:spcPct val="115000"/>
+              </a:lnSpc>
+              <a:spcBef>
+                <a:spcPts val="0"/>
+              </a:spcBef>
+              <a:spcAft>
+                <a:spcPts val="0"/>
+              </a:spcAft>
+              <a:buClr>
+                <a:schemeClr val="dk1"/>
+              </a:buClr>
+              <a:buSzPts val="1100"/>
+              <a:buFont typeface="Arial"/>
+              <a:buNone/>
+            </a:pPr>
+            <a:r>
+              <a:rPr lang="en" sz="2400">
+                <a:solidFill>
+                  <a:schemeClr val="dk1"/>
+                </a:solidFill>
+                <a:latin typeface="Times New Roman"/>
+                <a:ea typeface="Times New Roman"/>
+                <a:cs typeface="Times New Roman"/>
+                <a:sym typeface="Times New Roman"/>
+              </a:rPr>
+              <a:t>I came back with 6 bottles of milk.</a:t>
+            </a:r>
+            <a:endParaRPr sz="2400">
+              <a:solidFill>
+                <a:schemeClr val="dk1"/>
+              </a:solidFill>
+              <a:latin typeface="Times New Roman"/>
+              <a:ea typeface="Times New Roman"/>
+              <a:cs typeface="Times New Roman"/>
+              <a:sym typeface="Times New Roman"/>
+            </a:endParaRPr>
+          </a:p>
+          <a:p>
+            <a:pPr indent="0" lvl="0" marL="0" rtl="0" algn="l">
+              <a:lnSpc>
+                <a:spcPct val="115000"/>
+              </a:lnSpc>
+              <a:spcBef>
+                <a:spcPts val="0"/>
+              </a:spcBef>
+              <a:spcAft>
+                <a:spcPts val="0"/>
+              </a:spcAft>
+              <a:buClr>
+                <a:schemeClr val="dk1"/>
+              </a:buClr>
+              <a:buSzPts val="1100"/>
+              <a:buFont typeface="Arial"/>
+              <a:buNone/>
+            </a:pPr>
+            <a:r>
+              <a:rPr b="1" lang="en" sz="2400">
+                <a:solidFill>
+                  <a:schemeClr val="dk1"/>
+                </a:solidFill>
+                <a:latin typeface="Times New Roman"/>
+                <a:ea typeface="Times New Roman"/>
+                <a:cs typeface="Times New Roman"/>
+                <a:sym typeface="Times New Roman"/>
+              </a:rPr>
+              <a:t>Mom:</a:t>
+            </a:r>
+            <a:r>
+              <a:rPr lang="en" sz="2400">
+                <a:solidFill>
+                  <a:schemeClr val="dk1"/>
+                </a:solidFill>
+                <a:latin typeface="Times New Roman"/>
+                <a:ea typeface="Times New Roman"/>
+                <a:cs typeface="Times New Roman"/>
+                <a:sym typeface="Times New Roman"/>
+              </a:rPr>
+              <a:t> "</a:t>
+            </a:r>
+            <a:r>
+              <a:rPr i="1" lang="en" sz="2400">
+                <a:solidFill>
+                  <a:schemeClr val="dk1"/>
+                </a:solidFill>
+                <a:latin typeface="Times New Roman"/>
+                <a:ea typeface="Times New Roman"/>
+                <a:cs typeface="Times New Roman"/>
+                <a:sym typeface="Times New Roman"/>
+              </a:rPr>
+              <a:t>Why did you buy 6 bottles of milk?</a:t>
+            </a:r>
+            <a:r>
+              <a:rPr lang="en" sz="2400">
+                <a:solidFill>
+                  <a:schemeClr val="dk1"/>
+                </a:solidFill>
+                <a:latin typeface="Times New Roman"/>
+                <a:ea typeface="Times New Roman"/>
+                <a:cs typeface="Times New Roman"/>
+                <a:sym typeface="Times New Roman"/>
+              </a:rPr>
+              <a:t>"</a:t>
+            </a:r>
+            <a:endParaRPr sz="2400">
+              <a:solidFill>
+                <a:schemeClr val="dk1"/>
+              </a:solidFill>
+              <a:latin typeface="Times New Roman"/>
+              <a:ea typeface="Times New Roman"/>
+              <a:cs typeface="Times New Roman"/>
+              <a:sym typeface="Times New Roman"/>
+            </a:endParaRPr>
+          </a:p>
+          <a:p>
+            <a:pPr indent="0" lvl="0" marL="0" rtl="0" algn="l">
+              <a:lnSpc>
+                <a:spcPct val="115000"/>
+              </a:lnSpc>
+              <a:spcBef>
+                <a:spcPts val="0"/>
+              </a:spcBef>
+              <a:spcAft>
+                <a:spcPts val="0"/>
+              </a:spcAft>
+              <a:buClr>
+                <a:schemeClr val="dk1"/>
+              </a:buClr>
+              <a:buSzPts val="1100"/>
+              <a:buFont typeface="Arial"/>
+              <a:buNone/>
+            </a:pPr>
+            <a:r>
+              <a:rPr b="1" lang="en" sz="2400">
+                <a:solidFill>
+                  <a:schemeClr val="dk1"/>
+                </a:solidFill>
+                <a:latin typeface="Times New Roman"/>
+                <a:ea typeface="Times New Roman"/>
+                <a:cs typeface="Times New Roman"/>
+                <a:sym typeface="Times New Roman"/>
+              </a:rPr>
+              <a:t>Me:</a:t>
+            </a:r>
+            <a:r>
+              <a:rPr lang="en" sz="2400">
+                <a:solidFill>
+                  <a:schemeClr val="dk1"/>
+                </a:solidFill>
+                <a:latin typeface="Times New Roman"/>
+                <a:ea typeface="Times New Roman"/>
+                <a:cs typeface="Times New Roman"/>
+                <a:sym typeface="Times New Roman"/>
+              </a:rPr>
+              <a:t> "</a:t>
+            </a:r>
+            <a:r>
+              <a:rPr i="1" lang="en" sz="2400">
+                <a:solidFill>
+                  <a:schemeClr val="dk1"/>
+                </a:solidFill>
+                <a:latin typeface="Times New Roman"/>
+                <a:ea typeface="Times New Roman"/>
+                <a:cs typeface="Times New Roman"/>
+                <a:sym typeface="Times New Roman"/>
+              </a:rPr>
+              <a:t>Because they had eggs</a:t>
+            </a:r>
+            <a:r>
+              <a:rPr lang="en" sz="2400">
+                <a:solidFill>
+                  <a:schemeClr val="dk1"/>
+                </a:solidFill>
+                <a:latin typeface="Times New Roman"/>
+                <a:ea typeface="Times New Roman"/>
+                <a:cs typeface="Times New Roman"/>
+                <a:sym typeface="Times New Roman"/>
+              </a:rPr>
+              <a:t>"</a:t>
+            </a:r>
+            <a:endParaRPr sz="2400">
+              <a:solidFill>
+                <a:schemeClr val="dk1"/>
+              </a:solidFill>
+              <a:latin typeface="Times New Roman"/>
+              <a:ea typeface="Times New Roman"/>
+              <a:cs typeface="Times New Roman"/>
+              <a:sym typeface="Times New Roman"/>
+            </a:endParaRPr>
+          </a:p>
+        </p:txBody>
+      </p:sp>
+    </p:spTree>
+  </p:cSld>
+  <p:clrMapOvr>
+    <a:masterClrMapping/>
+  </p:clrMapOvr>
+</p:sld>
+</file>
+
+<file path=ppt/slides/slide8.xml><?xml version="1.0" encoding="utf-8"?>
+<p:sld xmlns:a="http://schemas.openxmlformats.org/drawingml/2006/main" xmlns:r="http://schemas.openxmlformats.org/officeDocument/2006/relationships" xmlns:mc="http://schemas.openxmlformats.org/markup-compatibility/2006" xmlns:mv="urn:schemas-microsoft-com:mac:vml" xmlns:p="http://schemas.openxmlformats.org/presentationml/2006/main" xmlns:c="http://schemas.openxmlformats.org/drawingml/2006/chart" xmlns:dgm="http://schemas.openxmlformats.org/drawingml/2006/diagram" xmlns:o="urn:schemas-microsoft-com:office:office" xmlns:v="urn:schemas-microsoft-com:vml" xmlns:pvml="urn:schemas-microsoft-com:office:powerpoint" xmlns:com="http://schemas.openxmlformats.org/drawingml/2006/compatibility" xmlns:p14="http://schemas.microsoft.com/office/powerpoint/2010/main" xmlns:p15="http://schemas.microsoft.com/office/powerpoint/2012/main" xmlns:ahyp="http://schemas.microsoft.com/office/drawing/2018/hyperlinkcolor">
+  <p:cSld>
+    <p:spTree>
+      <p:nvGrpSpPr>
+        <p:cNvPr id="110" name="Shape 110"/>
+        <p:cNvGrpSpPr/>
+        <p:nvPr/>
+      </p:nvGrpSpPr>
+      <p:grpSpPr>
+        <a:xfrm>
+          <a:off x="0" y="0"/>
+          <a:ext cx="0" cy="0"/>
+          <a:chOff x="0" y="0"/>
+          <a:chExt cx="0" cy="0"/>
+        </a:xfrm>
+      </p:grpSpPr>
+      <p:sp>
+        <p:nvSpPr>
+          <p:cNvPr id="111" name="Google Shape;111;p21"/>
+          <p:cNvSpPr txBox="1"/>
+          <p:nvPr>
+            <p:ph type="title"/>
+          </p:nvPr>
+        </p:nvSpPr>
+        <p:spPr>
+          <a:xfrm>
+            <a:off x="0" y="0"/>
+            <a:ext cx="9144000" cy="572700"/>
+          </a:xfrm>
+          <a:prstGeom prst="rect">
+            <a:avLst/>
+          </a:prstGeom>
+        </p:spPr>
+        <p:txBody>
+          <a:bodyPr anchorCtr="0" anchor="t" bIns="91425" lIns="91425" spcFirstLastPara="1" rIns="91425" wrap="square" tIns="91425">
+            <a:noAutofit/>
+          </a:bodyPr>
+          <a:lstStyle/>
+          <a:p>
+            <a:pPr indent="0" lvl="0" marL="0" rtl="0" algn="l">
+              <a:spcBef>
+                <a:spcPts val="0"/>
+              </a:spcBef>
+              <a:spcAft>
+                <a:spcPts val="0"/>
+              </a:spcAft>
+              <a:buSzPts val="990"/>
+              <a:buNone/>
+            </a:pPr>
+            <a:r>
+              <a:rPr b="1" lang="en" sz="3020">
+                <a:latin typeface="Times New Roman"/>
+                <a:ea typeface="Times New Roman"/>
+                <a:cs typeface="Times New Roman"/>
+                <a:sym typeface="Times New Roman"/>
+              </a:rPr>
+              <a:t>Comparison</a:t>
+            </a:r>
+            <a:endParaRPr b="1" sz="3020">
+              <a:latin typeface="Times New Roman"/>
+              <a:ea typeface="Times New Roman"/>
+              <a:cs typeface="Times New Roman"/>
+              <a:sym typeface="Times New Roman"/>
+            </a:endParaRPr>
+          </a:p>
+        </p:txBody>
+      </p:sp>
+      <p:sp>
+        <p:nvSpPr>
+          <p:cNvPr id="112" name="Google Shape;112;p21"/>
+          <p:cNvSpPr txBox="1"/>
+          <p:nvPr/>
+        </p:nvSpPr>
+        <p:spPr>
+          <a:xfrm>
+            <a:off x="-12" y="4767600"/>
+            <a:ext cx="9144000" cy="375900"/>
+          </a:xfrm>
+          <a:prstGeom prst="rect">
+            <a:avLst/>
+          </a:prstGeom>
+          <a:noFill/>
+          <a:ln>
+            <a:noFill/>
+          </a:ln>
+        </p:spPr>
+        <p:txBody>
+          <a:bodyPr anchorCtr="0" anchor="t" bIns="91425" lIns="91425" spcFirstLastPara="1" rIns="91425" wrap="square" tIns="91425">
+            <a:spAutoFit/>
+          </a:bodyPr>
+          <a:lstStyle/>
+          <a:p>
+            <a:pPr indent="0" lvl="0" marL="12700" marR="259715" rtl="0" algn="ctr">
+              <a:lnSpc>
+                <a:spcPct val="88700"/>
+              </a:lnSpc>
+              <a:spcBef>
+                <a:spcPts val="0"/>
+              </a:spcBef>
+              <a:spcAft>
+                <a:spcPts val="0"/>
+              </a:spcAft>
+              <a:buNone/>
+            </a:pPr>
+            <a:r>
+              <a:rPr b="1" lang="en">
+                <a:solidFill>
+                  <a:schemeClr val="dk1"/>
+                </a:solidFill>
+                <a:latin typeface="Times New Roman"/>
+                <a:ea typeface="Times New Roman"/>
+                <a:cs typeface="Times New Roman"/>
+                <a:sym typeface="Times New Roman"/>
+              </a:rPr>
+              <a:t>1.html</a:t>
+            </a:r>
+            <a:endParaRPr b="1">
+              <a:solidFill>
+                <a:schemeClr val="dk1"/>
+              </a:solidFill>
+              <a:latin typeface="Times New Roman"/>
+              <a:ea typeface="Times New Roman"/>
+              <a:cs typeface="Times New Roman"/>
+              <a:sym typeface="Times New Roman"/>
+            </a:endParaRPr>
+          </a:p>
+        </p:txBody>
+      </p:sp>
+      <p:sp>
+        <p:nvSpPr>
+          <p:cNvPr id="113" name="Google Shape;113;p21"/>
+          <p:cNvSpPr/>
+          <p:nvPr/>
+        </p:nvSpPr>
+        <p:spPr>
+          <a:xfrm>
+            <a:off x="-125" y="572700"/>
+            <a:ext cx="9144000" cy="4194900"/>
+          </a:xfrm>
+          <a:prstGeom prst="rect">
+            <a:avLst/>
+          </a:prstGeom>
+          <a:noFill/>
+          <a:ln>
+            <a:noFill/>
+          </a:ln>
+        </p:spPr>
+        <p:txBody>
+          <a:bodyPr anchorCtr="0" anchor="t" bIns="91425" lIns="91425" spcFirstLastPara="1" rIns="91425" wrap="square" tIns="91425">
+            <a:noAutofit/>
+          </a:bodyPr>
+          <a:lstStyle/>
+          <a:p>
+            <a:pPr indent="0" lvl="0" marL="0" rtl="0" algn="l">
+              <a:spcBef>
+                <a:spcPts val="0"/>
+              </a:spcBef>
+              <a:spcAft>
+                <a:spcPts val="0"/>
+              </a:spcAft>
+              <a:buNone/>
+            </a:pPr>
+            <a:r>
+              <a:t/>
+            </a:r>
+            <a:endParaRPr sz="2400">
+              <a:latin typeface="Courier New"/>
+              <a:ea typeface="Courier New"/>
+              <a:cs typeface="Courier New"/>
+              <a:sym typeface="Courier New"/>
+            </a:endParaRPr>
+          </a:p>
+        </p:txBody>
+      </p:sp>
+      <p:pic>
+        <p:nvPicPr>
+          <p:cNvPr id="114" name="Google Shape;114;p21"/>
+          <p:cNvPicPr preferRelativeResize="0"/>
+          <p:nvPr/>
+        </p:nvPicPr>
+        <p:blipFill rotWithShape="1">
+          <a:blip r:embed="rId3">
+            <a:alphaModFix/>
+          </a:blip>
+          <a:srcRect b="39239" l="0" r="0" t="12808"/>
+          <a:stretch/>
+        </p:blipFill>
+        <p:spPr>
+          <a:xfrm>
+            <a:off x="0" y="572700"/>
+            <a:ext cx="2799808" cy="2076374"/>
+          </a:xfrm>
+          <a:prstGeom prst="rect">
+            <a:avLst/>
+          </a:prstGeom>
+          <a:noFill/>
+          <a:ln>
+            <a:noFill/>
+          </a:ln>
+        </p:spPr>
+      </p:pic>
+      <p:sp>
+        <p:nvSpPr>
+          <p:cNvPr id="115" name="Google Shape;115;p21"/>
+          <p:cNvSpPr/>
+          <p:nvPr/>
+        </p:nvSpPr>
+        <p:spPr>
+          <a:xfrm>
+            <a:off x="-125" y="2649075"/>
+            <a:ext cx="9144000" cy="2118900"/>
+          </a:xfrm>
+          <a:prstGeom prst="rect">
+            <a:avLst/>
+          </a:prstGeom>
+          <a:noFill/>
+          <a:ln>
+            <a:noFill/>
+          </a:ln>
+        </p:spPr>
+        <p:txBody>
+          <a:bodyPr anchorCtr="0" anchor="t" bIns="91425" lIns="91425" spcFirstLastPara="1" rIns="91425" wrap="square" tIns="91425">
+            <a:noAutofit/>
+          </a:bodyPr>
+          <a:lstStyle/>
+          <a:p>
+            <a:pPr indent="0" lvl="0" marL="0" rtl="0" algn="l">
+              <a:lnSpc>
+                <a:spcPct val="115000"/>
+              </a:lnSpc>
+              <a:spcBef>
+                <a:spcPts val="0"/>
+              </a:spcBef>
+              <a:spcAft>
+                <a:spcPts val="0"/>
+              </a:spcAft>
+              <a:buNone/>
+            </a:pPr>
+            <a:r>
+              <a:rPr b="1" lang="en" sz="2400">
+                <a:solidFill>
+                  <a:schemeClr val="dk1"/>
+                </a:solidFill>
+                <a:latin typeface="Times New Roman"/>
+                <a:ea typeface="Times New Roman"/>
+                <a:cs typeface="Times New Roman"/>
+                <a:sym typeface="Times New Roman"/>
+              </a:rPr>
+              <a:t>Mom:</a:t>
+            </a:r>
+            <a:r>
+              <a:rPr lang="en" sz="2400">
+                <a:solidFill>
+                  <a:schemeClr val="dk1"/>
+                </a:solidFill>
+                <a:latin typeface="Times New Roman"/>
+                <a:ea typeface="Times New Roman"/>
+                <a:cs typeface="Times New Roman"/>
+                <a:sym typeface="Times New Roman"/>
+              </a:rPr>
+              <a:t> "</a:t>
+            </a:r>
+            <a:r>
+              <a:rPr i="1" lang="en" sz="2400">
+                <a:solidFill>
+                  <a:schemeClr val="dk1"/>
+                </a:solidFill>
+                <a:latin typeface="Times New Roman"/>
+                <a:ea typeface="Times New Roman"/>
+                <a:cs typeface="Times New Roman"/>
+                <a:sym typeface="Times New Roman"/>
+              </a:rPr>
+              <a:t>Honey, please go to the market and buy 1 bottle of milk. </a:t>
+            </a:r>
+            <a:endParaRPr i="1" sz="2400">
+              <a:solidFill>
+                <a:schemeClr val="dk1"/>
+              </a:solidFill>
+              <a:latin typeface="Times New Roman"/>
+              <a:ea typeface="Times New Roman"/>
+              <a:cs typeface="Times New Roman"/>
+              <a:sym typeface="Times New Roman"/>
+            </a:endParaRPr>
+          </a:p>
+          <a:p>
+            <a:pPr indent="0" lvl="0" marL="0" rtl="0" algn="l">
+              <a:lnSpc>
+                <a:spcPct val="115000"/>
+              </a:lnSpc>
+              <a:spcBef>
+                <a:spcPts val="0"/>
+              </a:spcBef>
+              <a:spcAft>
+                <a:spcPts val="0"/>
+              </a:spcAft>
+              <a:buNone/>
+            </a:pPr>
+            <a:r>
+              <a:rPr i="1" lang="en" sz="2400">
+                <a:solidFill>
+                  <a:schemeClr val="dk1"/>
+                </a:solidFill>
+                <a:latin typeface="Times New Roman"/>
+                <a:ea typeface="Times New Roman"/>
+                <a:cs typeface="Times New Roman"/>
+                <a:sym typeface="Times New Roman"/>
+              </a:rPr>
+              <a:t>If they have eggs, bring 6</a:t>
+            </a:r>
+            <a:r>
+              <a:rPr lang="en" sz="2400">
+                <a:solidFill>
+                  <a:schemeClr val="dk1"/>
+                </a:solidFill>
+                <a:latin typeface="Times New Roman"/>
+                <a:ea typeface="Times New Roman"/>
+                <a:cs typeface="Times New Roman"/>
+                <a:sym typeface="Times New Roman"/>
+              </a:rPr>
+              <a:t>".</a:t>
+            </a:r>
+            <a:endParaRPr sz="2400">
+              <a:solidFill>
+                <a:schemeClr val="dk1"/>
+              </a:solidFill>
+              <a:latin typeface="Times New Roman"/>
+              <a:ea typeface="Times New Roman"/>
+              <a:cs typeface="Times New Roman"/>
+              <a:sym typeface="Times New Roman"/>
+            </a:endParaRPr>
+          </a:p>
+          <a:p>
+            <a:pPr indent="0" lvl="0" marL="0" rtl="0" algn="l">
+              <a:lnSpc>
+                <a:spcPct val="115000"/>
+              </a:lnSpc>
+              <a:spcBef>
+                <a:spcPts val="0"/>
+              </a:spcBef>
+              <a:spcAft>
+                <a:spcPts val="0"/>
+              </a:spcAft>
+              <a:buNone/>
+            </a:pPr>
+            <a:r>
+              <a:rPr lang="en" sz="2400">
+                <a:solidFill>
+                  <a:schemeClr val="dk1"/>
+                </a:solidFill>
+                <a:latin typeface="Times New Roman"/>
+                <a:ea typeface="Times New Roman"/>
+                <a:cs typeface="Times New Roman"/>
+                <a:sym typeface="Times New Roman"/>
+              </a:rPr>
+              <a:t>I came back with 6 bottles of milk.</a:t>
+            </a:r>
+            <a:endParaRPr sz="2400">
+              <a:solidFill>
+                <a:schemeClr val="dk1"/>
+              </a:solidFill>
+              <a:latin typeface="Times New Roman"/>
+              <a:ea typeface="Times New Roman"/>
+              <a:cs typeface="Times New Roman"/>
+              <a:sym typeface="Times New Roman"/>
+            </a:endParaRPr>
+          </a:p>
+          <a:p>
+            <a:pPr indent="0" lvl="0" marL="0" rtl="0" algn="l">
+              <a:lnSpc>
+                <a:spcPct val="115000"/>
+              </a:lnSpc>
+              <a:spcBef>
+                <a:spcPts val="0"/>
+              </a:spcBef>
+              <a:spcAft>
+                <a:spcPts val="0"/>
+              </a:spcAft>
+              <a:buNone/>
+            </a:pPr>
+            <a:r>
+              <a:rPr b="1" lang="en" sz="2400">
+                <a:solidFill>
+                  <a:schemeClr val="dk1"/>
+                </a:solidFill>
+                <a:latin typeface="Times New Roman"/>
+                <a:ea typeface="Times New Roman"/>
+                <a:cs typeface="Times New Roman"/>
+                <a:sym typeface="Times New Roman"/>
+              </a:rPr>
+              <a:t>Mom:</a:t>
+            </a:r>
+            <a:r>
+              <a:rPr lang="en" sz="2400">
+                <a:solidFill>
+                  <a:schemeClr val="dk1"/>
+                </a:solidFill>
+                <a:latin typeface="Times New Roman"/>
+                <a:ea typeface="Times New Roman"/>
+                <a:cs typeface="Times New Roman"/>
+                <a:sym typeface="Times New Roman"/>
+              </a:rPr>
+              <a:t> "</a:t>
+            </a:r>
+            <a:r>
+              <a:rPr i="1" lang="en" sz="2400">
+                <a:solidFill>
+                  <a:schemeClr val="dk1"/>
+                </a:solidFill>
+                <a:latin typeface="Times New Roman"/>
+                <a:ea typeface="Times New Roman"/>
+                <a:cs typeface="Times New Roman"/>
+                <a:sym typeface="Times New Roman"/>
+              </a:rPr>
+              <a:t>Why did you buy 6 bottles of milk?</a:t>
+            </a:r>
+            <a:r>
+              <a:rPr lang="en" sz="2400">
+                <a:solidFill>
+                  <a:schemeClr val="dk1"/>
+                </a:solidFill>
+                <a:latin typeface="Times New Roman"/>
+                <a:ea typeface="Times New Roman"/>
+                <a:cs typeface="Times New Roman"/>
+                <a:sym typeface="Times New Roman"/>
+              </a:rPr>
+              <a:t>"</a:t>
+            </a:r>
+            <a:endParaRPr sz="2400">
+              <a:solidFill>
+                <a:schemeClr val="dk1"/>
+              </a:solidFill>
+              <a:latin typeface="Times New Roman"/>
+              <a:ea typeface="Times New Roman"/>
+              <a:cs typeface="Times New Roman"/>
+              <a:sym typeface="Times New Roman"/>
+            </a:endParaRPr>
+          </a:p>
+          <a:p>
+            <a:pPr indent="0" lvl="0" marL="0" rtl="0" algn="l">
+              <a:lnSpc>
+                <a:spcPct val="115000"/>
+              </a:lnSpc>
+              <a:spcBef>
+                <a:spcPts val="0"/>
+              </a:spcBef>
+              <a:spcAft>
+                <a:spcPts val="0"/>
+              </a:spcAft>
+              <a:buNone/>
+            </a:pPr>
+            <a:r>
+              <a:rPr b="1" lang="en" sz="2400">
+                <a:solidFill>
+                  <a:schemeClr val="dk1"/>
+                </a:solidFill>
+                <a:latin typeface="Times New Roman"/>
+                <a:ea typeface="Times New Roman"/>
+                <a:cs typeface="Times New Roman"/>
+                <a:sym typeface="Times New Roman"/>
+              </a:rPr>
+              <a:t>Me:</a:t>
+            </a:r>
+            <a:r>
+              <a:rPr lang="en" sz="2400">
+                <a:solidFill>
+                  <a:schemeClr val="dk1"/>
+                </a:solidFill>
+                <a:latin typeface="Times New Roman"/>
+                <a:ea typeface="Times New Roman"/>
+                <a:cs typeface="Times New Roman"/>
+                <a:sym typeface="Times New Roman"/>
+              </a:rPr>
+              <a:t> "</a:t>
+            </a:r>
+            <a:r>
+              <a:rPr i="1" lang="en" sz="2400">
+                <a:solidFill>
+                  <a:schemeClr val="dk1"/>
+                </a:solidFill>
+                <a:latin typeface="Times New Roman"/>
+                <a:ea typeface="Times New Roman"/>
+                <a:cs typeface="Times New Roman"/>
+                <a:sym typeface="Times New Roman"/>
+              </a:rPr>
+              <a:t>Because they had eggs</a:t>
+            </a:r>
+            <a:r>
+              <a:rPr lang="en" sz="2400">
+                <a:solidFill>
+                  <a:schemeClr val="dk1"/>
+                </a:solidFill>
+                <a:latin typeface="Times New Roman"/>
+                <a:ea typeface="Times New Roman"/>
+                <a:cs typeface="Times New Roman"/>
+                <a:sym typeface="Times New Roman"/>
+              </a:rPr>
+              <a:t>"</a:t>
+            </a:r>
+            <a:endParaRPr sz="2400">
+              <a:solidFill>
+                <a:schemeClr val="dk1"/>
+              </a:solidFill>
+              <a:latin typeface="Times New Roman"/>
+              <a:ea typeface="Times New Roman"/>
+              <a:cs typeface="Times New Roman"/>
+              <a:sym typeface="Times New Roman"/>
+            </a:endParaRPr>
+          </a:p>
+        </p:txBody>
+      </p:sp>
+      <p:sp>
+        <p:nvSpPr>
+          <p:cNvPr id="116" name="Google Shape;116;p21"/>
+          <p:cNvSpPr/>
+          <p:nvPr/>
+        </p:nvSpPr>
+        <p:spPr>
+          <a:xfrm>
+            <a:off x="2799800" y="572700"/>
+            <a:ext cx="5483700" cy="2076300"/>
+          </a:xfrm>
+          <a:prstGeom prst="rect">
+            <a:avLst/>
+          </a:prstGeom>
+          <a:noFill/>
+          <a:ln>
+            <a:noFill/>
+          </a:ln>
+        </p:spPr>
+        <p:txBody>
+          <a:bodyPr anchorCtr="0" anchor="t" bIns="91425" lIns="91425" spcFirstLastPara="1" rIns="91425" wrap="square" tIns="91425">
+            <a:noAutofit/>
+          </a:bodyPr>
+          <a:lstStyle/>
+          <a:p>
+            <a:pPr indent="0" lvl="0" marL="0" rtl="0" algn="l">
+              <a:spcBef>
+                <a:spcPts val="0"/>
+              </a:spcBef>
+              <a:spcAft>
+                <a:spcPts val="0"/>
+              </a:spcAft>
+              <a:buNone/>
+            </a:pPr>
+            <a:r>
+              <a:rPr b="1" lang="en">
+                <a:latin typeface="Courier New"/>
+                <a:ea typeface="Courier New"/>
+                <a:cs typeface="Courier New"/>
+                <a:sym typeface="Courier New"/>
+              </a:rPr>
+              <a:t>if(eggs == true)</a:t>
+            </a:r>
+            <a:endParaRPr b="1">
+              <a:latin typeface="Courier New"/>
+              <a:ea typeface="Courier New"/>
+              <a:cs typeface="Courier New"/>
+              <a:sym typeface="Courier New"/>
+            </a:endParaRPr>
+          </a:p>
+          <a:p>
+            <a:pPr indent="0" lvl="0" marL="0" rtl="0" algn="l">
+              <a:spcBef>
+                <a:spcPts val="0"/>
+              </a:spcBef>
+              <a:spcAft>
+                <a:spcPts val="0"/>
+              </a:spcAft>
+              <a:buNone/>
+            </a:pPr>
+            <a:r>
+              <a:rPr b="1" lang="en">
+                <a:latin typeface="Courier New"/>
+                <a:ea typeface="Courier New"/>
+                <a:cs typeface="Courier New"/>
+                <a:sym typeface="Courier New"/>
+              </a:rPr>
+              <a:t>{</a:t>
+            </a:r>
+            <a:endParaRPr b="1">
+              <a:latin typeface="Courier New"/>
+              <a:ea typeface="Courier New"/>
+              <a:cs typeface="Courier New"/>
+              <a:sym typeface="Courier New"/>
+            </a:endParaRPr>
+          </a:p>
+          <a:p>
+            <a:pPr indent="457200" lvl="0" marL="0" rtl="0" algn="l">
+              <a:spcBef>
+                <a:spcPts val="0"/>
+              </a:spcBef>
+              <a:spcAft>
+                <a:spcPts val="0"/>
+              </a:spcAft>
+              <a:buNone/>
+            </a:pPr>
+            <a:r>
+              <a:rPr b="1" lang="en">
+                <a:latin typeface="Courier New"/>
+                <a:ea typeface="Courier New"/>
+                <a:cs typeface="Courier New"/>
+                <a:sym typeface="Courier New"/>
+              </a:rPr>
+              <a:t>buy 6 bottles of milk</a:t>
+            </a:r>
+            <a:br>
+              <a:rPr b="1" lang="en">
+                <a:latin typeface="Courier New"/>
+                <a:ea typeface="Courier New"/>
+                <a:cs typeface="Courier New"/>
+                <a:sym typeface="Courier New"/>
+              </a:rPr>
+            </a:br>
+            <a:r>
+              <a:rPr b="1" lang="en">
+                <a:latin typeface="Courier New"/>
+                <a:ea typeface="Courier New"/>
+                <a:cs typeface="Courier New"/>
+                <a:sym typeface="Courier New"/>
+              </a:rPr>
+              <a:t>}</a:t>
+            </a:r>
+            <a:endParaRPr b="1">
+              <a:latin typeface="Courier New"/>
+              <a:ea typeface="Courier New"/>
+              <a:cs typeface="Courier New"/>
+              <a:sym typeface="Courier New"/>
+            </a:endParaRPr>
+          </a:p>
+          <a:p>
+            <a:pPr indent="0" lvl="0" marL="0" rtl="0" algn="l">
+              <a:spcBef>
+                <a:spcPts val="0"/>
+              </a:spcBef>
+              <a:spcAft>
+                <a:spcPts val="0"/>
+              </a:spcAft>
+              <a:buNone/>
+            </a:pPr>
+            <a:r>
+              <a:rPr b="1" lang="en">
+                <a:latin typeface="Courier New"/>
+                <a:ea typeface="Courier New"/>
+                <a:cs typeface="Courier New"/>
+                <a:sym typeface="Courier New"/>
+              </a:rPr>
+              <a:t>else</a:t>
+            </a:r>
+            <a:endParaRPr b="1">
+              <a:latin typeface="Courier New"/>
+              <a:ea typeface="Courier New"/>
+              <a:cs typeface="Courier New"/>
+              <a:sym typeface="Courier New"/>
+            </a:endParaRPr>
+          </a:p>
+          <a:p>
+            <a:pPr indent="0" lvl="0" marL="0" rtl="0" algn="l">
+              <a:spcBef>
+                <a:spcPts val="0"/>
+              </a:spcBef>
+              <a:spcAft>
+                <a:spcPts val="0"/>
+              </a:spcAft>
+              <a:buNone/>
+            </a:pPr>
+            <a:r>
+              <a:rPr b="1" lang="en">
+                <a:latin typeface="Courier New"/>
+                <a:ea typeface="Courier New"/>
+                <a:cs typeface="Courier New"/>
+                <a:sym typeface="Courier New"/>
+              </a:rPr>
+              <a:t>{</a:t>
+            </a:r>
+            <a:endParaRPr b="1">
+              <a:latin typeface="Courier New"/>
+              <a:ea typeface="Courier New"/>
+              <a:cs typeface="Courier New"/>
+              <a:sym typeface="Courier New"/>
+            </a:endParaRPr>
+          </a:p>
+          <a:p>
+            <a:pPr indent="457200" lvl="0" marL="0" rtl="0" algn="l">
+              <a:spcBef>
+                <a:spcPts val="0"/>
+              </a:spcBef>
+              <a:spcAft>
+                <a:spcPts val="0"/>
+              </a:spcAft>
+              <a:buNone/>
+            </a:pPr>
+            <a:r>
+              <a:rPr b="1" lang="en">
+                <a:solidFill>
+                  <a:schemeClr val="dk1"/>
+                </a:solidFill>
+                <a:latin typeface="Courier New"/>
+                <a:ea typeface="Courier New"/>
+                <a:cs typeface="Courier New"/>
+                <a:sym typeface="Courier New"/>
+              </a:rPr>
+              <a:t>buy 1 bottle of milk</a:t>
+            </a:r>
+            <a:endParaRPr b="1">
+              <a:latin typeface="Courier New"/>
+              <a:ea typeface="Courier New"/>
+              <a:cs typeface="Courier New"/>
+              <a:sym typeface="Courier New"/>
+            </a:endParaRPr>
+          </a:p>
+          <a:p>
+            <a:pPr indent="0" lvl="0" marL="0" rtl="0" algn="l">
+              <a:spcBef>
+                <a:spcPts val="0"/>
+              </a:spcBef>
+              <a:spcAft>
+                <a:spcPts val="0"/>
+              </a:spcAft>
+              <a:buNone/>
+            </a:pPr>
+            <a:r>
+              <a:rPr b="1" lang="en">
+                <a:latin typeface="Courier New"/>
+                <a:ea typeface="Courier New"/>
+                <a:cs typeface="Courier New"/>
+                <a:sym typeface="Courier New"/>
+              </a:rPr>
+              <a:t>}</a:t>
+            </a:r>
+            <a:endParaRPr b="1">
+              <a:latin typeface="Courier New"/>
+              <a:ea typeface="Courier New"/>
+              <a:cs typeface="Courier New"/>
+              <a:sym typeface="Courier New"/>
+            </a:endParaRPr>
+          </a:p>
+        </p:txBody>
+      </p:sp>
+    </p:spTree>
+  </p:cSld>
+  <p:clrMapOvr>
+    <a:masterClrMapping/>
+  </p:clrMapOvr>
+</p:sld>
+</file>
+
+<file path=ppt/slides/slide9.xml><?xml version="1.0" encoding="utf-8"?>
+<p:sld xmlns:a="http://schemas.openxmlformats.org/drawingml/2006/main" xmlns:r="http://schemas.openxmlformats.org/officeDocument/2006/relationships" xmlns:mc="http://schemas.openxmlformats.org/markup-compatibility/2006" xmlns:mv="urn:schemas-microsoft-com:mac:vml" xmlns:p="http://schemas.openxmlformats.org/presentationml/2006/main" xmlns:c="http://schemas.openxmlformats.org/drawingml/2006/chart" xmlns:dgm="http://schemas.openxmlformats.org/drawingml/2006/diagram" xmlns:o="urn:schemas-microsoft-com:office:office" xmlns:v="urn:schemas-microsoft-com:vml" xmlns:pvml="urn:schemas-microsoft-com:office:powerpoint" xmlns:com="http://schemas.openxmlformats.org/drawingml/2006/compatibility" xmlns:p14="http://schemas.microsoft.com/office/powerpoint/2010/main" xmlns:p15="http://schemas.microsoft.com/office/powerpoint/2012/main" xmlns:ahyp="http://schemas.microsoft.com/office/drawing/2018/hyperlinkcolor">
+  <p:cSld>
+    <p:spTree>
+      <p:nvGrpSpPr>
+        <p:cNvPr id="120" name="Shape 120"/>
+        <p:cNvGrpSpPr/>
+        <p:nvPr/>
+      </p:nvGrpSpPr>
+      <p:grpSpPr>
+        <a:xfrm>
+          <a:off x="0" y="0"/>
+          <a:ext cx="0" cy="0"/>
+          <a:chOff x="0" y="0"/>
+          <a:chExt cx="0" cy="0"/>
+        </a:xfrm>
+      </p:grpSpPr>
+      <p:sp>
+        <p:nvSpPr>
+          <p:cNvPr id="121" name="Google Shape;121;p22"/>
+          <p:cNvSpPr txBox="1"/>
+          <p:nvPr>
+            <p:ph type="title"/>
+          </p:nvPr>
+        </p:nvSpPr>
+        <p:spPr>
+          <a:xfrm>
+            <a:off x="0" y="0"/>
+            <a:ext cx="9144000" cy="572700"/>
+          </a:xfrm>
+          <a:prstGeom prst="rect">
+            <a:avLst/>
+          </a:prstGeom>
+        </p:spPr>
+        <p:txBody>
+          <a:bodyPr anchorCtr="0" anchor="t" bIns="91425" lIns="91425" spcFirstLastPara="1" rIns="91425" wrap="square" tIns="91425">
+            <a:noAutofit/>
+          </a:bodyPr>
+          <a:lstStyle/>
+          <a:p>
+            <a:pPr indent="0" lvl="0" marL="0" rtl="0" algn="l">
+              <a:spcBef>
+                <a:spcPts val="0"/>
+              </a:spcBef>
+              <a:spcAft>
+                <a:spcPts val="0"/>
+              </a:spcAft>
+              <a:buSzPts val="990"/>
+              <a:buNone/>
+            </a:pPr>
+            <a:r>
+              <a:rPr b="1" lang="en" sz="3020">
+                <a:latin typeface="Times New Roman"/>
+                <a:ea typeface="Times New Roman"/>
+                <a:cs typeface="Times New Roman"/>
+                <a:sym typeface="Times New Roman"/>
+              </a:rPr>
+              <a:t>Comparison</a:t>
+            </a:r>
+            <a:endParaRPr b="1" sz="3020">
+              <a:latin typeface="Times New Roman"/>
+              <a:ea typeface="Times New Roman"/>
+              <a:cs typeface="Times New Roman"/>
+              <a:sym typeface="Times New Roman"/>
+            </a:endParaRPr>
+          </a:p>
+        </p:txBody>
+      </p:sp>
+      <p:sp>
+        <p:nvSpPr>
+          <p:cNvPr id="122" name="Google Shape;122;p22"/>
+          <p:cNvSpPr txBox="1"/>
+          <p:nvPr/>
+        </p:nvSpPr>
+        <p:spPr>
+          <a:xfrm>
+            <a:off x="-12" y="4767600"/>
+            <a:ext cx="9144000" cy="375900"/>
+          </a:xfrm>
+          <a:prstGeom prst="rect">
+            <a:avLst/>
+          </a:prstGeom>
+          <a:noFill/>
+          <a:ln>
+            <a:noFill/>
+          </a:ln>
+        </p:spPr>
+        <p:txBody>
+          <a:bodyPr anchorCtr="0" anchor="t" bIns="91425" lIns="91425" spcFirstLastPara="1" rIns="91425" wrap="square" tIns="91425">
+            <a:spAutoFit/>
+          </a:bodyPr>
+          <a:lstStyle/>
+          <a:p>
+            <a:pPr indent="0" lvl="0" marL="12700" marR="259715" rtl="0" algn="ctr">
+              <a:lnSpc>
+                <a:spcPct val="88700"/>
+              </a:lnSpc>
+              <a:spcBef>
+                <a:spcPts val="0"/>
+              </a:spcBef>
+              <a:spcAft>
+                <a:spcPts val="0"/>
+              </a:spcAft>
+              <a:buNone/>
+            </a:pPr>
+            <a:r>
+              <a:rPr b="1" lang="en">
+                <a:solidFill>
+                  <a:schemeClr val="dk1"/>
+                </a:solidFill>
+                <a:latin typeface="Times New Roman"/>
+                <a:ea typeface="Times New Roman"/>
+                <a:cs typeface="Times New Roman"/>
+                <a:sym typeface="Times New Roman"/>
+              </a:rPr>
+              <a:t>1.html</a:t>
+            </a:r>
+            <a:endParaRPr b="1">
+              <a:solidFill>
+                <a:schemeClr val="dk1"/>
+              </a:solidFill>
+              <a:latin typeface="Times New Roman"/>
+              <a:ea typeface="Times New Roman"/>
+              <a:cs typeface="Times New Roman"/>
+              <a:sym typeface="Times New Roman"/>
+            </a:endParaRPr>
+          </a:p>
+        </p:txBody>
+      </p:sp>
+      <p:sp>
+        <p:nvSpPr>
+          <p:cNvPr id="123" name="Google Shape;123;p22"/>
+          <p:cNvSpPr/>
+          <p:nvPr/>
+        </p:nvSpPr>
+        <p:spPr>
+          <a:xfrm>
+            <a:off x="-125" y="572700"/>
+            <a:ext cx="9144000" cy="4194900"/>
+          </a:xfrm>
+          <a:prstGeom prst="rect">
+            <a:avLst/>
+          </a:prstGeom>
+          <a:noFill/>
+          <a:ln>
+            <a:noFill/>
+          </a:ln>
+        </p:spPr>
+        <p:txBody>
+          <a:bodyPr anchorCtr="0" anchor="t" bIns="91425" lIns="91425" spcFirstLastPara="1" rIns="91425" wrap="square" tIns="91425">
+            <a:noAutofit/>
+          </a:bodyPr>
+          <a:lstStyle/>
+          <a:p>
+            <a:pPr indent="0" lvl="0" marL="0" rtl="0" algn="l">
+              <a:spcBef>
+                <a:spcPts val="0"/>
+              </a:spcBef>
+              <a:spcAft>
+                <a:spcPts val="0"/>
+              </a:spcAft>
+              <a:buNone/>
+            </a:pPr>
+            <a:r>
               <a:rPr lang="en" sz="2400">
                 <a:solidFill>
                   <a:schemeClr val="dk1"/>
@@ -18184,7 +20904,7 @@
       </p:sp>
       <p:sp>
         <p:nvSpPr>
-          <p:cNvPr id="105" name="Google Shape;105;p20"/>
+          <p:cNvPr id="124" name="Google Shape;124;p22"/>
           <p:cNvSpPr/>
           <p:nvPr/>
         </p:nvSpPr>
@@ -18389,1175 +21109,6 @@
               <a:ea typeface="Times New Roman"/>
               <a:cs typeface="Times New Roman"/>
               <a:sym typeface="Times New Roman"/>
-            </a:endParaRPr>
-          </a:p>
-        </p:txBody>
-      </p:sp>
-    </p:spTree>
-  </p:cSld>
-  <p:clrMapOvr>
-    <a:masterClrMapping/>
-  </p:clrMapOvr>
-</p:sld>
-</file>
-
-<file path=ppt/slides/slide8.xml><?xml version="1.0" encoding="utf-8"?>
-<p:sld xmlns:a="http://schemas.openxmlformats.org/drawingml/2006/main" xmlns:r="http://schemas.openxmlformats.org/officeDocument/2006/relationships" xmlns:mc="http://schemas.openxmlformats.org/markup-compatibility/2006" xmlns:mv="urn:schemas-microsoft-com:mac:vml" xmlns:p="http://schemas.openxmlformats.org/presentationml/2006/main" xmlns:c="http://schemas.openxmlformats.org/drawingml/2006/chart" xmlns:dgm="http://schemas.openxmlformats.org/drawingml/2006/diagram" xmlns:o="urn:schemas-microsoft-com:office:office" xmlns:v="urn:schemas-microsoft-com:vml" xmlns:pvml="urn:schemas-microsoft-com:office:powerpoint" xmlns:com="http://schemas.openxmlformats.org/drawingml/2006/compatibility" xmlns:p14="http://schemas.microsoft.com/office/powerpoint/2010/main" xmlns:p15="http://schemas.microsoft.com/office/powerpoint/2012/main" xmlns:ahyp="http://schemas.microsoft.com/office/drawing/2018/hyperlinkcolor">
-  <p:cSld>
-    <p:spTree>
-      <p:nvGrpSpPr>
-        <p:cNvPr id="109" name="Shape 109"/>
-        <p:cNvGrpSpPr/>
-        <p:nvPr/>
-      </p:nvGrpSpPr>
-      <p:grpSpPr>
-        <a:xfrm>
-          <a:off x="0" y="0"/>
-          <a:ext cx="0" cy="0"/>
-          <a:chOff x="0" y="0"/>
-          <a:chExt cx="0" cy="0"/>
-        </a:xfrm>
-      </p:grpSpPr>
-      <p:sp>
-        <p:nvSpPr>
-          <p:cNvPr id="110" name="Google Shape;110;p21"/>
-          <p:cNvSpPr txBox="1"/>
-          <p:nvPr>
-            <p:ph type="title"/>
-          </p:nvPr>
-        </p:nvSpPr>
-        <p:spPr>
-          <a:xfrm>
-            <a:off x="0" y="0"/>
-            <a:ext cx="9144000" cy="572700"/>
-          </a:xfrm>
-          <a:prstGeom prst="rect">
-            <a:avLst/>
-          </a:prstGeom>
-        </p:spPr>
-        <p:txBody>
-          <a:bodyPr anchorCtr="0" anchor="t" bIns="91425" lIns="91425" spcFirstLastPara="1" rIns="91425" wrap="square" tIns="91425">
-            <a:noAutofit/>
-          </a:bodyPr>
-          <a:lstStyle/>
-          <a:p>
-            <a:pPr indent="0" lvl="0" marL="0" rtl="0" algn="l">
-              <a:spcBef>
-                <a:spcPts val="0"/>
-              </a:spcBef>
-              <a:spcAft>
-                <a:spcPts val="0"/>
-              </a:spcAft>
-              <a:buSzPts val="990"/>
-              <a:buNone/>
-            </a:pPr>
-            <a:r>
-              <a:rPr b="1" lang="en" sz="3020">
-                <a:latin typeface="Times New Roman"/>
-                <a:ea typeface="Times New Roman"/>
-                <a:cs typeface="Times New Roman"/>
-                <a:sym typeface="Times New Roman"/>
-              </a:rPr>
-              <a:t>Comparison</a:t>
-            </a:r>
-            <a:endParaRPr b="1" sz="3020">
-              <a:latin typeface="Times New Roman"/>
-              <a:ea typeface="Times New Roman"/>
-              <a:cs typeface="Times New Roman"/>
-              <a:sym typeface="Times New Roman"/>
-            </a:endParaRPr>
-          </a:p>
-        </p:txBody>
-      </p:sp>
-      <p:sp>
-        <p:nvSpPr>
-          <p:cNvPr id="111" name="Google Shape;111;p21"/>
-          <p:cNvSpPr txBox="1"/>
-          <p:nvPr/>
-        </p:nvSpPr>
-        <p:spPr>
-          <a:xfrm>
-            <a:off x="-12" y="4767600"/>
-            <a:ext cx="9144000" cy="375900"/>
-          </a:xfrm>
-          <a:prstGeom prst="rect">
-            <a:avLst/>
-          </a:prstGeom>
-          <a:noFill/>
-          <a:ln>
-            <a:noFill/>
-          </a:ln>
-        </p:spPr>
-        <p:txBody>
-          <a:bodyPr anchorCtr="0" anchor="t" bIns="91425" lIns="91425" spcFirstLastPara="1" rIns="91425" wrap="square" tIns="91425">
-            <a:spAutoFit/>
-          </a:bodyPr>
-          <a:lstStyle/>
-          <a:p>
-            <a:pPr indent="0" lvl="0" marL="12700" marR="259715" rtl="0" algn="ctr">
-              <a:lnSpc>
-                <a:spcPct val="88700"/>
-              </a:lnSpc>
-              <a:spcBef>
-                <a:spcPts val="0"/>
-              </a:spcBef>
-              <a:spcAft>
-                <a:spcPts val="0"/>
-              </a:spcAft>
-              <a:buNone/>
-            </a:pPr>
-            <a:r>
-              <a:t/>
-            </a:r>
-            <a:endParaRPr b="1">
-              <a:solidFill>
-                <a:schemeClr val="dk1"/>
-              </a:solidFill>
-              <a:latin typeface="Times New Roman"/>
-              <a:ea typeface="Times New Roman"/>
-              <a:cs typeface="Times New Roman"/>
-              <a:sym typeface="Times New Roman"/>
-            </a:endParaRPr>
-          </a:p>
-        </p:txBody>
-      </p:sp>
-      <p:sp>
-        <p:nvSpPr>
-          <p:cNvPr id="112" name="Google Shape;112;p21"/>
-          <p:cNvSpPr/>
-          <p:nvPr/>
-        </p:nvSpPr>
-        <p:spPr>
-          <a:xfrm>
-            <a:off x="-125" y="572700"/>
-            <a:ext cx="9144000" cy="4194900"/>
-          </a:xfrm>
-          <a:prstGeom prst="rect">
-            <a:avLst/>
-          </a:prstGeom>
-          <a:noFill/>
-          <a:ln>
-            <a:noFill/>
-          </a:ln>
-        </p:spPr>
-        <p:txBody>
-          <a:bodyPr anchorCtr="0" anchor="t" bIns="91425" lIns="91425" spcFirstLastPara="1" rIns="91425" wrap="square" tIns="91425">
-            <a:noAutofit/>
-          </a:bodyPr>
-          <a:lstStyle/>
-          <a:p>
-            <a:pPr indent="0" lvl="0" marL="0" rtl="0" algn="l">
-              <a:spcBef>
-                <a:spcPts val="0"/>
-              </a:spcBef>
-              <a:spcAft>
-                <a:spcPts val="0"/>
-              </a:spcAft>
-              <a:buNone/>
-            </a:pPr>
-            <a:r>
-              <a:rPr lang="en" sz="2400">
-                <a:solidFill>
-                  <a:schemeClr val="dk1"/>
-                </a:solidFill>
-                <a:latin typeface="Courier New"/>
-                <a:ea typeface="Courier New"/>
-                <a:cs typeface="Courier New"/>
-                <a:sym typeface="Courier New"/>
-              </a:rPr>
-              <a:t>if(condition)</a:t>
-            </a:r>
-            <a:endParaRPr sz="2400">
-              <a:solidFill>
-                <a:schemeClr val="dk1"/>
-              </a:solidFill>
-              <a:latin typeface="Courier New"/>
-              <a:ea typeface="Courier New"/>
-              <a:cs typeface="Courier New"/>
-              <a:sym typeface="Courier New"/>
-            </a:endParaRPr>
-          </a:p>
-          <a:p>
-            <a:pPr indent="0" lvl="0" marL="0" rtl="0" algn="l">
-              <a:spcBef>
-                <a:spcPts val="0"/>
-              </a:spcBef>
-              <a:spcAft>
-                <a:spcPts val="0"/>
-              </a:spcAft>
-              <a:buNone/>
-            </a:pPr>
-            <a:r>
-              <a:rPr lang="en" sz="2400">
-                <a:solidFill>
-                  <a:schemeClr val="dk1"/>
-                </a:solidFill>
-                <a:latin typeface="Courier New"/>
-                <a:ea typeface="Courier New"/>
-                <a:cs typeface="Courier New"/>
-                <a:sym typeface="Courier New"/>
-              </a:rPr>
-              <a:t>{</a:t>
-            </a:r>
-            <a:endParaRPr sz="2400">
-              <a:solidFill>
-                <a:schemeClr val="dk1"/>
-              </a:solidFill>
-              <a:latin typeface="Courier New"/>
-              <a:ea typeface="Courier New"/>
-              <a:cs typeface="Courier New"/>
-              <a:sym typeface="Courier New"/>
-            </a:endParaRPr>
-          </a:p>
-          <a:p>
-            <a:pPr indent="457200" lvl="0" marL="0" rtl="0" algn="l">
-              <a:spcBef>
-                <a:spcPts val="0"/>
-              </a:spcBef>
-              <a:spcAft>
-                <a:spcPts val="0"/>
-              </a:spcAft>
-              <a:buNone/>
-            </a:pPr>
-            <a:r>
-              <a:rPr lang="en" sz="2400">
-                <a:solidFill>
-                  <a:schemeClr val="dk1"/>
-                </a:solidFill>
-                <a:latin typeface="Courier New"/>
-                <a:ea typeface="Courier New"/>
-                <a:cs typeface="Courier New"/>
-                <a:sym typeface="Courier New"/>
-              </a:rPr>
-              <a:t>statement 1</a:t>
-            </a:r>
-            <a:endParaRPr sz="2400">
-              <a:solidFill>
-                <a:schemeClr val="dk1"/>
-              </a:solidFill>
-              <a:latin typeface="Courier New"/>
-              <a:ea typeface="Courier New"/>
-              <a:cs typeface="Courier New"/>
-              <a:sym typeface="Courier New"/>
-            </a:endParaRPr>
-          </a:p>
-          <a:p>
-            <a:pPr indent="0" lvl="0" marL="0" rtl="0" algn="l">
-              <a:spcBef>
-                <a:spcPts val="0"/>
-              </a:spcBef>
-              <a:spcAft>
-                <a:spcPts val="0"/>
-              </a:spcAft>
-              <a:buNone/>
-            </a:pPr>
-            <a:r>
-              <a:rPr lang="en" sz="2400">
-                <a:solidFill>
-                  <a:schemeClr val="dk1"/>
-                </a:solidFill>
-                <a:latin typeface="Courier New"/>
-                <a:ea typeface="Courier New"/>
-                <a:cs typeface="Courier New"/>
-                <a:sym typeface="Courier New"/>
-              </a:rPr>
-              <a:t>}</a:t>
-            </a:r>
-            <a:endParaRPr sz="2400">
-              <a:solidFill>
-                <a:schemeClr val="dk1"/>
-              </a:solidFill>
-              <a:latin typeface="Courier New"/>
-              <a:ea typeface="Courier New"/>
-              <a:cs typeface="Courier New"/>
-              <a:sym typeface="Courier New"/>
-            </a:endParaRPr>
-          </a:p>
-          <a:p>
-            <a:pPr indent="0" lvl="0" marL="0" rtl="0" algn="l">
-              <a:spcBef>
-                <a:spcPts val="0"/>
-              </a:spcBef>
-              <a:spcAft>
-                <a:spcPts val="0"/>
-              </a:spcAft>
-              <a:buNone/>
-            </a:pPr>
-            <a:r>
-              <a:rPr lang="en" sz="2400">
-                <a:solidFill>
-                  <a:schemeClr val="dk1"/>
-                </a:solidFill>
-                <a:latin typeface="Courier New"/>
-                <a:ea typeface="Courier New"/>
-                <a:cs typeface="Courier New"/>
-                <a:sym typeface="Courier New"/>
-              </a:rPr>
-              <a:t>e</a:t>
-            </a:r>
-            <a:r>
-              <a:rPr lang="en" sz="2400">
-                <a:solidFill>
-                  <a:schemeClr val="dk1"/>
-                </a:solidFill>
-                <a:latin typeface="Courier New"/>
-                <a:ea typeface="Courier New"/>
-                <a:cs typeface="Courier New"/>
-                <a:sym typeface="Courier New"/>
-              </a:rPr>
-              <a:t>lse</a:t>
-            </a:r>
-            <a:endParaRPr sz="2400">
-              <a:solidFill>
-                <a:schemeClr val="dk1"/>
-              </a:solidFill>
-              <a:latin typeface="Courier New"/>
-              <a:ea typeface="Courier New"/>
-              <a:cs typeface="Courier New"/>
-              <a:sym typeface="Courier New"/>
-            </a:endParaRPr>
-          </a:p>
-          <a:p>
-            <a:pPr indent="0" lvl="0" marL="0" rtl="0" algn="l">
-              <a:spcBef>
-                <a:spcPts val="0"/>
-              </a:spcBef>
-              <a:spcAft>
-                <a:spcPts val="0"/>
-              </a:spcAft>
-              <a:buNone/>
-            </a:pPr>
-            <a:r>
-              <a:rPr lang="en" sz="2400">
-                <a:solidFill>
-                  <a:schemeClr val="dk1"/>
-                </a:solidFill>
-                <a:latin typeface="Courier New"/>
-                <a:ea typeface="Courier New"/>
-                <a:cs typeface="Courier New"/>
-                <a:sym typeface="Courier New"/>
-              </a:rPr>
-              <a:t>{</a:t>
-            </a:r>
-            <a:endParaRPr sz="2400">
-              <a:solidFill>
-                <a:schemeClr val="dk1"/>
-              </a:solidFill>
-              <a:latin typeface="Courier New"/>
-              <a:ea typeface="Courier New"/>
-              <a:cs typeface="Courier New"/>
-              <a:sym typeface="Courier New"/>
-            </a:endParaRPr>
-          </a:p>
-          <a:p>
-            <a:pPr indent="457200" lvl="0" marL="0" rtl="0" algn="l">
-              <a:spcBef>
-                <a:spcPts val="0"/>
-              </a:spcBef>
-              <a:spcAft>
-                <a:spcPts val="0"/>
-              </a:spcAft>
-              <a:buNone/>
-            </a:pPr>
-            <a:r>
-              <a:rPr lang="en" sz="2400">
-                <a:solidFill>
-                  <a:schemeClr val="dk1"/>
-                </a:solidFill>
-                <a:latin typeface="Courier New"/>
-                <a:ea typeface="Courier New"/>
-                <a:cs typeface="Courier New"/>
-                <a:sym typeface="Courier New"/>
-              </a:rPr>
-              <a:t>statement 2</a:t>
-            </a:r>
-            <a:endParaRPr sz="2400">
-              <a:solidFill>
-                <a:schemeClr val="dk1"/>
-              </a:solidFill>
-              <a:latin typeface="Courier New"/>
-              <a:ea typeface="Courier New"/>
-              <a:cs typeface="Courier New"/>
-              <a:sym typeface="Courier New"/>
-            </a:endParaRPr>
-          </a:p>
-          <a:p>
-            <a:pPr indent="0" lvl="0" marL="0" rtl="0" algn="l">
-              <a:spcBef>
-                <a:spcPts val="0"/>
-              </a:spcBef>
-              <a:spcAft>
-                <a:spcPts val="0"/>
-              </a:spcAft>
-              <a:buNone/>
-            </a:pPr>
-            <a:r>
-              <a:rPr lang="en" sz="2400">
-                <a:solidFill>
-                  <a:schemeClr val="dk1"/>
-                </a:solidFill>
-                <a:latin typeface="Courier New"/>
-                <a:ea typeface="Courier New"/>
-                <a:cs typeface="Courier New"/>
-                <a:sym typeface="Courier New"/>
-              </a:rPr>
-              <a:t>}</a:t>
-            </a:r>
-            <a:endParaRPr sz="2400">
-              <a:latin typeface="Courier New"/>
-              <a:ea typeface="Courier New"/>
-              <a:cs typeface="Courier New"/>
-              <a:sym typeface="Courier New"/>
-            </a:endParaRPr>
-          </a:p>
-        </p:txBody>
-      </p:sp>
-      <p:sp>
-        <p:nvSpPr>
-          <p:cNvPr id="113" name="Google Shape;113;p21"/>
-          <p:cNvSpPr/>
-          <p:nvPr/>
-        </p:nvSpPr>
-        <p:spPr>
-          <a:xfrm>
-            <a:off x="4874575" y="572700"/>
-            <a:ext cx="4269300" cy="3468300"/>
-          </a:xfrm>
-          <a:prstGeom prst="rect">
-            <a:avLst/>
-          </a:prstGeom>
-          <a:noFill/>
-          <a:ln cap="flat" cmpd="sng" w="28575">
-            <a:solidFill>
-              <a:srgbClr val="FF9900"/>
-            </a:solidFill>
-            <a:prstDash val="solid"/>
-            <a:round/>
-            <a:headEnd len="sm" w="sm" type="none"/>
-            <a:tailEnd len="sm" w="sm" type="none"/>
-          </a:ln>
-        </p:spPr>
-        <p:txBody>
-          <a:bodyPr anchorCtr="0" anchor="ctr" bIns="91425" lIns="91425" spcFirstLastPara="1" rIns="91425" wrap="square" tIns="91425">
-            <a:noAutofit/>
-          </a:bodyPr>
-          <a:lstStyle/>
-          <a:p>
-            <a:pPr indent="0" lvl="0" marL="0" rtl="0" algn="l">
-              <a:spcBef>
-                <a:spcPts val="0"/>
-              </a:spcBef>
-              <a:spcAft>
-                <a:spcPts val="0"/>
-              </a:spcAft>
-              <a:buNone/>
-            </a:pPr>
-            <a:r>
-              <a:rPr i="1" lang="en" sz="2400">
-                <a:solidFill>
-                  <a:schemeClr val="dk1"/>
-                </a:solidFill>
-                <a:latin typeface="Times New Roman"/>
-                <a:ea typeface="Times New Roman"/>
-                <a:cs typeface="Times New Roman"/>
-                <a:sym typeface="Times New Roman"/>
-              </a:rPr>
-              <a:t>if condition in brackets is true execute the statement 1 </a:t>
-            </a:r>
-            <a:endParaRPr i="1" sz="2400">
-              <a:solidFill>
-                <a:schemeClr val="dk1"/>
-              </a:solidFill>
-              <a:latin typeface="Times New Roman"/>
-              <a:ea typeface="Times New Roman"/>
-              <a:cs typeface="Times New Roman"/>
-              <a:sym typeface="Times New Roman"/>
-            </a:endParaRPr>
-          </a:p>
-          <a:p>
-            <a:pPr indent="0" lvl="0" marL="0" rtl="0" algn="l">
-              <a:spcBef>
-                <a:spcPts val="0"/>
-              </a:spcBef>
-              <a:spcAft>
-                <a:spcPts val="0"/>
-              </a:spcAft>
-              <a:buNone/>
-            </a:pPr>
-            <a:r>
-              <a:t/>
-            </a:r>
-            <a:endParaRPr i="1" sz="2400">
-              <a:solidFill>
-                <a:schemeClr val="dk1"/>
-              </a:solidFill>
-              <a:latin typeface="Times New Roman"/>
-              <a:ea typeface="Times New Roman"/>
-              <a:cs typeface="Times New Roman"/>
-              <a:sym typeface="Times New Roman"/>
-            </a:endParaRPr>
-          </a:p>
-          <a:p>
-            <a:pPr indent="0" lvl="0" marL="0" rtl="0" algn="l">
-              <a:spcBef>
-                <a:spcPts val="0"/>
-              </a:spcBef>
-              <a:spcAft>
-                <a:spcPts val="0"/>
-              </a:spcAft>
-              <a:buNone/>
-            </a:pPr>
-            <a:r>
-              <a:rPr i="1" lang="en" sz="2400">
-                <a:solidFill>
-                  <a:schemeClr val="dk1"/>
-                </a:solidFill>
-                <a:latin typeface="Times New Roman"/>
-                <a:ea typeface="Times New Roman"/>
-                <a:cs typeface="Times New Roman"/>
-                <a:sym typeface="Times New Roman"/>
-              </a:rPr>
-              <a:t>otherwise</a:t>
-            </a:r>
-            <a:endParaRPr i="1" sz="2400">
-              <a:solidFill>
-                <a:schemeClr val="dk1"/>
-              </a:solidFill>
-              <a:latin typeface="Times New Roman"/>
-              <a:ea typeface="Times New Roman"/>
-              <a:cs typeface="Times New Roman"/>
-              <a:sym typeface="Times New Roman"/>
-            </a:endParaRPr>
-          </a:p>
-          <a:p>
-            <a:pPr indent="0" lvl="0" marL="0" rtl="0" algn="l">
-              <a:spcBef>
-                <a:spcPts val="0"/>
-              </a:spcBef>
-              <a:spcAft>
-                <a:spcPts val="0"/>
-              </a:spcAft>
-              <a:buNone/>
-            </a:pPr>
-            <a:r>
-              <a:rPr i="1" lang="en" sz="2400">
-                <a:solidFill>
-                  <a:schemeClr val="dk1"/>
-                </a:solidFill>
-                <a:latin typeface="Times New Roman"/>
-                <a:ea typeface="Times New Roman"/>
-                <a:cs typeface="Times New Roman"/>
-                <a:sym typeface="Times New Roman"/>
-              </a:rPr>
-              <a:t>execute the statement 2</a:t>
-            </a:r>
-            <a:endParaRPr i="1" sz="2400">
-              <a:solidFill>
-                <a:schemeClr val="dk1"/>
-              </a:solidFill>
-              <a:latin typeface="Times New Roman"/>
-              <a:ea typeface="Times New Roman"/>
-              <a:cs typeface="Times New Roman"/>
-              <a:sym typeface="Times New Roman"/>
-            </a:endParaRPr>
-          </a:p>
-          <a:p>
-            <a:pPr indent="0" lvl="0" marL="0" rtl="0" algn="l">
-              <a:spcBef>
-                <a:spcPts val="0"/>
-              </a:spcBef>
-              <a:spcAft>
-                <a:spcPts val="0"/>
-              </a:spcAft>
-              <a:buNone/>
-            </a:pPr>
-            <a:r>
-              <a:t/>
-            </a:r>
-            <a:endParaRPr sz="2400">
-              <a:solidFill>
-                <a:schemeClr val="dk1"/>
-              </a:solidFill>
-              <a:latin typeface="Times New Roman"/>
-              <a:ea typeface="Times New Roman"/>
-              <a:cs typeface="Times New Roman"/>
-              <a:sym typeface="Times New Roman"/>
-            </a:endParaRPr>
-          </a:p>
-          <a:p>
-            <a:pPr indent="0" lvl="0" marL="0" rtl="0" algn="l">
-              <a:spcBef>
-                <a:spcPts val="0"/>
-              </a:spcBef>
-              <a:spcAft>
-                <a:spcPts val="0"/>
-              </a:spcAft>
-              <a:buClr>
-                <a:schemeClr val="dk1"/>
-              </a:buClr>
-              <a:buSzPts val="1100"/>
-              <a:buFont typeface="Arial"/>
-              <a:buNone/>
-            </a:pPr>
-            <a:r>
-              <a:rPr lang="en" sz="2400">
-                <a:solidFill>
-                  <a:schemeClr val="dk1"/>
-                </a:solidFill>
-                <a:latin typeface="Times New Roman"/>
-                <a:ea typeface="Times New Roman"/>
-                <a:cs typeface="Times New Roman"/>
-                <a:sym typeface="Times New Roman"/>
-              </a:rPr>
-              <a:t>{}</a:t>
-            </a:r>
-            <a:r>
-              <a:rPr i="1" lang="en" sz="2400">
-                <a:solidFill>
-                  <a:schemeClr val="dk1"/>
-                </a:solidFill>
-                <a:latin typeface="Times New Roman"/>
-                <a:ea typeface="Times New Roman"/>
-                <a:cs typeface="Times New Roman"/>
-                <a:sym typeface="Times New Roman"/>
-              </a:rPr>
-              <a:t> are optional for one statement</a:t>
-            </a:r>
-            <a:endParaRPr i="1" sz="2400">
-              <a:solidFill>
-                <a:schemeClr val="dk1"/>
-              </a:solidFill>
-              <a:latin typeface="Times New Roman"/>
-              <a:ea typeface="Times New Roman"/>
-              <a:cs typeface="Times New Roman"/>
-              <a:sym typeface="Times New Roman"/>
-            </a:endParaRPr>
-          </a:p>
-        </p:txBody>
-      </p:sp>
-    </p:spTree>
-  </p:cSld>
-  <p:clrMapOvr>
-    <a:masterClrMapping/>
-  </p:clrMapOvr>
-</p:sld>
-</file>
-
-<file path=ppt/slides/slide9.xml><?xml version="1.0" encoding="utf-8"?>
-<p:sld xmlns:a="http://schemas.openxmlformats.org/drawingml/2006/main" xmlns:r="http://schemas.openxmlformats.org/officeDocument/2006/relationships" xmlns:mc="http://schemas.openxmlformats.org/markup-compatibility/2006" xmlns:mv="urn:schemas-microsoft-com:mac:vml" xmlns:p="http://schemas.openxmlformats.org/presentationml/2006/main" xmlns:c="http://schemas.openxmlformats.org/drawingml/2006/chart" xmlns:dgm="http://schemas.openxmlformats.org/drawingml/2006/diagram" xmlns:o="urn:schemas-microsoft-com:office:office" xmlns:v="urn:schemas-microsoft-com:vml" xmlns:pvml="urn:schemas-microsoft-com:office:powerpoint" xmlns:com="http://schemas.openxmlformats.org/drawingml/2006/compatibility" xmlns:p14="http://schemas.microsoft.com/office/powerpoint/2010/main" xmlns:p15="http://schemas.microsoft.com/office/powerpoint/2012/main" xmlns:ahyp="http://schemas.microsoft.com/office/drawing/2018/hyperlinkcolor">
-  <p:cSld>
-    <p:spTree>
-      <p:nvGrpSpPr>
-        <p:cNvPr id="117" name="Shape 117"/>
-        <p:cNvGrpSpPr/>
-        <p:nvPr/>
-      </p:nvGrpSpPr>
-      <p:grpSpPr>
-        <a:xfrm>
-          <a:off x="0" y="0"/>
-          <a:ext cx="0" cy="0"/>
-          <a:chOff x="0" y="0"/>
-          <a:chExt cx="0" cy="0"/>
-        </a:xfrm>
-      </p:grpSpPr>
-      <p:sp>
-        <p:nvSpPr>
-          <p:cNvPr id="118" name="Google Shape;118;p22"/>
-          <p:cNvSpPr txBox="1"/>
-          <p:nvPr>
-            <p:ph type="title"/>
-          </p:nvPr>
-        </p:nvSpPr>
-        <p:spPr>
-          <a:xfrm>
-            <a:off x="0" y="0"/>
-            <a:ext cx="9144000" cy="572700"/>
-          </a:xfrm>
-          <a:prstGeom prst="rect">
-            <a:avLst/>
-          </a:prstGeom>
-        </p:spPr>
-        <p:txBody>
-          <a:bodyPr anchorCtr="0" anchor="t" bIns="91425" lIns="91425" spcFirstLastPara="1" rIns="91425" wrap="square" tIns="91425">
-            <a:noAutofit/>
-          </a:bodyPr>
-          <a:lstStyle/>
-          <a:p>
-            <a:pPr indent="0" lvl="0" marL="0" rtl="0" algn="l">
-              <a:spcBef>
-                <a:spcPts val="0"/>
-              </a:spcBef>
-              <a:spcAft>
-                <a:spcPts val="0"/>
-              </a:spcAft>
-              <a:buSzPts val="990"/>
-              <a:buNone/>
-            </a:pPr>
-            <a:r>
-              <a:rPr b="1" lang="en" sz="3020">
-                <a:latin typeface="Times New Roman"/>
-                <a:ea typeface="Times New Roman"/>
-                <a:cs typeface="Times New Roman"/>
-                <a:sym typeface="Times New Roman"/>
-              </a:rPr>
-              <a:t>Comparison</a:t>
-            </a:r>
-            <a:endParaRPr b="1" sz="3020">
-              <a:latin typeface="Times New Roman"/>
-              <a:ea typeface="Times New Roman"/>
-              <a:cs typeface="Times New Roman"/>
-              <a:sym typeface="Times New Roman"/>
-            </a:endParaRPr>
-          </a:p>
-        </p:txBody>
-      </p:sp>
-      <p:sp>
-        <p:nvSpPr>
-          <p:cNvPr id="119" name="Google Shape;119;p22"/>
-          <p:cNvSpPr txBox="1"/>
-          <p:nvPr/>
-        </p:nvSpPr>
-        <p:spPr>
-          <a:xfrm>
-            <a:off x="-12" y="4767600"/>
-            <a:ext cx="9144000" cy="375900"/>
-          </a:xfrm>
-          <a:prstGeom prst="rect">
-            <a:avLst/>
-          </a:prstGeom>
-          <a:noFill/>
-          <a:ln>
-            <a:noFill/>
-          </a:ln>
-        </p:spPr>
-        <p:txBody>
-          <a:bodyPr anchorCtr="0" anchor="t" bIns="91425" lIns="91425" spcFirstLastPara="1" rIns="91425" wrap="square" tIns="91425">
-            <a:spAutoFit/>
-          </a:bodyPr>
-          <a:lstStyle/>
-          <a:p>
-            <a:pPr indent="0" lvl="0" marL="12700" marR="259715" rtl="0" algn="ctr">
-              <a:lnSpc>
-                <a:spcPct val="88700"/>
-              </a:lnSpc>
-              <a:spcBef>
-                <a:spcPts val="0"/>
-              </a:spcBef>
-              <a:spcAft>
-                <a:spcPts val="0"/>
-              </a:spcAft>
-              <a:buNone/>
-            </a:pPr>
-            <a:r>
-              <a:t/>
-            </a:r>
-            <a:endParaRPr b="1">
-              <a:solidFill>
-                <a:schemeClr val="dk1"/>
-              </a:solidFill>
-              <a:latin typeface="Times New Roman"/>
-              <a:ea typeface="Times New Roman"/>
-              <a:cs typeface="Times New Roman"/>
-              <a:sym typeface="Times New Roman"/>
-            </a:endParaRPr>
-          </a:p>
-        </p:txBody>
-      </p:sp>
-      <p:sp>
-        <p:nvSpPr>
-          <p:cNvPr id="120" name="Google Shape;120;p22"/>
-          <p:cNvSpPr/>
-          <p:nvPr/>
-        </p:nvSpPr>
-        <p:spPr>
-          <a:xfrm>
-            <a:off x="-125" y="572700"/>
-            <a:ext cx="9144000" cy="4194900"/>
-          </a:xfrm>
-          <a:prstGeom prst="rect">
-            <a:avLst/>
-          </a:prstGeom>
-          <a:noFill/>
-          <a:ln>
-            <a:noFill/>
-          </a:ln>
-        </p:spPr>
-        <p:txBody>
-          <a:bodyPr anchorCtr="0" anchor="t" bIns="91425" lIns="91425" spcFirstLastPara="1" rIns="91425" wrap="square" tIns="91425">
-            <a:noAutofit/>
-          </a:bodyPr>
-          <a:lstStyle/>
-          <a:p>
-            <a:pPr indent="0" lvl="0" marL="0" rtl="0" algn="l">
-              <a:spcBef>
-                <a:spcPts val="0"/>
-              </a:spcBef>
-              <a:spcAft>
-                <a:spcPts val="0"/>
-              </a:spcAft>
-              <a:buNone/>
-            </a:pPr>
-            <a:r>
-              <a:rPr lang="en" sz="2000">
-                <a:solidFill>
-                  <a:schemeClr val="dk1"/>
-                </a:solidFill>
-                <a:latin typeface="Courier New"/>
-                <a:ea typeface="Courier New"/>
-                <a:cs typeface="Courier New"/>
-                <a:sym typeface="Courier New"/>
-              </a:rPr>
-              <a:t>if(hiddenNumber == enteredNumber)</a:t>
-            </a:r>
-            <a:endParaRPr sz="2000">
-              <a:solidFill>
-                <a:schemeClr val="dk1"/>
-              </a:solidFill>
-              <a:latin typeface="Courier New"/>
-              <a:ea typeface="Courier New"/>
-              <a:cs typeface="Courier New"/>
-              <a:sym typeface="Courier New"/>
-            </a:endParaRPr>
-          </a:p>
-          <a:p>
-            <a:pPr indent="0" lvl="0" marL="0" rtl="0" algn="l">
-              <a:spcBef>
-                <a:spcPts val="0"/>
-              </a:spcBef>
-              <a:spcAft>
-                <a:spcPts val="0"/>
-              </a:spcAft>
-              <a:buNone/>
-            </a:pPr>
-            <a:r>
-              <a:rPr lang="en" sz="2000">
-                <a:solidFill>
-                  <a:schemeClr val="dk1"/>
-                </a:solidFill>
-                <a:latin typeface="Courier New"/>
-                <a:ea typeface="Courier New"/>
-                <a:cs typeface="Courier New"/>
-                <a:sym typeface="Courier New"/>
-              </a:rPr>
-              <a:t>{</a:t>
-            </a:r>
-            <a:endParaRPr sz="2000">
-              <a:solidFill>
-                <a:schemeClr val="dk1"/>
-              </a:solidFill>
-              <a:latin typeface="Courier New"/>
-              <a:ea typeface="Courier New"/>
-              <a:cs typeface="Courier New"/>
-              <a:sym typeface="Courier New"/>
-            </a:endParaRPr>
-          </a:p>
-          <a:p>
-            <a:pPr indent="457200" lvl="0" marL="0" rtl="0" algn="l">
-              <a:spcBef>
-                <a:spcPts val="0"/>
-              </a:spcBef>
-              <a:spcAft>
-                <a:spcPts val="0"/>
-              </a:spcAft>
-              <a:buNone/>
-            </a:pPr>
-            <a:r>
-              <a:rPr lang="en" sz="2000">
-                <a:solidFill>
-                  <a:schemeClr val="dk1"/>
-                </a:solidFill>
-                <a:latin typeface="Courier New"/>
-                <a:ea typeface="Courier New"/>
-                <a:cs typeface="Courier New"/>
-                <a:sym typeface="Courier New"/>
-              </a:rPr>
-              <a:t>console.log(</a:t>
-            </a:r>
-            <a:r>
-              <a:rPr lang="en" sz="2000">
-                <a:solidFill>
-                  <a:schemeClr val="dk1"/>
-                </a:solidFill>
-                <a:latin typeface="Courier New"/>
-                <a:ea typeface="Courier New"/>
-                <a:cs typeface="Courier New"/>
-                <a:sym typeface="Courier New"/>
-              </a:rPr>
-              <a:t>"Congratulations!"</a:t>
-            </a:r>
-            <a:r>
-              <a:rPr lang="en" sz="2000">
-                <a:solidFill>
-                  <a:schemeClr val="dk1"/>
-                </a:solidFill>
-                <a:latin typeface="Courier New"/>
-                <a:ea typeface="Courier New"/>
-                <a:cs typeface="Courier New"/>
-                <a:sym typeface="Courier New"/>
-              </a:rPr>
-              <a:t>)</a:t>
-            </a:r>
-            <a:endParaRPr sz="2000">
-              <a:solidFill>
-                <a:schemeClr val="dk1"/>
-              </a:solidFill>
-              <a:latin typeface="Courier New"/>
-              <a:ea typeface="Courier New"/>
-              <a:cs typeface="Courier New"/>
-              <a:sym typeface="Courier New"/>
-            </a:endParaRPr>
-          </a:p>
-          <a:p>
-            <a:pPr indent="457200" lvl="0" marL="0" rtl="0" algn="l">
-              <a:spcBef>
-                <a:spcPts val="0"/>
-              </a:spcBef>
-              <a:spcAft>
-                <a:spcPts val="0"/>
-              </a:spcAft>
-              <a:buNone/>
-            </a:pPr>
-            <a:r>
-              <a:rPr lang="en" sz="2000">
-                <a:solidFill>
-                  <a:schemeClr val="dk1"/>
-                </a:solidFill>
-                <a:latin typeface="Courier New"/>
-                <a:ea typeface="Courier New"/>
-                <a:cs typeface="Courier New"/>
-                <a:sym typeface="Courier New"/>
-              </a:rPr>
-              <a:t>console.log("</a:t>
-            </a:r>
-            <a:r>
-              <a:rPr lang="en" sz="2000">
-                <a:solidFill>
-                  <a:schemeClr val="dk1"/>
-                </a:solidFill>
-                <a:latin typeface="Courier New"/>
-                <a:ea typeface="Courier New"/>
-                <a:cs typeface="Courier New"/>
-                <a:sym typeface="Courier New"/>
-              </a:rPr>
-              <a:t>You have found the hidden number!"</a:t>
-            </a:r>
-            <a:r>
-              <a:rPr lang="en" sz="2000">
-                <a:solidFill>
-                  <a:schemeClr val="dk1"/>
-                </a:solidFill>
-                <a:latin typeface="Courier New"/>
-                <a:ea typeface="Courier New"/>
-                <a:cs typeface="Courier New"/>
-                <a:sym typeface="Courier New"/>
-              </a:rPr>
-              <a:t>)</a:t>
-            </a:r>
-            <a:endParaRPr sz="2000">
-              <a:solidFill>
-                <a:schemeClr val="dk1"/>
-              </a:solidFill>
-              <a:latin typeface="Courier New"/>
-              <a:ea typeface="Courier New"/>
-              <a:cs typeface="Courier New"/>
-              <a:sym typeface="Courier New"/>
-            </a:endParaRPr>
-          </a:p>
-          <a:p>
-            <a:pPr indent="0" lvl="0" marL="0" rtl="0" algn="l">
-              <a:spcBef>
-                <a:spcPts val="0"/>
-              </a:spcBef>
-              <a:spcAft>
-                <a:spcPts val="0"/>
-              </a:spcAft>
-              <a:buNone/>
-            </a:pPr>
-            <a:r>
-              <a:rPr lang="en" sz="2000">
-                <a:solidFill>
-                  <a:schemeClr val="dk1"/>
-                </a:solidFill>
-                <a:latin typeface="Courier New"/>
-                <a:ea typeface="Courier New"/>
-                <a:cs typeface="Courier New"/>
-                <a:sym typeface="Courier New"/>
-              </a:rPr>
-              <a:t>}</a:t>
-            </a:r>
-            <a:endParaRPr sz="2000">
-              <a:solidFill>
-                <a:schemeClr val="dk1"/>
-              </a:solidFill>
-              <a:latin typeface="Courier New"/>
-              <a:ea typeface="Courier New"/>
-              <a:cs typeface="Courier New"/>
-              <a:sym typeface="Courier New"/>
-            </a:endParaRPr>
-          </a:p>
-          <a:p>
-            <a:pPr indent="0" lvl="0" marL="0" rtl="0" algn="l">
-              <a:spcBef>
-                <a:spcPts val="0"/>
-              </a:spcBef>
-              <a:spcAft>
-                <a:spcPts val="0"/>
-              </a:spcAft>
-              <a:buNone/>
-            </a:pPr>
-            <a:r>
-              <a:rPr lang="en" sz="2000">
-                <a:solidFill>
-                  <a:schemeClr val="dk1"/>
-                </a:solidFill>
-                <a:latin typeface="Courier New"/>
-                <a:ea typeface="Courier New"/>
-                <a:cs typeface="Courier New"/>
-                <a:sym typeface="Courier New"/>
-              </a:rPr>
-              <a:t>else</a:t>
-            </a:r>
-            <a:endParaRPr sz="2000">
-              <a:solidFill>
-                <a:schemeClr val="dk1"/>
-              </a:solidFill>
-              <a:latin typeface="Courier New"/>
-              <a:ea typeface="Courier New"/>
-              <a:cs typeface="Courier New"/>
-              <a:sym typeface="Courier New"/>
-            </a:endParaRPr>
-          </a:p>
-          <a:p>
-            <a:pPr indent="0" lvl="0" marL="0" rtl="0" algn="l">
-              <a:spcBef>
-                <a:spcPts val="0"/>
-              </a:spcBef>
-              <a:spcAft>
-                <a:spcPts val="0"/>
-              </a:spcAft>
-              <a:buNone/>
-            </a:pPr>
-            <a:r>
-              <a:rPr lang="en" sz="2000">
-                <a:solidFill>
-                  <a:schemeClr val="dk1"/>
-                </a:solidFill>
-                <a:latin typeface="Courier New"/>
-                <a:ea typeface="Courier New"/>
-                <a:cs typeface="Courier New"/>
-                <a:sym typeface="Courier New"/>
-              </a:rPr>
-              <a:t>{</a:t>
-            </a:r>
-            <a:endParaRPr sz="2000">
-              <a:solidFill>
-                <a:schemeClr val="dk1"/>
-              </a:solidFill>
-              <a:latin typeface="Courier New"/>
-              <a:ea typeface="Courier New"/>
-              <a:cs typeface="Courier New"/>
-              <a:sym typeface="Courier New"/>
-            </a:endParaRPr>
-          </a:p>
-          <a:p>
-            <a:pPr indent="457200" lvl="0" marL="0" rtl="0" algn="l">
-              <a:spcBef>
-                <a:spcPts val="0"/>
-              </a:spcBef>
-              <a:spcAft>
-                <a:spcPts val="0"/>
-              </a:spcAft>
-              <a:buNone/>
-            </a:pPr>
-            <a:r>
-              <a:rPr lang="en" sz="2000">
-                <a:solidFill>
-                  <a:schemeClr val="dk1"/>
-                </a:solidFill>
-                <a:latin typeface="Courier New"/>
-                <a:ea typeface="Courier New"/>
-                <a:cs typeface="Courier New"/>
-                <a:sym typeface="Courier New"/>
-              </a:rPr>
-              <a:t>console.log("It is not the hidden number!")</a:t>
-            </a:r>
-            <a:endParaRPr sz="2000">
-              <a:solidFill>
-                <a:schemeClr val="dk1"/>
-              </a:solidFill>
-              <a:latin typeface="Courier New"/>
-              <a:ea typeface="Courier New"/>
-              <a:cs typeface="Courier New"/>
-              <a:sym typeface="Courier New"/>
-            </a:endParaRPr>
-          </a:p>
-          <a:p>
-            <a:pPr indent="457200" lvl="0" marL="0" rtl="0" algn="l">
-              <a:spcBef>
-                <a:spcPts val="0"/>
-              </a:spcBef>
-              <a:spcAft>
-                <a:spcPts val="0"/>
-              </a:spcAft>
-              <a:buClr>
-                <a:schemeClr val="dk1"/>
-              </a:buClr>
-              <a:buSzPts val="1100"/>
-              <a:buFont typeface="Arial"/>
-              <a:buNone/>
-            </a:pPr>
-            <a:r>
-              <a:rPr lang="en" sz="2000">
-                <a:solidFill>
-                  <a:schemeClr val="dk1"/>
-                </a:solidFill>
-                <a:latin typeface="Courier New"/>
-                <a:ea typeface="Courier New"/>
-                <a:cs typeface="Courier New"/>
-                <a:sym typeface="Courier New"/>
-              </a:rPr>
-              <a:t>console.log("Try Again!")</a:t>
-            </a:r>
-            <a:endParaRPr sz="2000">
-              <a:solidFill>
-                <a:schemeClr val="dk1"/>
-              </a:solidFill>
-              <a:latin typeface="Courier New"/>
-              <a:ea typeface="Courier New"/>
-              <a:cs typeface="Courier New"/>
-              <a:sym typeface="Courier New"/>
-            </a:endParaRPr>
-          </a:p>
-          <a:p>
-            <a:pPr indent="0" lvl="0" marL="0" rtl="0" algn="l">
-              <a:spcBef>
-                <a:spcPts val="0"/>
-              </a:spcBef>
-              <a:spcAft>
-                <a:spcPts val="0"/>
-              </a:spcAft>
-              <a:buNone/>
-            </a:pPr>
-            <a:r>
-              <a:rPr lang="en" sz="2000">
-                <a:solidFill>
-                  <a:schemeClr val="dk1"/>
-                </a:solidFill>
-                <a:latin typeface="Courier New"/>
-                <a:ea typeface="Courier New"/>
-                <a:cs typeface="Courier New"/>
-                <a:sym typeface="Courier New"/>
-              </a:rPr>
-              <a:t>}</a:t>
-            </a:r>
-            <a:endParaRPr sz="2000">
-              <a:solidFill>
-                <a:schemeClr val="dk1"/>
-              </a:solidFill>
-              <a:latin typeface="Courier New"/>
-              <a:ea typeface="Courier New"/>
-              <a:cs typeface="Courier New"/>
-              <a:sym typeface="Courier New"/>
             </a:endParaRPr>
           </a:p>
         </p:txBody>
